--- a/powerpoints/10-web-builders.pptx
+++ b/powerpoints/10-web-builders.pptx
@@ -5,7 +5,7 @@
     <p:sldMasterId id="2147483648" r:id="rId1"/>
   </p:sldMasterIdLst>
   <p:notesMasterIdLst>
-    <p:NotesMasterId r:id="rId10"/>
+    <p:NotesMasterId r:id="rId17"/>
   </p:notesMasterIdLst>
   <p:sldIdLst>
     <p:sldId id="256" r:id="rId2"/>
@@ -16,6 +16,13 @@
     <p:sldId id="261" r:id="rId7"/>
     <p:sldId id="262" r:id="rId8"/>
     <p:sldId id="263" r:id="rId9"/>
+    <p:sldId id="264" r:id="rId10"/>
+    <p:sldId id="265" r:id="rId11"/>
+    <p:sldId id="266" r:id="rId12"/>
+    <p:sldId id="267" r:id="rId13"/>
+    <p:sldId id="268" r:id="rId14"/>
+    <p:sldId id="269" r:id="rId15"/>
+    <p:sldId id="270" r:id="rId16"/>
   </p:sldIdLst>
   <p:sldSz cx="9144000" cy="6858000" type="screen4x3"/>
   <p:notesSz cx="6858000" cy="9144000"/>
@@ -2390,6 +2397,694 @@
               <a:t>mins]</a:t>
             </a:r>
           </a:p>
+          <a:p>
+            <a:pPr lvl="0" marL="0" indent="0">
+              <a:buNone/>
+            </a:pPr>
+          </a:p>
+          <a:p>
+            <a:pPr lvl="1"/>
+            <a:r>
+              <a:rPr/>
+              <a:t>Explain:</a:t>
+            </a:r>
+          </a:p>
+          <a:p>
+            <a:pPr lvl="0" marL="0" indent="0">
+              <a:buNone/>
+            </a:pPr>
+          </a:p>
+          <a:p>
+            <a:pPr lvl="2"/>
+            <a:r>
+              <a:rPr/>
+              <a:t>Today</a:t>
+            </a:r>
+            <a:r>
+              <a:rPr/>
+              <a:t> </a:t>
+            </a:r>
+            <a:r>
+              <a:rPr/>
+              <a:t>we’re</a:t>
+            </a:r>
+            <a:r>
+              <a:rPr/>
+              <a:t> </a:t>
+            </a:r>
+            <a:r>
+              <a:rPr/>
+              <a:t>going</a:t>
+            </a:r>
+            <a:r>
+              <a:rPr/>
+              <a:t> </a:t>
+            </a:r>
+            <a:r>
+              <a:rPr/>
+              <a:t>to</a:t>
+            </a:r>
+            <a:r>
+              <a:rPr/>
+              <a:t> </a:t>
+            </a:r>
+            <a:r>
+              <a:rPr/>
+              <a:t>talk</a:t>
+            </a:r>
+            <a:r>
+              <a:rPr/>
+              <a:t> </a:t>
+            </a:r>
+            <a:r>
+              <a:rPr/>
+              <a:t>about</a:t>
+            </a:r>
+            <a:r>
+              <a:rPr/>
+              <a:t> </a:t>
+            </a:r>
+            <a:r>
+              <a:rPr/>
+              <a:t>some</a:t>
+            </a:r>
+            <a:r>
+              <a:rPr/>
+              <a:t> </a:t>
+            </a:r>
+            <a:r>
+              <a:rPr/>
+              <a:t>software</a:t>
+            </a:r>
+            <a:r>
+              <a:rPr/>
+              <a:t> </a:t>
+            </a:r>
+            <a:r>
+              <a:rPr/>
+              <a:t>tools–</a:t>
+            </a:r>
+            <a:r>
+              <a:rPr/>
+              <a:t> </a:t>
+            </a:r>
+            <a:r>
+              <a:rPr/>
+              <a:t>called</a:t>
+            </a:r>
+            <a:r>
+              <a:rPr/>
+              <a:t> </a:t>
+            </a:r>
+            <a:r>
+              <a:rPr/>
+              <a:t>website</a:t>
+            </a:r>
+            <a:r>
+              <a:rPr/>
+              <a:t> </a:t>
+            </a:r>
+            <a:r>
+              <a:rPr/>
+              <a:t>builders</a:t>
+            </a:r>
+            <a:r>
+              <a:rPr/>
+              <a:t> </a:t>
+            </a:r>
+            <a:r>
+              <a:rPr/>
+              <a:t>or</a:t>
+            </a:r>
+            <a:r>
+              <a:rPr/>
+              <a:t> </a:t>
+            </a:r>
+            <a:r>
+              <a:rPr/>
+              <a:t>content</a:t>
+            </a:r>
+            <a:r>
+              <a:rPr/>
+              <a:t> </a:t>
+            </a:r>
+            <a:r>
+              <a:rPr/>
+              <a:t>management</a:t>
+            </a:r>
+            <a:r>
+              <a:rPr/>
+              <a:t> </a:t>
+            </a:r>
+            <a:r>
+              <a:rPr/>
+              <a:t>systems–</a:t>
+            </a:r>
+            <a:r>
+              <a:rPr/>
+              <a:t> </a:t>
+            </a:r>
+            <a:r>
+              <a:rPr/>
+              <a:t>that</a:t>
+            </a:r>
+            <a:r>
+              <a:rPr/>
+              <a:t> </a:t>
+            </a:r>
+            <a:r>
+              <a:rPr/>
+              <a:t>many</a:t>
+            </a:r>
+            <a:r>
+              <a:rPr/>
+              <a:t> </a:t>
+            </a:r>
+            <a:r>
+              <a:rPr/>
+              <a:t>people</a:t>
+            </a:r>
+            <a:r>
+              <a:rPr/>
+              <a:t> </a:t>
+            </a:r>
+            <a:r>
+              <a:rPr/>
+              <a:t>(designers,</a:t>
+            </a:r>
+            <a:r>
+              <a:rPr/>
+              <a:t> </a:t>
+            </a:r>
+            <a:r>
+              <a:rPr/>
+              <a:t>developers,</a:t>
+            </a:r>
+            <a:r>
+              <a:rPr/>
+              <a:t> </a:t>
+            </a:r>
+            <a:r>
+              <a:rPr/>
+              <a:t>as</a:t>
+            </a:r>
+            <a:r>
+              <a:rPr/>
+              <a:t> </a:t>
+            </a:r>
+            <a:r>
+              <a:rPr/>
+              <a:t>well</a:t>
+            </a:r>
+            <a:r>
+              <a:rPr/>
+              <a:t> </a:t>
+            </a:r>
+            <a:r>
+              <a:rPr/>
+              <a:t>as</a:t>
+            </a:r>
+            <a:r>
+              <a:rPr/>
+              <a:t> </a:t>
+            </a:r>
+            <a:r>
+              <a:rPr/>
+              <a:t>web</a:t>
+            </a:r>
+            <a:r>
+              <a:rPr/>
+              <a:t> </a:t>
+            </a:r>
+            <a:r>
+              <a:rPr/>
+              <a:t>newcomers</a:t>
+            </a:r>
+            <a:r>
+              <a:rPr/>
+              <a:t> </a:t>
+            </a:r>
+            <a:r>
+              <a:rPr/>
+              <a:t>who</a:t>
+            </a:r>
+            <a:r>
+              <a:rPr/>
+              <a:t> </a:t>
+            </a:r>
+            <a:r>
+              <a:rPr/>
+              <a:t>are</a:t>
+            </a:r>
+            <a:r>
+              <a:rPr/>
+              <a:t> </a:t>
+            </a:r>
+            <a:r>
+              <a:rPr/>
+              <a:t>non-experts)</a:t>
+            </a:r>
+            <a:r>
+              <a:rPr/>
+              <a:t> </a:t>
+            </a:r>
+            <a:r>
+              <a:rPr/>
+              <a:t>use</a:t>
+            </a:r>
+            <a:r>
+              <a:rPr/>
+              <a:t> </a:t>
+            </a:r>
+            <a:r>
+              <a:rPr/>
+              <a:t>to</a:t>
+            </a:r>
+            <a:r>
+              <a:rPr/>
+              <a:t> </a:t>
+            </a:r>
+            <a:r>
+              <a:rPr/>
+              <a:t>create</a:t>
+            </a:r>
+            <a:r>
+              <a:rPr/>
+              <a:t> </a:t>
+            </a:r>
+            <a:r>
+              <a:rPr/>
+              <a:t>websites.</a:t>
+            </a:r>
+          </a:p>
+          <a:p>
+            <a:pPr lvl="0" marL="0" indent="0">
+              <a:buNone/>
+            </a:pPr>
+          </a:p>
+          <a:p>
+            <a:pPr lvl="2"/>
+            <a:r>
+              <a:rPr/>
+              <a:t>These</a:t>
+            </a:r>
+            <a:r>
+              <a:rPr/>
+              <a:t> </a:t>
+            </a:r>
+            <a:r>
+              <a:rPr/>
+              <a:t>tools</a:t>
+            </a:r>
+            <a:r>
+              <a:rPr/>
+              <a:t> </a:t>
+            </a:r>
+            <a:r>
+              <a:rPr/>
+              <a:t>pull</a:t>
+            </a:r>
+            <a:r>
+              <a:rPr/>
+              <a:t> </a:t>
+            </a:r>
+            <a:r>
+              <a:rPr/>
+              <a:t>together</a:t>
+            </a:r>
+            <a:r>
+              <a:rPr/>
+              <a:t> </a:t>
+            </a:r>
+            <a:r>
+              <a:rPr/>
+              <a:t>HTML</a:t>
+            </a:r>
+            <a:r>
+              <a:rPr/>
+              <a:t> </a:t>
+            </a:r>
+            <a:r>
+              <a:rPr/>
+              <a:t>and</a:t>
+            </a:r>
+            <a:r>
+              <a:rPr/>
+              <a:t> </a:t>
+            </a:r>
+            <a:r>
+              <a:rPr/>
+              <a:t>CSS</a:t>
+            </a:r>
+            <a:r>
+              <a:rPr/>
+              <a:t> </a:t>
+            </a:r>
+            <a:r>
+              <a:rPr/>
+              <a:t>(Cascading</a:t>
+            </a:r>
+            <a:r>
+              <a:rPr/>
+              <a:t> </a:t>
+            </a:r>
+            <a:r>
+              <a:rPr/>
+              <a:t>Style</a:t>
+            </a:r>
+            <a:r>
+              <a:rPr/>
+              <a:t> </a:t>
+            </a:r>
+            <a:r>
+              <a:rPr/>
+              <a:t>Sheets,</a:t>
+            </a:r>
+            <a:r>
+              <a:rPr/>
+              <a:t> </a:t>
+            </a:r>
+            <a:r>
+              <a:rPr/>
+              <a:t>used</a:t>
+            </a:r>
+            <a:r>
+              <a:rPr/>
+              <a:t> </a:t>
+            </a:r>
+            <a:r>
+              <a:rPr/>
+              <a:t>to</a:t>
+            </a:r>
+            <a:r>
+              <a:rPr/>
+              <a:t> </a:t>
+            </a:r>
+            <a:r>
+              <a:rPr/>
+              <a:t>add</a:t>
+            </a:r>
+            <a:r>
+              <a:rPr/>
+              <a:t> </a:t>
+            </a:r>
+            <a:r>
+              <a:rPr/>
+              <a:t>visual</a:t>
+            </a:r>
+            <a:r>
+              <a:rPr/>
+              <a:t> </a:t>
+            </a:r>
+            <a:r>
+              <a:rPr/>
+              <a:t>styles</a:t>
+            </a:r>
+            <a:r>
+              <a:rPr/>
+              <a:t> </a:t>
+            </a:r>
+            <a:r>
+              <a:rPr/>
+              <a:t>to</a:t>
+            </a:r>
+            <a:r>
+              <a:rPr/>
+              <a:t> </a:t>
+            </a:r>
+            <a:r>
+              <a:rPr/>
+              <a:t>web</a:t>
+            </a:r>
+            <a:r>
+              <a:rPr/>
+              <a:t> </a:t>
+            </a:r>
+            <a:r>
+              <a:rPr/>
+              <a:t>sites)</a:t>
+            </a:r>
+            <a:r>
+              <a:rPr/>
+              <a:t> </a:t>
+            </a:r>
+            <a:r>
+              <a:rPr/>
+              <a:t>along</a:t>
+            </a:r>
+            <a:r>
+              <a:rPr/>
+              <a:t> </a:t>
+            </a:r>
+            <a:r>
+              <a:rPr/>
+              <a:t>with</a:t>
+            </a:r>
+            <a:r>
+              <a:rPr/>
+              <a:t> </a:t>
+            </a:r>
+            <a:r>
+              <a:rPr/>
+              <a:t>other</a:t>
+            </a:r>
+            <a:r>
+              <a:rPr/>
+              <a:t> </a:t>
+            </a:r>
+            <a:r>
+              <a:rPr/>
+              <a:t>programming</a:t>
+            </a:r>
+            <a:r>
+              <a:rPr/>
+              <a:t> </a:t>
+            </a:r>
+            <a:r>
+              <a:rPr/>
+              <a:t>languages</a:t>
+            </a:r>
+            <a:r>
+              <a:rPr/>
+              <a:t> </a:t>
+            </a:r>
+            <a:r>
+              <a:rPr/>
+              <a:t>to</a:t>
+            </a:r>
+            <a:r>
+              <a:rPr/>
+              <a:t> </a:t>
+            </a:r>
+            <a:r>
+              <a:rPr/>
+              <a:t>speed</a:t>
+            </a:r>
+            <a:r>
+              <a:rPr/>
+              <a:t> </a:t>
+            </a:r>
+            <a:r>
+              <a:rPr/>
+              <a:t>the</a:t>
+            </a:r>
+            <a:r>
+              <a:rPr/>
+              <a:t> </a:t>
+            </a:r>
+            <a:r>
+              <a:rPr/>
+              <a:t>process</a:t>
+            </a:r>
+            <a:r>
+              <a:rPr/>
+              <a:t> </a:t>
+            </a:r>
+            <a:r>
+              <a:rPr/>
+              <a:t>of</a:t>
+            </a:r>
+            <a:r>
+              <a:rPr/>
+              <a:t> </a:t>
+            </a:r>
+            <a:r>
+              <a:rPr/>
+              <a:t>website</a:t>
+            </a:r>
+            <a:r>
+              <a:rPr/>
+              <a:t> </a:t>
+            </a:r>
+            <a:r>
+              <a:rPr/>
+              <a:t>creation.</a:t>
+            </a:r>
+          </a:p>
+          <a:p>
+            <a:pPr lvl="0" marL="0" indent="0">
+              <a:buNone/>
+            </a:pPr>
+          </a:p>
+          <a:p>
+            <a:pPr lvl="2"/>
+            <a:r>
+              <a:rPr/>
+              <a:t>But</a:t>
+            </a:r>
+            <a:r>
+              <a:rPr/>
+              <a:t> </a:t>
+            </a:r>
+            <a:r>
+              <a:rPr/>
+              <a:t>first,</a:t>
+            </a:r>
+            <a:r>
+              <a:rPr/>
+              <a:t> </a:t>
+            </a:r>
+            <a:r>
+              <a:rPr/>
+              <a:t>let’s</a:t>
+            </a:r>
+            <a:r>
+              <a:rPr/>
+              <a:t> </a:t>
+            </a:r>
+            <a:r>
+              <a:rPr/>
+              <a:t>do</a:t>
+            </a:r>
+            <a:r>
+              <a:rPr/>
+              <a:t> </a:t>
+            </a:r>
+            <a:r>
+              <a:rPr/>
+              <a:t>a</a:t>
+            </a:r>
+            <a:r>
+              <a:rPr/>
+              <a:t> </a:t>
+            </a:r>
+            <a:r>
+              <a:rPr/>
+              <a:t>quick,</a:t>
+            </a:r>
+            <a:r>
+              <a:rPr/>
+              <a:t> </a:t>
+            </a:r>
+            <a:r>
+              <a:rPr/>
+              <a:t>fun</a:t>
+            </a:r>
+            <a:r>
+              <a:rPr/>
+              <a:t> </a:t>
+            </a:r>
+            <a:r>
+              <a:rPr/>
+              <a:t>data</a:t>
+            </a:r>
+            <a:r>
+              <a:rPr/>
+              <a:t> </a:t>
+            </a:r>
+            <a:r>
+              <a:rPr/>
+              <a:t>collection</a:t>
+            </a:r>
+            <a:r>
+              <a:rPr/>
+              <a:t> </a:t>
+            </a:r>
+            <a:r>
+              <a:rPr/>
+              <a:t>activity–</a:t>
+            </a:r>
+            <a:r>
+              <a:rPr/>
+              <a:t> </a:t>
+            </a:r>
+            <a:r>
+              <a:rPr/>
+              <a:t>we’ll</a:t>
+            </a:r>
+            <a:r>
+              <a:rPr/>
+              <a:t> </a:t>
+            </a:r>
+            <a:r>
+              <a:rPr/>
+              <a:t>use</a:t>
+            </a:r>
+            <a:r>
+              <a:rPr/>
+              <a:t> </a:t>
+            </a:r>
+            <a:r>
+              <a:rPr/>
+              <a:t>this</a:t>
+            </a:r>
+            <a:r>
+              <a:rPr/>
+              <a:t> </a:t>
+            </a:r>
+            <a:r>
+              <a:rPr/>
+              <a:t>data</a:t>
+            </a:r>
+            <a:r>
+              <a:rPr/>
+              <a:t> </a:t>
+            </a:r>
+            <a:r>
+              <a:rPr/>
+              <a:t>to</a:t>
+            </a:r>
+            <a:r>
+              <a:rPr/>
+              <a:t> </a:t>
+            </a:r>
+            <a:r>
+              <a:rPr/>
+              <a:t>model</a:t>
+            </a:r>
+            <a:r>
+              <a:rPr/>
+              <a:t> </a:t>
+            </a:r>
+            <a:r>
+              <a:rPr/>
+              <a:t>how</a:t>
+            </a:r>
+            <a:r>
+              <a:rPr/>
+              <a:t> </a:t>
+            </a:r>
+            <a:r>
+              <a:rPr/>
+              <a:t>web</a:t>
+            </a:r>
+            <a:r>
+              <a:rPr/>
+              <a:t> </a:t>
+            </a:r>
+            <a:r>
+              <a:rPr/>
+              <a:t>builders</a:t>
+            </a:r>
+            <a:r>
+              <a:rPr/>
+              <a:t> </a:t>
+            </a:r>
+            <a:r>
+              <a:rPr/>
+              <a:t>work.</a:t>
+            </a:r>
+          </a:p>
         </p:txBody>
       </p:sp>
       <p:sp>
@@ -2480,6 +3175,664 @@
               <a:t>mins]</a:t>
             </a:r>
           </a:p>
+          <a:p>
+            <a:pPr lvl="0" marL="0" indent="0">
+              <a:buNone/>
+            </a:pPr>
+          </a:p>
+          <a:p>
+            <a:pPr lvl="1"/>
+            <a:r>
+              <a:rPr/>
+              <a:t>Facilitator</a:t>
+            </a:r>
+            <a:r>
+              <a:rPr/>
+              <a:t> </a:t>
+            </a:r>
+            <a:r>
+              <a:rPr/>
+              <a:t>hands</a:t>
+            </a:r>
+            <a:r>
+              <a:rPr/>
+              <a:t> </a:t>
+            </a:r>
+            <a:r>
+              <a:rPr/>
+              <a:t>out</a:t>
+            </a:r>
+            <a:r>
+              <a:rPr/>
+              <a:t> </a:t>
+            </a:r>
+            <a:r>
+              <a:rPr/>
+              <a:t>mini-worksheets</a:t>
+            </a:r>
+            <a:r>
+              <a:rPr/>
+              <a:t> </a:t>
+            </a:r>
+            <a:r>
+              <a:rPr/>
+              <a:t>(print</a:t>
+            </a:r>
+            <a:r>
+              <a:rPr/>
+              <a:t> </a:t>
+            </a:r>
+            <a:r>
+              <a:rPr/>
+              <a:t>2</a:t>
+            </a:r>
+            <a:r>
+              <a:rPr/>
+              <a:t> </a:t>
+            </a:r>
+            <a:r>
+              <a:rPr/>
+              <a:t>per</a:t>
+            </a:r>
+            <a:r>
+              <a:rPr/>
+              <a:t> </a:t>
+            </a:r>
+            <a:r>
+              <a:rPr/>
+              <a:t>page/cut</a:t>
+            </a:r>
+            <a:r>
+              <a:rPr/>
+              <a:t> </a:t>
+            </a:r>
+            <a:r>
+              <a:rPr/>
+              <a:t>to</a:t>
+            </a:r>
+            <a:r>
+              <a:rPr/>
+              <a:t> </a:t>
+            </a:r>
+            <a:r>
+              <a:rPr/>
+              <a:t>save</a:t>
+            </a:r>
+            <a:r>
+              <a:rPr/>
+              <a:t> </a:t>
+            </a:r>
+            <a:r>
+              <a:rPr/>
+              <a:t>paper).</a:t>
+            </a:r>
+            <a:r>
+              <a:rPr/>
+              <a:t> </a:t>
+            </a:r>
+            <a:r>
+              <a:rPr/>
+              <a:t>Ask</a:t>
+            </a:r>
+            <a:r>
+              <a:rPr/>
+              <a:t> </a:t>
+            </a:r>
+            <a:r>
+              <a:rPr/>
+              <a:t>learners</a:t>
+            </a:r>
+            <a:r>
+              <a:rPr/>
+              <a:t> </a:t>
+            </a:r>
+            <a:r>
+              <a:rPr/>
+              <a:t>to</a:t>
+            </a:r>
+            <a:r>
+              <a:rPr/>
+              <a:t> </a:t>
+            </a:r>
+            <a:r>
+              <a:rPr/>
+              <a:t>fill</a:t>
+            </a:r>
+            <a:r>
+              <a:rPr/>
+              <a:t> </a:t>
+            </a:r>
+            <a:r>
+              <a:rPr/>
+              <a:t>them</a:t>
+            </a:r>
+            <a:r>
+              <a:rPr/>
+              <a:t> </a:t>
+            </a:r>
+            <a:r>
+              <a:rPr/>
+              <a:t>out.</a:t>
+            </a:r>
+            <a:r>
+              <a:rPr/>
+              <a:t> </a:t>
+            </a:r>
+            <a:r>
+              <a:rPr/>
+              <a:t>Explain:</a:t>
+            </a:r>
+          </a:p>
+          <a:p>
+            <a:pPr lvl="0" marL="0" indent="0">
+              <a:buNone/>
+            </a:pPr>
+          </a:p>
+          <a:p>
+            <a:pPr lvl="2"/>
+            <a:r>
+              <a:rPr/>
+              <a:t>It’s</a:t>
+            </a:r>
+            <a:r>
+              <a:rPr/>
+              <a:t> </a:t>
+            </a:r>
+            <a:r>
+              <a:rPr/>
+              <a:t>OK</a:t>
+            </a:r>
+            <a:r>
+              <a:rPr/>
+              <a:t> </a:t>
+            </a:r>
+            <a:r>
+              <a:rPr/>
+              <a:t>to</a:t>
+            </a:r>
+            <a:r>
+              <a:rPr/>
+              <a:t> </a:t>
+            </a:r>
+            <a:r>
+              <a:rPr/>
+              <a:t>make</a:t>
+            </a:r>
+            <a:r>
+              <a:rPr/>
+              <a:t> </a:t>
+            </a:r>
+            <a:r>
+              <a:rPr/>
+              <a:t>up</a:t>
+            </a:r>
+            <a:r>
+              <a:rPr/>
+              <a:t> </a:t>
+            </a:r>
+            <a:r>
+              <a:rPr/>
+              <a:t>the</a:t>
+            </a:r>
+            <a:r>
+              <a:rPr/>
+              <a:t> </a:t>
+            </a:r>
+            <a:r>
+              <a:rPr/>
+              <a:t>information.</a:t>
+            </a:r>
+          </a:p>
+          <a:p>
+            <a:pPr lvl="0" marL="0" indent="0">
+              <a:buNone/>
+            </a:pPr>
+          </a:p>
+          <a:p>
+            <a:pPr lvl="2"/>
+            <a:r>
+              <a:rPr/>
+              <a:t>On</a:t>
+            </a:r>
+            <a:r>
+              <a:rPr/>
+              <a:t> </a:t>
+            </a:r>
+            <a:r>
+              <a:rPr/>
+              <a:t>the</a:t>
+            </a:r>
+            <a:r>
+              <a:rPr/>
+              <a:t> </a:t>
+            </a:r>
+            <a:r>
+              <a:rPr/>
+              <a:t>pet</a:t>
+            </a:r>
+            <a:r>
+              <a:rPr/>
+              <a:t> </a:t>
+            </a:r>
+            <a:r>
+              <a:rPr/>
+              <a:t>worksheet,</a:t>
+            </a:r>
+            <a:r>
+              <a:rPr/>
+              <a:t> </a:t>
+            </a:r>
+            <a:r>
+              <a:rPr/>
+              <a:t>you</a:t>
+            </a:r>
+            <a:r>
+              <a:rPr/>
+              <a:t> </a:t>
+            </a:r>
+            <a:r>
+              <a:rPr/>
+              <a:t>can</a:t>
+            </a:r>
+            <a:r>
+              <a:rPr/>
+              <a:t> </a:t>
+            </a:r>
+            <a:r>
+              <a:rPr/>
+              <a:t>draw</a:t>
+            </a:r>
+            <a:r>
+              <a:rPr/>
+              <a:t> </a:t>
+            </a:r>
+            <a:r>
+              <a:rPr/>
+              <a:t>a</a:t>
+            </a:r>
+            <a:r>
+              <a:rPr/>
+              <a:t> </a:t>
+            </a:r>
+            <a:r>
+              <a:rPr/>
+              <a:t>super</a:t>
+            </a:r>
+            <a:r>
+              <a:rPr/>
+              <a:t> </a:t>
+            </a:r>
+            <a:r>
+              <a:rPr/>
+              <a:t>simple</a:t>
+            </a:r>
+            <a:r>
+              <a:rPr/>
+              <a:t> </a:t>
+            </a:r>
+            <a:r>
+              <a:rPr/>
+              <a:t>picture–</a:t>
+            </a:r>
+            <a:r>
+              <a:rPr/>
+              <a:t> </a:t>
+            </a:r>
+            <a:r>
+              <a:rPr/>
+              <a:t>stick</a:t>
+            </a:r>
+            <a:r>
+              <a:rPr/>
+              <a:t> </a:t>
+            </a:r>
+            <a:r>
+              <a:rPr/>
+              <a:t>figures</a:t>
+            </a:r>
+            <a:r>
+              <a:rPr/>
+              <a:t> </a:t>
+            </a:r>
+            <a:r>
+              <a:rPr/>
+              <a:t>are</a:t>
+            </a:r>
+            <a:r>
+              <a:rPr/>
+              <a:t> </a:t>
+            </a:r>
+            <a:r>
+              <a:rPr/>
+              <a:t>totally</a:t>
+            </a:r>
+            <a:r>
+              <a:rPr/>
+              <a:t> </a:t>
+            </a:r>
+            <a:r>
+              <a:rPr/>
+              <a:t>fine!</a:t>
+            </a:r>
+          </a:p>
+          <a:p>
+            <a:pPr lvl="0" marL="0" indent="0">
+              <a:buNone/>
+            </a:pPr>
+          </a:p>
+          <a:p>
+            <a:pPr lvl="2"/>
+            <a:r>
+              <a:rPr/>
+              <a:t>Worksheet</a:t>
+            </a:r>
+            <a:r>
+              <a:rPr/>
+              <a:t> </a:t>
+            </a:r>
+            <a:r>
+              <a:rPr/>
+              <a:t>text</a:t>
+            </a:r>
+            <a:r>
+              <a:rPr/>
+              <a:t> </a:t>
+            </a:r>
+            <a:r>
+              <a:rPr/>
+              <a:t>is</a:t>
+            </a:r>
+            <a:r>
+              <a:rPr/>
+              <a:t> </a:t>
+            </a:r>
+            <a:r>
+              <a:rPr/>
+              <a:t>below.</a:t>
+            </a:r>
+            <a:r>
+              <a:rPr/>
+              <a:t> </a:t>
+            </a:r>
+            <a:r>
+              <a:rPr/>
+              <a:t>Facilitator</a:t>
+            </a:r>
+            <a:r>
+              <a:rPr/>
+              <a:t> </a:t>
+            </a:r>
+            <a:r>
+              <a:rPr/>
+              <a:t>can</a:t>
+            </a:r>
+            <a:r>
+              <a:rPr/>
+              <a:t> </a:t>
+            </a:r>
+            <a:r>
+              <a:rPr/>
+              <a:t>remix</a:t>
+            </a:r>
+            <a:r>
+              <a:rPr/>
+              <a:t> </a:t>
+            </a:r>
+            <a:r>
+              <a:rPr/>
+              <a:t>as</a:t>
+            </a:r>
+            <a:r>
+              <a:rPr/>
+              <a:t> </a:t>
+            </a:r>
+            <a:r>
+              <a:rPr/>
+              <a:t>needed.</a:t>
+            </a:r>
+          </a:p>
+          <a:p>
+            <a:pPr lvl="0" marL="0" indent="0">
+              <a:buNone/>
+            </a:pPr>
+          </a:p>
+          <a:p>
+            <a:pPr lvl="2"/>
+            <a:r>
+              <a:rPr/>
+              <a:t>Collect</a:t>
+            </a:r>
+            <a:r>
+              <a:rPr/>
+              <a:t> </a:t>
+            </a:r>
+            <a:r>
+              <a:rPr/>
+              <a:t>worksheets</a:t>
+            </a:r>
+            <a:r>
+              <a:rPr/>
+              <a:t> </a:t>
+            </a:r>
+            <a:r>
+              <a:rPr/>
+              <a:t>and</a:t>
+            </a:r>
+            <a:r>
+              <a:rPr/>
+              <a:t> </a:t>
+            </a:r>
+            <a:r>
+              <a:rPr/>
+              <a:t>let</a:t>
+            </a:r>
+            <a:r>
+              <a:rPr/>
+              <a:t> </a:t>
+            </a:r>
+            <a:r>
+              <a:rPr/>
+              <a:t>learners</a:t>
+            </a:r>
+            <a:r>
+              <a:rPr/>
+              <a:t> </a:t>
+            </a:r>
+            <a:r>
+              <a:rPr/>
+              <a:t>know</a:t>
+            </a:r>
+            <a:r>
+              <a:rPr/>
+              <a:t> </a:t>
+            </a:r>
+            <a:r>
+              <a:rPr/>
+              <a:t>we’ll</a:t>
+            </a:r>
+            <a:r>
+              <a:rPr/>
+              <a:t> </a:t>
+            </a:r>
+            <a:r>
+              <a:rPr/>
+              <a:t>come</a:t>
+            </a:r>
+            <a:r>
+              <a:rPr/>
+              <a:t> </a:t>
+            </a:r>
+            <a:r>
+              <a:rPr/>
+              <a:t>back</a:t>
+            </a:r>
+            <a:r>
+              <a:rPr/>
+              <a:t> </a:t>
+            </a:r>
+            <a:r>
+              <a:rPr/>
+              <a:t>to</a:t>
+            </a:r>
+            <a:r>
+              <a:rPr/>
+              <a:t> </a:t>
+            </a:r>
+            <a:r>
+              <a:rPr/>
+              <a:t>them.</a:t>
+            </a:r>
+          </a:p>
+          <a:p>
+            <a:pPr lvl="0" marL="0" indent="0">
+              <a:buNone/>
+            </a:pPr>
+          </a:p>
+          <a:p>
+            <a:pPr lvl="0" marL="0" indent="0">
+              <a:buNone/>
+            </a:pPr>
+            <a:r>
+              <a:rPr/>
+              <a:t>Worksheet</a:t>
+            </a:r>
+            <a:r>
+              <a:rPr/>
+              <a:t> </a:t>
+            </a:r>
+            <a:r>
+              <a:rPr/>
+              <a:t>1:</a:t>
+            </a:r>
+            <a:r>
+              <a:rPr/>
+              <a:t> </a:t>
+            </a:r>
+            <a:r>
+              <a:rPr/>
+              <a:t>Pet</a:t>
+            </a:r>
+            <a:r>
+              <a:rPr/>
+              <a:t> </a:t>
+            </a:r>
+            <a:r>
+              <a:rPr/>
+              <a:t>Listing</a:t>
+            </a:r>
+            <a:r>
+              <a:rPr/>
+              <a:t> </a:t>
+            </a:r>
+            <a:r>
+              <a:rPr/>
+              <a:t>Pet</a:t>
+            </a:r>
+            <a:r>
+              <a:rPr/>
+              <a:t> </a:t>
+            </a:r>
+            <a:r>
+              <a:rPr/>
+              <a:t>Name:</a:t>
+            </a:r>
+            <a:r>
+              <a:rPr/>
+              <a:t> </a:t>
+            </a:r>
+            <a:r>
+              <a:rPr/>
+              <a:t>Location:</a:t>
+            </a:r>
+            <a:r>
+              <a:rPr/>
+              <a:t> </a:t>
+            </a:r>
+            <a:r>
+              <a:rPr/>
+              <a:t>Type</a:t>
+            </a:r>
+            <a:r>
+              <a:rPr/>
+              <a:t> </a:t>
+            </a:r>
+            <a:r>
+              <a:rPr/>
+              <a:t>(cat,</a:t>
+            </a:r>
+            <a:r>
+              <a:rPr/>
+              <a:t> </a:t>
+            </a:r>
+            <a:r>
+              <a:rPr/>
+              <a:t>dog,</a:t>
+            </a:r>
+            <a:r>
+              <a:rPr/>
+              <a:t> </a:t>
+            </a:r>
+            <a:r>
+              <a:rPr/>
+              <a:t>etc):</a:t>
+            </a:r>
+            <a:r>
+              <a:rPr/>
+              <a:t> </a:t>
+            </a:r>
+            <a:r>
+              <a:rPr/>
+              <a:t>Age:</a:t>
+            </a:r>
+            <a:r>
+              <a:rPr/>
+              <a:t> </a:t>
+            </a:r>
+            <a:r>
+              <a:rPr/>
+              <a:t>Image:</a:t>
+            </a:r>
+            <a:r>
+              <a:rPr/>
+              <a:t> </a:t>
+            </a:r>
+            <a:r>
+              <a:rPr/>
+              <a:t>Traits:</a:t>
+            </a:r>
+            <a:r>
+              <a:rPr/>
+              <a:t> </a:t>
+            </a:r>
+            <a:r>
+              <a:rPr/>
+              <a:t>Available</a:t>
+            </a:r>
+            <a:r>
+              <a:rPr/>
+              <a:t> </a:t>
+            </a:r>
+            <a:r>
+              <a:rPr/>
+              <a:t>to</a:t>
+            </a:r>
+            <a:r>
+              <a:rPr/>
+              <a:t> </a:t>
+            </a:r>
+            <a:r>
+              <a:rPr/>
+              <a:t>Adopt</a:t>
+            </a:r>
+            <a:r>
+              <a:rPr/>
+              <a:t> </a:t>
+            </a:r>
+            <a:r>
+              <a:rPr/>
+              <a:t>(yes/no):</a:t>
+            </a:r>
+          </a:p>
         </p:txBody>
       </p:sp>
       <p:sp>
@@ -2570,6 +3923,2014 @@
               <a:t>mins]</a:t>
             </a:r>
           </a:p>
+          <a:p>
+            <a:pPr lvl="0" marL="0" indent="0">
+              <a:buNone/>
+            </a:pPr>
+          </a:p>
+          <a:p>
+            <a:pPr lvl="1"/>
+            <a:r>
+              <a:rPr/>
+              <a:t>Explain:</a:t>
+            </a:r>
+            <a:r>
+              <a:rPr/>
+              <a:t> </a:t>
+            </a:r>
+            <a:r>
+              <a:rPr/>
+              <a:t>We’ve</a:t>
+            </a:r>
+            <a:r>
+              <a:rPr/>
+              <a:t> </a:t>
+            </a:r>
+            <a:r>
+              <a:rPr/>
+              <a:t>seen</a:t>
+            </a:r>
+            <a:r>
+              <a:rPr/>
+              <a:t> </a:t>
+            </a:r>
+            <a:r>
+              <a:rPr/>
+              <a:t>how</a:t>
+            </a:r>
+            <a:r>
+              <a:rPr/>
+              <a:t> </a:t>
+            </a:r>
+            <a:r>
+              <a:rPr/>
+              <a:t>to</a:t>
+            </a:r>
+            <a:r>
+              <a:rPr/>
+              <a:t> </a:t>
+            </a:r>
+            <a:r>
+              <a:rPr/>
+              <a:t>build</a:t>
+            </a:r>
+            <a:r>
+              <a:rPr/>
+              <a:t> </a:t>
+            </a:r>
+            <a:r>
+              <a:rPr/>
+              <a:t>a</a:t>
+            </a:r>
+            <a:r>
+              <a:rPr/>
+              <a:t> </a:t>
+            </a:r>
+            <a:r>
+              <a:rPr/>
+              <a:t>basic</a:t>
+            </a:r>
+            <a:r>
+              <a:rPr/>
+              <a:t> </a:t>
+            </a:r>
+            <a:r>
+              <a:rPr/>
+              <a:t>web</a:t>
+            </a:r>
+            <a:r>
+              <a:rPr/>
+              <a:t> </a:t>
+            </a:r>
+            <a:r>
+              <a:rPr/>
+              <a:t>page—we</a:t>
+            </a:r>
+            <a:r>
+              <a:rPr/>
+              <a:t> </a:t>
+            </a:r>
+            <a:r>
+              <a:rPr/>
+              <a:t>take</a:t>
+            </a:r>
+            <a:r>
+              <a:rPr/>
+              <a:t> </a:t>
+            </a:r>
+            <a:r>
+              <a:rPr/>
+              <a:t>content</a:t>
+            </a:r>
+            <a:r>
+              <a:rPr/>
+              <a:t> </a:t>
+            </a:r>
+            <a:r>
+              <a:rPr/>
+              <a:t>and</a:t>
+            </a:r>
+            <a:r>
+              <a:rPr/>
+              <a:t> </a:t>
+            </a:r>
+            <a:r>
+              <a:rPr/>
+              <a:t>mark</a:t>
+            </a:r>
+            <a:r>
+              <a:rPr/>
+              <a:t> </a:t>
+            </a:r>
+            <a:r>
+              <a:rPr/>
+              <a:t>it</a:t>
+            </a:r>
+            <a:r>
+              <a:rPr/>
+              <a:t> </a:t>
+            </a:r>
+            <a:r>
+              <a:rPr/>
+              <a:t>up</a:t>
+            </a:r>
+            <a:r>
+              <a:rPr/>
+              <a:t> </a:t>
+            </a:r>
+            <a:r>
+              <a:rPr/>
+              <a:t>in</a:t>
+            </a:r>
+            <a:r>
+              <a:rPr/>
+              <a:t> </a:t>
+            </a:r>
+            <a:r>
+              <a:rPr/>
+              <a:t>HTML.</a:t>
+            </a:r>
+            <a:r>
+              <a:rPr/>
+              <a:t> </a:t>
+            </a:r>
+            <a:r>
+              <a:rPr/>
+              <a:t>This</a:t>
+            </a:r>
+            <a:r>
+              <a:rPr/>
+              <a:t> </a:t>
+            </a:r>
+            <a:r>
+              <a:rPr/>
+              <a:t>works</a:t>
+            </a:r>
+            <a:r>
+              <a:rPr/>
+              <a:t> </a:t>
+            </a:r>
+            <a:r>
+              <a:rPr/>
+              <a:t>great,</a:t>
+            </a:r>
+            <a:r>
+              <a:rPr/>
+              <a:t> </a:t>
+            </a:r>
+            <a:r>
+              <a:rPr/>
+              <a:t>especially</a:t>
+            </a:r>
+            <a:r>
+              <a:rPr/>
+              <a:t> </a:t>
+            </a:r>
+            <a:r>
+              <a:rPr/>
+              <a:t>for</a:t>
+            </a:r>
+            <a:r>
+              <a:rPr/>
+              <a:t> </a:t>
+            </a:r>
+            <a:r>
+              <a:rPr/>
+              <a:t>sites</a:t>
+            </a:r>
+            <a:r>
+              <a:rPr/>
+              <a:t> </a:t>
+            </a:r>
+            <a:r>
+              <a:rPr/>
+              <a:t>that</a:t>
+            </a:r>
+            <a:r>
+              <a:rPr/>
+              <a:t> </a:t>
+            </a:r>
+            <a:r>
+              <a:rPr/>
+              <a:t>won’t</a:t>
+            </a:r>
+            <a:r>
+              <a:rPr/>
+              <a:t> </a:t>
+            </a:r>
+            <a:r>
+              <a:rPr/>
+              <a:t>change</a:t>
+            </a:r>
+            <a:r>
+              <a:rPr/>
+              <a:t> </a:t>
+            </a:r>
+            <a:r>
+              <a:rPr/>
+              <a:t>too</a:t>
+            </a:r>
+            <a:r>
+              <a:rPr/>
+              <a:t> </a:t>
+            </a:r>
+            <a:r>
+              <a:rPr/>
+              <a:t>much</a:t>
+            </a:r>
+            <a:r>
+              <a:rPr/>
+              <a:t> </a:t>
+            </a:r>
+            <a:r>
+              <a:rPr/>
+              <a:t>or</a:t>
+            </a:r>
+            <a:r>
+              <a:rPr/>
+              <a:t> </a:t>
+            </a:r>
+            <a:r>
+              <a:rPr/>
+              <a:t>for</a:t>
+            </a:r>
+            <a:r>
+              <a:rPr/>
+              <a:t> </a:t>
+            </a:r>
+            <a:r>
+              <a:rPr/>
+              <a:t>small</a:t>
+            </a:r>
+            <a:r>
+              <a:rPr/>
+              <a:t> </a:t>
+            </a:r>
+            <a:r>
+              <a:rPr/>
+              <a:t>sites</a:t>
+            </a:r>
+            <a:r>
+              <a:rPr/>
+              <a:t> </a:t>
+            </a:r>
+            <a:r>
+              <a:rPr/>
+              <a:t>with</a:t>
+            </a:r>
+            <a:r>
+              <a:rPr/>
+              <a:t> </a:t>
+            </a:r>
+            <a:r>
+              <a:rPr/>
+              <a:t>just</a:t>
+            </a:r>
+            <a:r>
+              <a:rPr/>
+              <a:t> </a:t>
+            </a:r>
+            <a:r>
+              <a:rPr/>
+              <a:t>5</a:t>
+            </a:r>
+            <a:r>
+              <a:rPr/>
+              <a:t> </a:t>
+            </a:r>
+            <a:r>
+              <a:rPr/>
+              <a:t>or</a:t>
+            </a:r>
+            <a:r>
+              <a:rPr/>
+              <a:t> </a:t>
+            </a:r>
+            <a:r>
+              <a:rPr/>
+              <a:t>6</a:t>
+            </a:r>
+            <a:r>
+              <a:rPr/>
+              <a:t> </a:t>
+            </a:r>
+            <a:r>
+              <a:rPr/>
+              <a:t>pages.</a:t>
+            </a:r>
+            <a:r>
+              <a:rPr/>
+              <a:t> </a:t>
+            </a:r>
+            <a:r>
+              <a:rPr/>
+              <a:t>Ask</a:t>
+            </a:r>
+            <a:r>
+              <a:rPr/>
+              <a:t> </a:t>
+            </a:r>
+            <a:r>
+              <a:rPr/>
+              <a:t>learners:</a:t>
+            </a:r>
+          </a:p>
+          <a:p>
+            <a:pPr lvl="0" marL="0" indent="0">
+              <a:buNone/>
+            </a:pPr>
+          </a:p>
+          <a:p>
+            <a:pPr lvl="2"/>
+            <a:r>
+              <a:rPr/>
+              <a:t>Can</a:t>
+            </a:r>
+            <a:r>
+              <a:rPr/>
+              <a:t> </a:t>
+            </a:r>
+            <a:r>
+              <a:rPr/>
+              <a:t>you</a:t>
+            </a:r>
+            <a:r>
+              <a:rPr/>
+              <a:t> </a:t>
+            </a:r>
+            <a:r>
+              <a:rPr/>
+              <a:t>think</a:t>
+            </a:r>
+            <a:r>
+              <a:rPr/>
+              <a:t> </a:t>
+            </a:r>
+            <a:r>
+              <a:rPr/>
+              <a:t>of</a:t>
+            </a:r>
+            <a:r>
+              <a:rPr/>
+              <a:t> </a:t>
+            </a:r>
+            <a:r>
+              <a:rPr/>
+              <a:t>some</a:t>
+            </a:r>
+            <a:r>
+              <a:rPr/>
+              <a:t> </a:t>
+            </a:r>
+            <a:r>
+              <a:rPr/>
+              <a:t>static</a:t>
+            </a:r>
+            <a:r>
+              <a:rPr/>
+              <a:t> </a:t>
+            </a:r>
+            <a:r>
+              <a:rPr/>
+              <a:t>sites—</a:t>
+            </a:r>
+            <a:r>
+              <a:rPr/>
+              <a:t> </a:t>
+            </a:r>
+            <a:r>
+              <a:rPr/>
+              <a:t>sites</a:t>
+            </a:r>
+            <a:r>
+              <a:rPr/>
+              <a:t> </a:t>
+            </a:r>
+            <a:r>
+              <a:rPr/>
+              <a:t>that</a:t>
+            </a:r>
+            <a:r>
+              <a:rPr/>
+              <a:t> </a:t>
+            </a:r>
+            <a:r>
+              <a:rPr/>
+              <a:t>don’t</a:t>
+            </a:r>
+            <a:r>
+              <a:rPr/>
+              <a:t> </a:t>
+            </a:r>
+            <a:r>
+              <a:rPr/>
+              <a:t>have</a:t>
+            </a:r>
+            <a:r>
+              <a:rPr/>
+              <a:t> </a:t>
+            </a:r>
+            <a:r>
+              <a:rPr/>
+              <a:t>new</a:t>
+            </a:r>
+            <a:r>
+              <a:rPr/>
+              <a:t> </a:t>
+            </a:r>
+            <a:r>
+              <a:rPr/>
+              <a:t>content</a:t>
+            </a:r>
+            <a:r>
+              <a:rPr/>
+              <a:t> </a:t>
+            </a:r>
+            <a:r>
+              <a:rPr/>
+              <a:t>often,</a:t>
+            </a:r>
+            <a:r>
+              <a:rPr/>
+              <a:t> </a:t>
+            </a:r>
+            <a:r>
+              <a:rPr/>
+              <a:t>or</a:t>
+            </a:r>
+            <a:r>
+              <a:rPr/>
+              <a:t> </a:t>
+            </a:r>
+            <a:r>
+              <a:rPr/>
+              <a:t>ever?</a:t>
+            </a:r>
+            <a:r>
+              <a:rPr/>
+              <a:t> </a:t>
+            </a:r>
+            <a:r>
+              <a:rPr/>
+              <a:t>Or</a:t>
+            </a:r>
+            <a:r>
+              <a:rPr/>
+              <a:t> </a:t>
+            </a:r>
+            <a:r>
+              <a:rPr/>
+              <a:t>sites</a:t>
+            </a:r>
+            <a:r>
+              <a:rPr/>
+              <a:t> </a:t>
+            </a:r>
+            <a:r>
+              <a:rPr/>
+              <a:t>with</a:t>
+            </a:r>
+            <a:r>
+              <a:rPr/>
+              <a:t> </a:t>
+            </a:r>
+            <a:r>
+              <a:rPr/>
+              <a:t>very</a:t>
+            </a:r>
+            <a:r>
+              <a:rPr/>
+              <a:t> </a:t>
+            </a:r>
+            <a:r>
+              <a:rPr/>
+              <a:t>few</a:t>
+            </a:r>
+            <a:r>
+              <a:rPr/>
+              <a:t> </a:t>
+            </a:r>
+            <a:r>
+              <a:rPr/>
+              <a:t>pages?</a:t>
+            </a:r>
+            <a:r>
+              <a:rPr/>
+              <a:t> </a:t>
+            </a:r>
+            <a:r>
+              <a:rPr/>
+              <a:t>Examples</a:t>
+            </a:r>
+            <a:r>
+              <a:rPr/>
+              <a:t> </a:t>
+            </a:r>
+            <a:r>
+              <a:rPr/>
+              <a:t>might</a:t>
+            </a:r>
+            <a:r>
+              <a:rPr/>
+              <a:t> </a:t>
+            </a:r>
+            <a:r>
+              <a:rPr/>
+              <a:t>be</a:t>
+            </a:r>
+            <a:r>
+              <a:rPr/>
+              <a:t> </a:t>
+            </a:r>
+            <a:r>
+              <a:rPr/>
+              <a:t>a</a:t>
+            </a:r>
+            <a:r>
+              <a:rPr/>
+              <a:t> </a:t>
+            </a:r>
+            <a:r>
+              <a:rPr/>
+              <a:t>small</a:t>
+            </a:r>
+            <a:r>
+              <a:rPr/>
+              <a:t> </a:t>
+            </a:r>
+            <a:r>
+              <a:rPr/>
+              <a:t>restaurant,</a:t>
+            </a:r>
+            <a:r>
+              <a:rPr/>
+              <a:t> </a:t>
+            </a:r>
+            <a:r>
+              <a:rPr/>
+              <a:t>etc.</a:t>
+            </a:r>
+          </a:p>
+          <a:p>
+            <a:pPr lvl="0" marL="0" indent="0">
+              <a:buNone/>
+            </a:pPr>
+          </a:p>
+          <a:p>
+            <a:pPr lvl="1"/>
+            <a:r>
+              <a:rPr/>
+              <a:t>But</a:t>
+            </a:r>
+            <a:r>
+              <a:rPr/>
+              <a:t> </a:t>
+            </a:r>
+            <a:r>
+              <a:rPr/>
+              <a:t>what</a:t>
+            </a:r>
+            <a:r>
+              <a:rPr/>
+              <a:t> </a:t>
+            </a:r>
+            <a:r>
+              <a:rPr/>
+              <a:t>if</a:t>
+            </a:r>
+            <a:r>
+              <a:rPr/>
+              <a:t> </a:t>
+            </a:r>
+            <a:r>
+              <a:rPr/>
+              <a:t>we</a:t>
+            </a:r>
+            <a:r>
+              <a:rPr/>
+              <a:t> </a:t>
+            </a:r>
+            <a:r>
+              <a:rPr/>
+              <a:t>have</a:t>
+            </a:r>
+            <a:r>
+              <a:rPr/>
+              <a:t> </a:t>
+            </a:r>
+            <a:r>
+              <a:rPr/>
+              <a:t>information</a:t>
+            </a:r>
+            <a:r>
+              <a:rPr/>
+              <a:t> </a:t>
+            </a:r>
+            <a:r>
+              <a:rPr/>
+              <a:t>that</a:t>
+            </a:r>
+            <a:r>
+              <a:rPr/>
+              <a:t> </a:t>
+            </a:r>
+            <a:r>
+              <a:rPr/>
+              <a:t>changes</a:t>
+            </a:r>
+            <a:r>
+              <a:rPr/>
+              <a:t> </a:t>
+            </a:r>
+            <a:r>
+              <a:rPr/>
+              <a:t>all</a:t>
+            </a:r>
+            <a:r>
+              <a:rPr/>
+              <a:t> </a:t>
+            </a:r>
+            <a:r>
+              <a:rPr/>
+              <a:t>the</a:t>
+            </a:r>
+            <a:r>
+              <a:rPr/>
+              <a:t> </a:t>
+            </a:r>
+            <a:r>
+              <a:rPr/>
+              <a:t>time?</a:t>
+            </a:r>
+            <a:r>
+              <a:rPr/>
+              <a:t> </a:t>
+            </a:r>
+            <a:r>
+              <a:rPr/>
+              <a:t>Or</a:t>
+            </a:r>
+            <a:r>
+              <a:rPr/>
+              <a:t> </a:t>
+            </a:r>
+            <a:r>
+              <a:rPr/>
+              <a:t>if</a:t>
+            </a:r>
+            <a:r>
+              <a:rPr/>
+              <a:t> </a:t>
+            </a:r>
+            <a:r>
+              <a:rPr/>
+              <a:t>we</a:t>
+            </a:r>
+            <a:r>
+              <a:rPr/>
+              <a:t> </a:t>
+            </a:r>
+            <a:r>
+              <a:rPr/>
+              <a:t>have</a:t>
+            </a:r>
+            <a:r>
+              <a:rPr/>
+              <a:t> </a:t>
+            </a:r>
+            <a:r>
+              <a:rPr/>
+              <a:t>lots</a:t>
+            </a:r>
+            <a:r>
+              <a:rPr/>
+              <a:t> </a:t>
+            </a:r>
+            <a:r>
+              <a:rPr/>
+              <a:t>and</a:t>
+            </a:r>
+            <a:r>
+              <a:rPr/>
+              <a:t> </a:t>
+            </a:r>
+            <a:r>
+              <a:rPr/>
+              <a:t>lots</a:t>
+            </a:r>
+            <a:r>
+              <a:rPr/>
+              <a:t> </a:t>
+            </a:r>
+            <a:r>
+              <a:rPr/>
+              <a:t>of</a:t>
+            </a:r>
+            <a:r>
+              <a:rPr/>
+              <a:t> </a:t>
+            </a:r>
+            <a:r>
+              <a:rPr/>
+              <a:t>information?</a:t>
+            </a:r>
+            <a:r>
+              <a:rPr/>
+              <a:t> </a:t>
+            </a:r>
+            <a:r>
+              <a:rPr/>
+              <a:t>What</a:t>
+            </a:r>
+            <a:r>
+              <a:rPr/>
+              <a:t> </a:t>
+            </a:r>
+            <a:r>
+              <a:rPr/>
+              <a:t>are</a:t>
+            </a:r>
+            <a:r>
+              <a:rPr/>
+              <a:t> </a:t>
+            </a:r>
+            <a:r>
+              <a:rPr/>
+              <a:t>sites</a:t>
+            </a:r>
+            <a:r>
+              <a:rPr/>
+              <a:t> </a:t>
+            </a:r>
+            <a:r>
+              <a:rPr/>
+              <a:t>that</a:t>
+            </a:r>
+            <a:r>
+              <a:rPr/>
+              <a:t> </a:t>
+            </a:r>
+            <a:r>
+              <a:rPr/>
+              <a:t>change</a:t>
+            </a:r>
+            <a:r>
+              <a:rPr/>
+              <a:t> </a:t>
+            </a:r>
+            <a:r>
+              <a:rPr/>
+              <a:t>a</a:t>
+            </a:r>
+            <a:r>
+              <a:rPr/>
+              <a:t> </a:t>
+            </a:r>
+            <a:r>
+              <a:rPr/>
+              <a:t>lot?</a:t>
+            </a:r>
+          </a:p>
+          <a:p>
+            <a:pPr lvl="0" marL="0" indent="0">
+              <a:buNone/>
+            </a:pPr>
+          </a:p>
+          <a:p>
+            <a:pPr lvl="2"/>
+            <a:r>
+              <a:rPr/>
+              <a:t>Examples</a:t>
+            </a:r>
+            <a:r>
+              <a:rPr/>
+              <a:t> </a:t>
+            </a:r>
+            <a:r>
+              <a:rPr/>
+              <a:t>might</a:t>
+            </a:r>
+            <a:r>
+              <a:rPr/>
+              <a:t> </a:t>
+            </a:r>
+            <a:r>
+              <a:rPr/>
+              <a:t>be:</a:t>
+            </a:r>
+            <a:r>
+              <a:rPr/>
+              <a:t> </a:t>
+            </a:r>
+            <a:r>
+              <a:rPr/>
+              <a:t>Weather</a:t>
+            </a:r>
+            <a:r>
+              <a:rPr/>
+              <a:t> </a:t>
+            </a:r>
+            <a:r>
+              <a:rPr/>
+              <a:t>and</a:t>
+            </a:r>
+            <a:r>
+              <a:rPr/>
+              <a:t> </a:t>
+            </a:r>
+            <a:r>
+              <a:rPr/>
+              <a:t>news</a:t>
+            </a:r>
+            <a:r>
+              <a:rPr/>
+              <a:t> </a:t>
+            </a:r>
+            <a:r>
+              <a:rPr/>
+              <a:t>sites,</a:t>
+            </a:r>
+            <a:r>
+              <a:rPr/>
+              <a:t> </a:t>
+            </a:r>
+            <a:r>
+              <a:rPr/>
+              <a:t>blogs,</a:t>
+            </a:r>
+            <a:r>
+              <a:rPr/>
+              <a:t> </a:t>
+            </a:r>
+            <a:r>
+              <a:rPr/>
+              <a:t>social</a:t>
+            </a:r>
+            <a:r>
+              <a:rPr/>
+              <a:t> </a:t>
+            </a:r>
+            <a:r>
+              <a:rPr/>
+              <a:t>media</a:t>
+            </a:r>
+            <a:r>
+              <a:rPr/>
+              <a:t> </a:t>
+            </a:r>
+            <a:r>
+              <a:rPr/>
+              <a:t>sites</a:t>
+            </a:r>
+            <a:r>
+              <a:rPr/>
+              <a:t> </a:t>
+            </a:r>
+            <a:r>
+              <a:rPr/>
+              <a:t>like</a:t>
+            </a:r>
+            <a:r>
+              <a:rPr/>
+              <a:t> </a:t>
+            </a:r>
+            <a:r>
+              <a:rPr/>
+              <a:t>Facebook,</a:t>
+            </a:r>
+            <a:r>
+              <a:rPr/>
+              <a:t> </a:t>
+            </a:r>
+            <a:r>
+              <a:rPr/>
+              <a:t>instagram,</a:t>
+            </a:r>
+            <a:r>
+              <a:rPr/>
+              <a:t> </a:t>
+            </a:r>
+            <a:r>
+              <a:rPr/>
+              <a:t>shopping</a:t>
+            </a:r>
+            <a:r>
+              <a:rPr/>
+              <a:t> </a:t>
+            </a:r>
+            <a:r>
+              <a:rPr/>
+              <a:t>sites.</a:t>
+            </a:r>
+          </a:p>
+          <a:p>
+            <a:pPr lvl="0" marL="0" indent="0">
+              <a:buNone/>
+            </a:pPr>
+          </a:p>
+          <a:p>
+            <a:pPr lvl="1"/>
+            <a:r>
+              <a:rPr/>
+              <a:t>What</a:t>
+            </a:r>
+            <a:r>
+              <a:rPr/>
+              <a:t> </a:t>
+            </a:r>
+            <a:r>
+              <a:rPr/>
+              <a:t>kinds</a:t>
+            </a:r>
+            <a:r>
+              <a:rPr/>
+              <a:t> </a:t>
+            </a:r>
+            <a:r>
+              <a:rPr/>
+              <a:t>of</a:t>
+            </a:r>
+            <a:r>
+              <a:rPr/>
+              <a:t> </a:t>
+            </a:r>
+            <a:r>
+              <a:rPr/>
+              <a:t>sites</a:t>
+            </a:r>
+            <a:r>
+              <a:rPr/>
+              <a:t> </a:t>
+            </a:r>
+            <a:r>
+              <a:rPr/>
+              <a:t>or</a:t>
+            </a:r>
+            <a:r>
+              <a:rPr/>
+              <a:t> </a:t>
+            </a:r>
+            <a:r>
+              <a:rPr/>
+              <a:t>pages</a:t>
+            </a:r>
+            <a:r>
+              <a:rPr/>
+              <a:t> </a:t>
+            </a:r>
+            <a:r>
+              <a:rPr/>
+              <a:t>do</a:t>
+            </a:r>
+            <a:r>
+              <a:rPr/>
+              <a:t> </a:t>
+            </a:r>
+            <a:r>
+              <a:rPr/>
+              <a:t>we</a:t>
+            </a:r>
+            <a:r>
+              <a:rPr/>
+              <a:t> </a:t>
+            </a:r>
+            <a:r>
+              <a:rPr/>
+              <a:t>visit</a:t>
+            </a:r>
+            <a:r>
+              <a:rPr/>
+              <a:t> </a:t>
+            </a:r>
+            <a:r>
+              <a:rPr/>
+              <a:t>most</a:t>
+            </a:r>
+            <a:r>
+              <a:rPr/>
+              <a:t> </a:t>
+            </a:r>
+            <a:r>
+              <a:rPr/>
+              <a:t>often?</a:t>
+            </a:r>
+            <a:r>
+              <a:rPr/>
+              <a:t> </a:t>
+            </a:r>
+            <a:r>
+              <a:rPr/>
+              <a:t>What</a:t>
+            </a:r>
+            <a:r>
+              <a:rPr/>
+              <a:t> </a:t>
+            </a:r>
+            <a:r>
+              <a:rPr/>
+              <a:t>does</a:t>
+            </a:r>
+            <a:r>
+              <a:rPr/>
+              <a:t> </a:t>
+            </a:r>
+            <a:r>
+              <a:rPr/>
+              <a:t>this</a:t>
+            </a:r>
+            <a:r>
+              <a:rPr/>
+              <a:t> </a:t>
+            </a:r>
+            <a:r>
+              <a:rPr/>
+              <a:t>say</a:t>
+            </a:r>
+            <a:r>
+              <a:rPr/>
+              <a:t> </a:t>
+            </a:r>
+            <a:r>
+              <a:rPr/>
+              <a:t>about</a:t>
+            </a:r>
+            <a:r>
+              <a:rPr/>
+              <a:t> </a:t>
+            </a:r>
+            <a:r>
+              <a:rPr/>
+              <a:t>the</a:t>
+            </a:r>
+            <a:r>
+              <a:rPr/>
+              <a:t> </a:t>
+            </a:r>
+            <a:r>
+              <a:rPr/>
+              <a:t>internet?</a:t>
+            </a:r>
+            <a:r>
+              <a:rPr/>
+              <a:t> </a:t>
+            </a:r>
+            <a:r>
+              <a:rPr/>
+              <a:t>(i.e. lots</a:t>
+            </a:r>
+            <a:r>
+              <a:rPr/>
+              <a:t> </a:t>
+            </a:r>
+            <a:r>
+              <a:rPr/>
+              <a:t>of</a:t>
+            </a:r>
+            <a:r>
+              <a:rPr/>
+              <a:t> </a:t>
+            </a:r>
+            <a:r>
+              <a:rPr/>
+              <a:t>change,</a:t>
+            </a:r>
+            <a:r>
+              <a:rPr/>
+              <a:t> </a:t>
+            </a:r>
+            <a:r>
+              <a:rPr/>
+              <a:t>lots</a:t>
+            </a:r>
+            <a:r>
+              <a:rPr/>
+              <a:t> </a:t>
+            </a:r>
+            <a:r>
+              <a:rPr/>
+              <a:t>of</a:t>
+            </a:r>
+            <a:r>
+              <a:rPr/>
+              <a:t> </a:t>
+            </a:r>
+            <a:r>
+              <a:rPr/>
+              <a:t>new</a:t>
+            </a:r>
+            <a:r>
+              <a:rPr/>
+              <a:t> </a:t>
+            </a:r>
+            <a:r>
+              <a:rPr/>
+              <a:t>information)</a:t>
+            </a:r>
+          </a:p>
+          <a:p>
+            <a:pPr lvl="0" marL="0" indent="0">
+              <a:buNone/>
+            </a:pPr>
+          </a:p>
+          <a:p>
+            <a:pPr lvl="1"/>
+            <a:r>
+              <a:rPr/>
+              <a:t>Let’s</a:t>
+            </a:r>
+            <a:r>
+              <a:rPr/>
+              <a:t> </a:t>
+            </a:r>
+            <a:r>
+              <a:rPr/>
+              <a:t>imagine</a:t>
+            </a:r>
+            <a:r>
+              <a:rPr/>
+              <a:t> </a:t>
+            </a:r>
+            <a:r>
+              <a:rPr/>
+              <a:t>we’re</a:t>
+            </a:r>
+            <a:r>
+              <a:rPr/>
+              <a:t> </a:t>
+            </a:r>
+            <a:r>
+              <a:rPr/>
+              <a:t>making</a:t>
+            </a:r>
+            <a:r>
+              <a:rPr/>
+              <a:t> </a:t>
+            </a:r>
+            <a:r>
+              <a:rPr/>
+              <a:t>a</a:t>
+            </a:r>
+            <a:r>
+              <a:rPr/>
+              <a:t> </a:t>
+            </a:r>
+            <a:r>
+              <a:rPr/>
+              <a:t>site</a:t>
+            </a:r>
+            <a:r>
+              <a:rPr/>
+              <a:t> </a:t>
+            </a:r>
+            <a:r>
+              <a:rPr/>
+              <a:t>with</a:t>
+            </a:r>
+            <a:r>
+              <a:rPr/>
+              <a:t> </a:t>
+            </a:r>
+            <a:r>
+              <a:rPr/>
+              <a:t>lots</a:t>
+            </a:r>
+            <a:r>
+              <a:rPr/>
+              <a:t> </a:t>
+            </a:r>
+            <a:r>
+              <a:rPr/>
+              <a:t>of</a:t>
+            </a:r>
+            <a:r>
+              <a:rPr/>
+              <a:t> </a:t>
+            </a:r>
+            <a:r>
+              <a:rPr/>
+              <a:t>pages–</a:t>
+            </a:r>
+            <a:r>
+              <a:rPr/>
+              <a:t> </a:t>
+            </a:r>
+            <a:r>
+              <a:rPr/>
+              <a:t>a</a:t>
+            </a:r>
+            <a:r>
+              <a:rPr/>
+              <a:t> </a:t>
+            </a:r>
+            <a:r>
+              <a:rPr/>
+              <a:t>site</a:t>
+            </a:r>
+            <a:r>
+              <a:rPr/>
+              <a:t> </a:t>
+            </a:r>
+            <a:r>
+              <a:rPr/>
+              <a:t>that</a:t>
+            </a:r>
+            <a:r>
+              <a:rPr/>
+              <a:t> </a:t>
+            </a:r>
+            <a:r>
+              <a:rPr/>
+              <a:t>lists</a:t>
+            </a:r>
+            <a:r>
+              <a:rPr/>
+              <a:t> </a:t>
+            </a:r>
+            <a:r>
+              <a:rPr/>
+              <a:t>different</a:t>
+            </a:r>
+            <a:r>
+              <a:rPr/>
+              <a:t> </a:t>
+            </a:r>
+            <a:r>
+              <a:rPr/>
+              <a:t>pets,</a:t>
+            </a:r>
+            <a:r>
+              <a:rPr/>
+              <a:t> </a:t>
+            </a:r>
+            <a:r>
+              <a:rPr/>
+              <a:t>where</a:t>
+            </a:r>
+            <a:r>
+              <a:rPr/>
+              <a:t> </a:t>
+            </a:r>
+            <a:r>
+              <a:rPr/>
+              <a:t>people</a:t>
+            </a:r>
+            <a:r>
+              <a:rPr/>
+              <a:t> </a:t>
+            </a:r>
+            <a:r>
+              <a:rPr/>
+              <a:t>can</a:t>
+            </a:r>
+            <a:r>
+              <a:rPr/>
+              <a:t> </a:t>
+            </a:r>
+            <a:r>
+              <a:rPr/>
+              <a:t>browse</a:t>
+            </a:r>
+            <a:r>
+              <a:rPr/>
+              <a:t> </a:t>
+            </a:r>
+            <a:r>
+              <a:rPr/>
+              <a:t>the</a:t>
+            </a:r>
+            <a:r>
+              <a:rPr/>
+              <a:t> </a:t>
+            </a:r>
+            <a:r>
+              <a:rPr/>
+              <a:t>listings</a:t>
+            </a:r>
+            <a:r>
+              <a:rPr/>
+              <a:t> </a:t>
+            </a:r>
+            <a:r>
+              <a:rPr/>
+              <a:t>see</a:t>
+            </a:r>
+            <a:r>
+              <a:rPr/>
+              <a:t> </a:t>
+            </a:r>
+            <a:r>
+              <a:rPr/>
+              <a:t>if</a:t>
+            </a:r>
+            <a:r>
+              <a:rPr/>
+              <a:t> </a:t>
+            </a:r>
+            <a:r>
+              <a:rPr/>
+              <a:t>they</a:t>
+            </a:r>
+            <a:r>
+              <a:rPr/>
+              <a:t> </a:t>
+            </a:r>
+            <a:r>
+              <a:rPr/>
+              <a:t>want</a:t>
+            </a:r>
+            <a:r>
+              <a:rPr/>
+              <a:t> </a:t>
+            </a:r>
+            <a:r>
+              <a:rPr/>
+              <a:t>to</a:t>
+            </a:r>
+            <a:r>
+              <a:rPr/>
+              <a:t> </a:t>
+            </a:r>
+            <a:r>
+              <a:rPr/>
+              <a:t>adopt</a:t>
+            </a:r>
+            <a:r>
+              <a:rPr/>
+              <a:t> </a:t>
+            </a:r>
+            <a:r>
+              <a:rPr/>
+              <a:t>a</a:t>
+            </a:r>
+            <a:r>
+              <a:rPr/>
+              <a:t> </a:t>
+            </a:r>
+            <a:r>
+              <a:rPr/>
+              <a:t>pet.</a:t>
+            </a:r>
+          </a:p>
+          <a:p>
+            <a:pPr lvl="0" marL="0" indent="0">
+              <a:buNone/>
+            </a:pPr>
+          </a:p>
+          <a:p>
+            <a:pPr lvl="1"/>
+            <a:r>
+              <a:rPr/>
+              <a:t>Ask</a:t>
+            </a:r>
+            <a:r>
+              <a:rPr/>
+              <a:t> </a:t>
+            </a:r>
+            <a:r>
+              <a:rPr/>
+              <a:t>learners:</a:t>
+            </a:r>
+            <a:r>
+              <a:rPr/>
+              <a:t> </a:t>
+            </a:r>
+            <a:r>
+              <a:rPr/>
+              <a:t>What</a:t>
+            </a:r>
+            <a:r>
+              <a:rPr/>
+              <a:t> </a:t>
+            </a:r>
+            <a:r>
+              <a:rPr/>
+              <a:t>pages</a:t>
+            </a:r>
+            <a:r>
+              <a:rPr/>
+              <a:t> </a:t>
+            </a:r>
+            <a:r>
+              <a:rPr/>
+              <a:t>do</a:t>
+            </a:r>
+            <a:r>
+              <a:rPr/>
+              <a:t> </a:t>
+            </a:r>
+            <a:r>
+              <a:rPr/>
+              <a:t>we</a:t>
+            </a:r>
+            <a:r>
+              <a:rPr/>
+              <a:t> </a:t>
+            </a:r>
+            <a:r>
+              <a:rPr/>
+              <a:t>need</a:t>
+            </a:r>
+            <a:r>
+              <a:rPr/>
+              <a:t> </a:t>
+            </a:r>
+            <a:r>
+              <a:rPr/>
+              <a:t>on</a:t>
+            </a:r>
+            <a:r>
+              <a:rPr/>
+              <a:t> </a:t>
+            </a:r>
+            <a:r>
+              <a:rPr/>
+              <a:t>our</a:t>
+            </a:r>
+            <a:r>
+              <a:rPr/>
+              <a:t> </a:t>
+            </a:r>
+            <a:r>
+              <a:rPr/>
+              <a:t>site?</a:t>
+            </a:r>
+            <a:r>
+              <a:rPr/>
+              <a:t> </a:t>
+            </a:r>
+            <a:r>
+              <a:rPr/>
+              <a:t>(home</a:t>
+            </a:r>
+            <a:r>
+              <a:rPr/>
+              <a:t> </a:t>
+            </a:r>
+            <a:r>
+              <a:rPr/>
+              <a:t>page,</a:t>
+            </a:r>
+            <a:r>
+              <a:rPr/>
+              <a:t> </a:t>
+            </a:r>
+            <a:r>
+              <a:rPr/>
+              <a:t>maybe</a:t>
+            </a:r>
+            <a:r>
+              <a:rPr/>
+              <a:t> </a:t>
+            </a:r>
+            <a:r>
+              <a:rPr/>
+              <a:t>an</a:t>
+            </a:r>
+            <a:r>
+              <a:rPr/>
+              <a:t> </a:t>
+            </a:r>
+            <a:r>
+              <a:rPr/>
+              <a:t>about</a:t>
+            </a:r>
+            <a:r>
+              <a:rPr/>
+              <a:t> </a:t>
+            </a:r>
+            <a:r>
+              <a:rPr/>
+              <a:t>page,</a:t>
+            </a:r>
+            <a:r>
+              <a:rPr/>
+              <a:t> </a:t>
+            </a:r>
+            <a:r>
+              <a:rPr/>
+              <a:t>and</a:t>
+            </a:r>
+            <a:r>
+              <a:rPr/>
+              <a:t> </a:t>
+            </a:r>
+            <a:r>
+              <a:rPr/>
+              <a:t>maybe</a:t>
+            </a:r>
+            <a:r>
+              <a:rPr/>
+              <a:t> </a:t>
+            </a:r>
+            <a:r>
+              <a:rPr/>
+              <a:t>a</a:t>
+            </a:r>
+            <a:r>
+              <a:rPr/>
+              <a:t> </a:t>
+            </a:r>
+            <a:r>
+              <a:rPr/>
+              <a:t>page</a:t>
+            </a:r>
+            <a:r>
+              <a:rPr/>
+              <a:t> </a:t>
+            </a:r>
+            <a:r>
+              <a:rPr/>
+              <a:t>that</a:t>
+            </a:r>
+            <a:r>
+              <a:rPr/>
+              <a:t> </a:t>
+            </a:r>
+            <a:r>
+              <a:rPr/>
+              <a:t>talks</a:t>
+            </a:r>
+            <a:r>
+              <a:rPr/>
+              <a:t> </a:t>
+            </a:r>
+            <a:r>
+              <a:rPr/>
+              <a:t>about</a:t>
+            </a:r>
+            <a:r>
+              <a:rPr/>
+              <a:t> </a:t>
+            </a:r>
+            <a:r>
+              <a:rPr/>
+              <a:t>each</a:t>
+            </a:r>
+            <a:r>
+              <a:rPr/>
+              <a:t> </a:t>
+            </a:r>
+            <a:r>
+              <a:rPr/>
+              <a:t>pet)</a:t>
+            </a:r>
+          </a:p>
+          <a:p>
+            <a:pPr lvl="0" marL="0" indent="0">
+              <a:buNone/>
+            </a:pPr>
+          </a:p>
+          <a:p>
+            <a:pPr lvl="1"/>
+            <a:r>
+              <a:rPr/>
+              <a:t>So</a:t>
+            </a:r>
+            <a:r>
+              <a:rPr/>
+              <a:t> </a:t>
+            </a:r>
+            <a:r>
+              <a:rPr/>
+              <a:t>let’s</a:t>
+            </a:r>
+            <a:r>
+              <a:rPr/>
+              <a:t> </a:t>
+            </a:r>
+            <a:r>
+              <a:rPr/>
+              <a:t>figure</a:t>
+            </a:r>
+            <a:r>
+              <a:rPr/>
+              <a:t> </a:t>
+            </a:r>
+            <a:r>
+              <a:rPr/>
+              <a:t>out</a:t>
+            </a:r>
+            <a:r>
+              <a:rPr/>
+              <a:t> </a:t>
+            </a:r>
+            <a:r>
+              <a:rPr/>
+              <a:t>the</a:t>
+            </a:r>
+            <a:r>
+              <a:rPr/>
+              <a:t> </a:t>
+            </a:r>
+            <a:r>
+              <a:rPr/>
+              <a:t>steps</a:t>
+            </a:r>
+            <a:r>
+              <a:rPr/>
+              <a:t> </a:t>
+            </a:r>
+            <a:r>
+              <a:rPr/>
+              <a:t>for</a:t>
+            </a:r>
+            <a:r>
+              <a:rPr/>
+              <a:t> </a:t>
+            </a:r>
+            <a:r>
+              <a:rPr/>
+              <a:t>doing</a:t>
+            </a:r>
+            <a:r>
+              <a:rPr/>
+              <a:t> </a:t>
+            </a:r>
+            <a:r>
+              <a:rPr/>
+              <a:t>our</a:t>
+            </a:r>
+            <a:r>
+              <a:rPr/>
+              <a:t> </a:t>
+            </a:r>
+            <a:r>
+              <a:rPr/>
+              <a:t>web</a:t>
+            </a:r>
+            <a:r>
+              <a:rPr/>
+              <a:t> </a:t>
+            </a:r>
+            <a:r>
+              <a:rPr/>
+              <a:t>site</a:t>
+            </a:r>
+            <a:r>
+              <a:rPr/>
+              <a:t> </a:t>
+            </a:r>
+            <a:r>
+              <a:rPr/>
+              <a:t>creation</a:t>
+            </a:r>
+            <a:r>
+              <a:rPr/>
+              <a:t> </a:t>
+            </a:r>
+            <a:r>
+              <a:rPr/>
+              <a:t>process,</a:t>
+            </a:r>
+            <a:r>
+              <a:rPr/>
+              <a:t> </a:t>
+            </a:r>
+            <a:r>
+              <a:rPr/>
+              <a:t>and</a:t>
+            </a:r>
+            <a:r>
+              <a:rPr/>
+              <a:t> </a:t>
+            </a:r>
+            <a:r>
+              <a:rPr/>
+              <a:t>write</a:t>
+            </a:r>
+            <a:r>
+              <a:rPr/>
+              <a:t> </a:t>
+            </a:r>
+            <a:r>
+              <a:rPr/>
+              <a:t>the</a:t>
+            </a:r>
+            <a:r>
+              <a:rPr/>
+              <a:t> </a:t>
+            </a:r>
+            <a:r>
+              <a:rPr/>
+              <a:t>steps</a:t>
+            </a:r>
+            <a:r>
+              <a:rPr/>
+              <a:t> </a:t>
+            </a:r>
+            <a:r>
+              <a:rPr/>
+              <a:t>or,</a:t>
+            </a:r>
+            <a:r>
+              <a:rPr/>
+              <a:t> </a:t>
+            </a:r>
+            <a:r>
+              <a:rPr/>
+              <a:t>in</a:t>
+            </a:r>
+            <a:r>
+              <a:rPr/>
+              <a:t> </a:t>
+            </a:r>
+            <a:r>
+              <a:rPr/>
+              <a:t>other</a:t>
+            </a:r>
+            <a:r>
+              <a:rPr/>
+              <a:t> </a:t>
+            </a:r>
+            <a:r>
+              <a:rPr/>
+              <a:t>words,</a:t>
+            </a:r>
+            <a:r>
+              <a:rPr/>
+              <a:t> </a:t>
+            </a:r>
+            <a:r>
+              <a:rPr/>
+              <a:t>an</a:t>
+            </a:r>
+            <a:r>
+              <a:rPr/>
+              <a:t> </a:t>
+            </a:r>
+            <a:r>
+              <a:rPr/>
+              <a:t>algorithm</a:t>
+            </a:r>
+            <a:r>
+              <a:rPr/>
+              <a:t> </a:t>
+            </a:r>
+            <a:r>
+              <a:rPr/>
+              <a:t>for</a:t>
+            </a:r>
+            <a:r>
+              <a:rPr/>
+              <a:t> </a:t>
+            </a:r>
+            <a:r>
+              <a:rPr/>
+              <a:t>it.</a:t>
+            </a:r>
+            <a:r>
+              <a:rPr/>
+              <a:t> </a:t>
+            </a:r>
+            <a:r>
+              <a:rPr/>
+              <a:t>Let’s</a:t>
+            </a:r>
+            <a:r>
+              <a:rPr/>
+              <a:t> </a:t>
+            </a:r>
+            <a:r>
+              <a:rPr/>
+              <a:t>say</a:t>
+            </a:r>
+            <a:r>
+              <a:rPr/>
+              <a:t> </a:t>
+            </a:r>
+            <a:r>
+              <a:rPr/>
+              <a:t>we</a:t>
+            </a:r>
+            <a:r>
+              <a:rPr/>
+              <a:t> </a:t>
+            </a:r>
+            <a:r>
+              <a:rPr/>
+              <a:t>have</a:t>
+            </a:r>
+            <a:r>
+              <a:rPr/>
+              <a:t> </a:t>
+            </a:r>
+            <a:r>
+              <a:rPr/>
+              <a:t>our</a:t>
+            </a:r>
+            <a:r>
+              <a:rPr/>
+              <a:t> </a:t>
+            </a:r>
+            <a:r>
+              <a:rPr/>
+              <a:t>“</a:t>
+            </a:r>
+            <a:r>
+              <a:rPr/>
+              <a:t>home</a:t>
+            </a:r>
+            <a:r>
+              <a:rPr/>
+              <a:t>”</a:t>
+            </a:r>
+            <a:r>
+              <a:rPr/>
+              <a:t> </a:t>
+            </a:r>
+            <a:r>
+              <a:rPr/>
+              <a:t>and</a:t>
+            </a:r>
+            <a:r>
+              <a:rPr/>
+              <a:t> </a:t>
+            </a:r>
+            <a:r>
+              <a:rPr/>
+              <a:t>“</a:t>
+            </a:r>
+            <a:r>
+              <a:rPr/>
+              <a:t>about</a:t>
+            </a:r>
+            <a:r>
+              <a:rPr/>
+              <a:t>”</a:t>
+            </a:r>
+            <a:r>
+              <a:rPr/>
+              <a:t> </a:t>
+            </a:r>
+            <a:r>
+              <a:rPr/>
+              <a:t>pages</a:t>
+            </a:r>
+            <a:r>
+              <a:rPr/>
+              <a:t> </a:t>
+            </a:r>
+            <a:r>
+              <a:rPr/>
+              <a:t>already.</a:t>
+            </a:r>
+            <a:r>
+              <a:rPr/>
+              <a:t> </a:t>
+            </a:r>
+            <a:r>
+              <a:rPr/>
+              <a:t>And</a:t>
+            </a:r>
+            <a:r>
+              <a:rPr/>
+              <a:t> </a:t>
+            </a:r>
+            <a:r>
+              <a:rPr/>
+              <a:t>we’ll</a:t>
+            </a:r>
+            <a:r>
+              <a:rPr/>
+              <a:t> </a:t>
+            </a:r>
+            <a:r>
+              <a:rPr/>
+              <a:t>use</a:t>
+            </a:r>
+            <a:r>
+              <a:rPr/>
+              <a:t> </a:t>
+            </a:r>
+            <a:r>
+              <a:rPr/>
+              <a:t>the</a:t>
+            </a:r>
+            <a:r>
+              <a:rPr/>
+              <a:t> </a:t>
+            </a:r>
+            <a:r>
+              <a:rPr/>
+              <a:t>pet</a:t>
+            </a:r>
+            <a:r>
+              <a:rPr/>
+              <a:t> </a:t>
+            </a:r>
+            <a:r>
+              <a:rPr/>
+              <a:t>data</a:t>
+            </a:r>
+            <a:r>
+              <a:rPr/>
+              <a:t> </a:t>
+            </a:r>
+            <a:r>
+              <a:rPr/>
+              <a:t>we</a:t>
+            </a:r>
+            <a:r>
+              <a:rPr/>
+              <a:t> </a:t>
+            </a:r>
+            <a:r>
+              <a:rPr/>
+              <a:t>just</a:t>
+            </a:r>
+            <a:r>
+              <a:rPr/>
+              <a:t> </a:t>
+            </a:r>
+            <a:r>
+              <a:rPr/>
+              <a:t>collected.</a:t>
+            </a:r>
+            <a:r>
+              <a:rPr/>
+              <a:t> </a:t>
+            </a:r>
+            <a:r>
+              <a:rPr/>
+              <a:t>What’s</a:t>
+            </a:r>
+            <a:r>
+              <a:rPr/>
+              <a:t> </a:t>
+            </a:r>
+            <a:r>
+              <a:rPr/>
+              <a:t>the</a:t>
+            </a:r>
+            <a:r>
+              <a:rPr/>
+              <a:t> </a:t>
+            </a:r>
+            <a:r>
+              <a:rPr/>
+              <a:t>algorithm</a:t>
+            </a:r>
+            <a:r>
+              <a:rPr/>
+              <a:t> </a:t>
+            </a:r>
+            <a:r>
+              <a:rPr/>
+              <a:t>we’d</a:t>
+            </a:r>
+            <a:r>
+              <a:rPr/>
+              <a:t> </a:t>
+            </a:r>
+            <a:r>
+              <a:rPr/>
+              <a:t>write</a:t>
+            </a:r>
+            <a:r>
+              <a:rPr/>
+              <a:t> </a:t>
+            </a:r>
+            <a:r>
+              <a:rPr/>
+              <a:t>for</a:t>
+            </a:r>
+            <a:r>
+              <a:rPr/>
+              <a:t> </a:t>
+            </a:r>
+            <a:r>
+              <a:rPr/>
+              <a:t>this</a:t>
+            </a:r>
+            <a:r>
+              <a:rPr/>
+              <a:t> </a:t>
+            </a:r>
+            <a:r>
+              <a:rPr/>
+              <a:t>process?</a:t>
+            </a:r>
+          </a:p>
         </p:txBody>
       </p:sp>
       <p:sp>
@@ -2644,31 +6005,110 @@
           <a:bodyPr/>
           <a:lstStyle/>
           <a:p>
+            <a:pPr lvl="1"/>
+            <a:r>
+              <a:rPr/>
+              <a:t>Ask</a:t>
+            </a:r>
+            <a:r>
+              <a:rPr/>
+              <a:t> </a:t>
+            </a:r>
+            <a:r>
+              <a:rPr/>
+              <a:t>learners:</a:t>
+            </a:r>
+          </a:p>
+          <a:p>
             <a:pPr lvl="0" marL="0" indent="0">
-              <a:spcBef>
-                <a:spcPts val="3000"/>
-              </a:spcBef>
               <a:buNone/>
             </a:pPr>
-            <a:r>
-              <a:rPr b="1"/>
-              <a:t>Learning</a:t>
-            </a:r>
-            <a:r>
-              <a:rPr b="1"/>
-              <a:t> </a:t>
-            </a:r>
-            <a:r>
-              <a:rPr b="1"/>
-              <a:t>Experience</a:t>
-            </a:r>
-            <a:r>
-              <a:rPr b="1"/>
-              <a:t> </a:t>
-            </a:r>
-            <a:r>
-              <a:rPr b="1"/>
-              <a:t>Reflection</a:t>
+          </a:p>
+          <a:p>
+            <a:pPr lvl="2"/>
+            <a:r>
+              <a:rPr/>
+              <a:t>How</a:t>
+            </a:r>
+            <a:r>
+              <a:rPr/>
+              <a:t> </a:t>
+            </a:r>
+            <a:r>
+              <a:rPr/>
+              <a:t>does</a:t>
+            </a:r>
+            <a:r>
+              <a:rPr/>
+              <a:t> </a:t>
+            </a:r>
+            <a:r>
+              <a:rPr/>
+              <a:t>this</a:t>
+            </a:r>
+            <a:r>
+              <a:rPr/>
+              <a:t> </a:t>
+            </a:r>
+            <a:r>
+              <a:rPr/>
+              <a:t>algorithm</a:t>
+            </a:r>
+            <a:r>
+              <a:rPr/>
+              <a:t> </a:t>
+            </a:r>
+            <a:r>
+              <a:rPr/>
+              <a:t>look?</a:t>
+            </a:r>
+            <a:r>
+              <a:rPr/>
+              <a:t> </a:t>
+            </a:r>
+            <a:r>
+              <a:rPr/>
+              <a:t>What</a:t>
+            </a:r>
+            <a:r>
+              <a:rPr/>
+              <a:t> </a:t>
+            </a:r>
+            <a:r>
+              <a:rPr/>
+              <a:t>do</a:t>
+            </a:r>
+            <a:r>
+              <a:rPr/>
+              <a:t> </a:t>
+            </a:r>
+            <a:r>
+              <a:rPr/>
+              <a:t>you</a:t>
+            </a:r>
+            <a:r>
+              <a:rPr/>
+              <a:t> </a:t>
+            </a:r>
+            <a:r>
+              <a:rPr/>
+              <a:t>notice</a:t>
+            </a:r>
+            <a:r>
+              <a:rPr/>
+              <a:t> </a:t>
+            </a:r>
+            <a:r>
+              <a:rPr/>
+              <a:t>about</a:t>
+            </a:r>
+            <a:r>
+              <a:rPr/>
+              <a:t> </a:t>
+            </a:r>
+            <a:r>
+              <a:rPr/>
+              <a:t>it?</a:t>
             </a:r>
           </a:p>
           <a:p>
@@ -2677,20 +6117,350 @@
             </a:pPr>
           </a:p>
           <a:p>
+            <a:pPr lvl="2"/>
+            <a:r>
+              <a:rPr/>
+              <a:t>How</a:t>
+            </a:r>
+            <a:r>
+              <a:rPr/>
+              <a:t> </a:t>
+            </a:r>
+            <a:r>
+              <a:rPr/>
+              <a:t>are</a:t>
+            </a:r>
+            <a:r>
+              <a:rPr/>
+              <a:t> </a:t>
+            </a:r>
+            <a:r>
+              <a:rPr/>
+              <a:t>you</a:t>
+            </a:r>
+            <a:r>
+              <a:rPr/>
+              <a:t> </a:t>
+            </a:r>
+            <a:r>
+              <a:rPr/>
+              <a:t>going</a:t>
+            </a:r>
+            <a:r>
+              <a:rPr/>
+              <a:t> </a:t>
+            </a:r>
+            <a:r>
+              <a:rPr/>
+              <a:t>to</a:t>
+            </a:r>
+            <a:r>
+              <a:rPr/>
+              <a:t> </a:t>
+            </a:r>
+            <a:r>
+              <a:rPr/>
+              <a:t>feel</a:t>
+            </a:r>
+            <a:r>
+              <a:rPr/>
+              <a:t> </a:t>
+            </a:r>
+            <a:r>
+              <a:rPr/>
+              <a:t>about</a:t>
+            </a:r>
+            <a:r>
+              <a:rPr/>
+              <a:t> </a:t>
+            </a:r>
+            <a:r>
+              <a:rPr/>
+              <a:t>adding</a:t>
+            </a:r>
+            <a:r>
+              <a:rPr/>
+              <a:t> </a:t>
+            </a:r>
+            <a:r>
+              <a:rPr/>
+              <a:t>all</a:t>
+            </a:r>
+            <a:r>
+              <a:rPr/>
+              <a:t> </a:t>
+            </a:r>
+            <a:r>
+              <a:rPr/>
+              <a:t>the</a:t>
+            </a:r>
+            <a:r>
+              <a:rPr/>
+              <a:t> </a:t>
+            </a:r>
+            <a:r>
+              <a:rPr/>
+              <a:t>pets?</a:t>
+            </a:r>
+            <a:r>
+              <a:rPr/>
+              <a:t> </a:t>
+            </a:r>
+            <a:r>
+              <a:rPr/>
+              <a:t>Possible</a:t>
+            </a:r>
+            <a:r>
+              <a:rPr/>
+              <a:t> </a:t>
+            </a:r>
+            <a:r>
+              <a:rPr/>
+              <a:t>responses:</a:t>
+            </a:r>
+            <a:r>
+              <a:rPr/>
+              <a:t> </a:t>
+            </a:r>
+            <a:r>
+              <a:rPr/>
+              <a:t>it’s</a:t>
+            </a:r>
+            <a:r>
+              <a:rPr/>
+              <a:t> </a:t>
+            </a:r>
+            <a:r>
+              <a:rPr/>
+              <a:t>repetitive,</a:t>
+            </a:r>
+            <a:r>
+              <a:rPr/>
+              <a:t> </a:t>
+            </a:r>
+            <a:r>
+              <a:rPr/>
+              <a:t>we’re</a:t>
+            </a:r>
+            <a:r>
+              <a:rPr/>
+              <a:t> </a:t>
+            </a:r>
+            <a:r>
+              <a:rPr/>
+              <a:t>doing</a:t>
+            </a:r>
+            <a:r>
+              <a:rPr/>
+              <a:t> </a:t>
+            </a:r>
+            <a:r>
+              <a:rPr/>
+              <a:t>the</a:t>
+            </a:r>
+            <a:r>
+              <a:rPr/>
+              <a:t> </a:t>
+            </a:r>
+            <a:r>
+              <a:rPr/>
+              <a:t>same</a:t>
+            </a:r>
+            <a:r>
+              <a:rPr/>
+              <a:t> </a:t>
+            </a:r>
+            <a:r>
+              <a:rPr/>
+              <a:t>thing</a:t>
+            </a:r>
+            <a:r>
+              <a:rPr/>
+              <a:t> </a:t>
+            </a:r>
+            <a:r>
+              <a:rPr/>
+              <a:t>over</a:t>
+            </a:r>
+            <a:r>
+              <a:rPr/>
+              <a:t> </a:t>
+            </a:r>
+            <a:r>
+              <a:rPr/>
+              <a:t>and</a:t>
+            </a:r>
+            <a:r>
+              <a:rPr/>
+              <a:t> </a:t>
+            </a:r>
+            <a:r>
+              <a:rPr/>
+              <a:t>over,</a:t>
+            </a:r>
+            <a:r>
+              <a:rPr/>
+              <a:t> </a:t>
+            </a:r>
+            <a:r>
+              <a:rPr/>
+              <a:t>tedious</a:t>
+            </a:r>
+            <a:r>
+              <a:rPr/>
+              <a:t> </a:t>
+            </a:r>
+            <a:r>
+              <a:rPr/>
+              <a:t>to</a:t>
+            </a:r>
+            <a:r>
+              <a:rPr/>
+              <a:t> </a:t>
+            </a:r>
+            <a:r>
+              <a:rPr/>
+              <a:t>get</a:t>
+            </a:r>
+            <a:r>
+              <a:rPr/>
+              <a:t> </a:t>
+            </a:r>
+            <a:r>
+              <a:rPr/>
+              <a:t>through</a:t>
+            </a:r>
+            <a:r>
+              <a:rPr/>
+              <a:t> </a:t>
+            </a:r>
+            <a:r>
+              <a:rPr/>
+              <a:t>all</a:t>
+            </a:r>
+            <a:r>
+              <a:rPr/>
+              <a:t> </a:t>
+            </a:r>
+            <a:r>
+              <a:rPr/>
+              <a:t>the</a:t>
+            </a:r>
+            <a:r>
+              <a:rPr/>
+              <a:t> </a:t>
+            </a:r>
+            <a:r>
+              <a:rPr/>
+              <a:t>pets,</a:t>
+            </a:r>
+            <a:r>
+              <a:rPr/>
+              <a:t> </a:t>
+            </a:r>
+            <a:r>
+              <a:rPr/>
+              <a:t>it’s</a:t>
+            </a:r>
+            <a:r>
+              <a:rPr/>
+              <a:t> </a:t>
+            </a:r>
+            <a:r>
+              <a:rPr/>
+              <a:t>going</a:t>
+            </a:r>
+            <a:r>
+              <a:rPr/>
+              <a:t> </a:t>
+            </a:r>
+            <a:r>
+              <a:rPr/>
+              <a:t>to</a:t>
+            </a:r>
+            <a:r>
+              <a:rPr/>
+              <a:t> </a:t>
+            </a:r>
+            <a:r>
+              <a:rPr/>
+              <a:t>take</a:t>
+            </a:r>
+            <a:r>
+              <a:rPr/>
+              <a:t> </a:t>
+            </a:r>
+            <a:r>
+              <a:rPr/>
+              <a:t>forever.</a:t>
+            </a:r>
+          </a:p>
+          <a:p>
             <a:pPr lvl="0" marL="0" indent="0">
               <a:buNone/>
             </a:pPr>
-            <a:r>
-              <a:rPr/>
-              <a:t>[5</a:t>
-            </a:r>
-            <a:r>
-              <a:rPr/>
-              <a:t> </a:t>
-            </a:r>
-            <a:r>
-              <a:rPr/>
-              <a:t>mins]</a:t>
+          </a:p>
+          <a:p>
+            <a:pPr lvl="2"/>
+            <a:r>
+              <a:rPr/>
+              <a:t>What</a:t>
+            </a:r>
+            <a:r>
+              <a:rPr/>
+              <a:t> </a:t>
+            </a:r>
+            <a:r>
+              <a:rPr/>
+              <a:t>could</a:t>
+            </a:r>
+            <a:r>
+              <a:rPr/>
+              <a:t> </a:t>
+            </a:r>
+            <a:r>
+              <a:rPr/>
+              <a:t>we</a:t>
+            </a:r>
+            <a:r>
+              <a:rPr/>
+              <a:t> </a:t>
+            </a:r>
+            <a:r>
+              <a:rPr/>
+              <a:t>do</a:t>
+            </a:r>
+            <a:r>
+              <a:rPr/>
+              <a:t> </a:t>
+            </a:r>
+            <a:r>
+              <a:rPr/>
+              <a:t>to</a:t>
+            </a:r>
+            <a:r>
+              <a:rPr/>
+              <a:t> </a:t>
+            </a:r>
+            <a:r>
+              <a:rPr/>
+              <a:t>improve</a:t>
+            </a:r>
+            <a:r>
+              <a:rPr/>
+              <a:t> </a:t>
+            </a:r>
+            <a:r>
+              <a:rPr/>
+              <a:t>this</a:t>
+            </a:r>
+            <a:r>
+              <a:rPr/>
+              <a:t> </a:t>
+            </a:r>
+            <a:r>
+              <a:rPr/>
+              <a:t>process?</a:t>
             </a:r>
           </a:p>
           <a:p>
@@ -2702,23 +6472,71 @@
             <a:pPr lvl="1"/>
             <a:r>
               <a:rPr/>
-              <a:t>What</a:t>
-            </a:r>
-            <a:r>
-              <a:rPr/>
-              <a:t> </a:t>
-            </a:r>
-            <a:r>
-              <a:rPr/>
-              <a:t>did</a:t>
-            </a:r>
-            <a:r>
-              <a:rPr/>
-              <a:t> </a:t>
-            </a:r>
-            <a:r>
-              <a:rPr/>
-              <a:t>you</a:t>
+              <a:t>Explain</a:t>
+            </a:r>
+            <a:r>
+              <a:rPr/>
+              <a:t> </a:t>
+            </a:r>
+            <a:r>
+              <a:rPr/>
+              <a:t>that</a:t>
+            </a:r>
+            <a:r>
+              <a:rPr/>
+              <a:t> </a:t>
+            </a:r>
+            <a:r>
+              <a:rPr/>
+              <a:t>this</a:t>
+            </a:r>
+            <a:r>
+              <a:rPr/>
+              <a:t> </a:t>
+            </a:r>
+            <a:r>
+              <a:rPr/>
+              <a:t>is</a:t>
+            </a:r>
+            <a:r>
+              <a:rPr/>
+              <a:t> </a:t>
+            </a:r>
+            <a:r>
+              <a:rPr/>
+              <a:t>the</a:t>
+            </a:r>
+            <a:r>
+              <a:rPr/>
+              <a:t> </a:t>
+            </a:r>
+            <a:r>
+              <a:rPr/>
+              <a:t>challenge</a:t>
+            </a:r>
+            <a:r>
+              <a:rPr/>
+              <a:t> </a:t>
+            </a:r>
+            <a:r>
+              <a:rPr/>
+              <a:t>for</a:t>
+            </a:r>
+            <a:r>
+              <a:rPr/>
+              <a:t> </a:t>
+            </a:r>
+            <a:r>
+              <a:rPr/>
+              <a:t>any</a:t>
+            </a:r>
+            <a:r>
+              <a:rPr/>
+              <a:t> </a:t>
+            </a:r>
+            <a:r>
+              <a:rPr/>
+              <a:t>site–</a:t>
             </a:r>
             <a:r>
               <a:rPr/>
@@ -2734,75 +6552,103 @@
             </a:r>
             <a:r>
               <a:rPr/>
-              <a:t>about</a:t>
-            </a:r>
-            <a:r>
-              <a:rPr/>
-              <a:t> </a:t>
-            </a:r>
-            <a:r>
-              <a:rPr/>
-              <a:t>this</a:t>
-            </a:r>
-            <a:r>
-              <a:rPr/>
-              <a:t> </a:t>
-            </a:r>
-            <a:r>
-              <a:rPr/>
-              <a:t>activity?</a:t>
-            </a:r>
-          </a:p>
-          <a:p>
-            <a:pPr lvl="0" marL="0" indent="0">
-              <a:buNone/>
-            </a:pPr>
-          </a:p>
-          <a:p>
-            <a:pPr lvl="1"/>
-            <a:r>
-              <a:rPr/>
-              <a:t>If</a:t>
-            </a:r>
-            <a:r>
-              <a:rPr/>
-              <a:t> </a:t>
-            </a:r>
-            <a:r>
-              <a:rPr/>
-              <a:t>you</a:t>
-            </a:r>
-            <a:r>
-              <a:rPr/>
-              <a:t> </a:t>
-            </a:r>
-            <a:r>
-              <a:rPr/>
-              <a:t>might</a:t>
-            </a:r>
-            <a:r>
-              <a:rPr/>
-              <a:t> </a:t>
-            </a:r>
-            <a:r>
-              <a:rPr/>
-              <a:t>teach</a:t>
-            </a:r>
-            <a:r>
-              <a:rPr/>
-              <a:t> </a:t>
-            </a:r>
-            <a:r>
-              <a:rPr/>
-              <a:t>this</a:t>
-            </a:r>
-            <a:r>
-              <a:rPr/>
-              <a:t> </a:t>
-            </a:r>
-            <a:r>
-              <a:rPr/>
-              <a:t>activity</a:t>
+              <a:t>a</a:t>
+            </a:r>
+            <a:r>
+              <a:rPr/>
+              <a:t> </a:t>
+            </a:r>
+            <a:r>
+              <a:rPr/>
+              <a:t>blog</a:t>
+            </a:r>
+            <a:r>
+              <a:rPr/>
+              <a:t> </a:t>
+            </a:r>
+            <a:r>
+              <a:rPr/>
+              <a:t>or</a:t>
+            </a:r>
+            <a:r>
+              <a:rPr/>
+              <a:t> </a:t>
+            </a:r>
+            <a:r>
+              <a:rPr/>
+              <a:t>a</a:t>
+            </a:r>
+            <a:r>
+              <a:rPr/>
+              <a:t> </a:t>
+            </a:r>
+            <a:r>
+              <a:rPr/>
+              <a:t>shopping</a:t>
+            </a:r>
+            <a:r>
+              <a:rPr/>
+              <a:t> </a:t>
+            </a:r>
+            <a:r>
+              <a:rPr/>
+              <a:t>site,</a:t>
+            </a:r>
+            <a:r>
+              <a:rPr/>
+              <a:t> </a:t>
+            </a:r>
+            <a:r>
+              <a:rPr/>
+              <a:t>a</a:t>
+            </a:r>
+            <a:r>
+              <a:rPr/>
+              <a:t> </a:t>
+            </a:r>
+            <a:r>
+              <a:rPr/>
+              <a:t>new</a:t>
+            </a:r>
+            <a:r>
+              <a:rPr/>
+              <a:t> </a:t>
+            </a:r>
+            <a:r>
+              <a:rPr/>
+              <a:t>site–</a:t>
+            </a:r>
+            <a:r>
+              <a:rPr/>
+              <a:t> </a:t>
+            </a:r>
+            <a:r>
+              <a:rPr/>
+              <a:t>it</a:t>
+            </a:r>
+            <a:r>
+              <a:rPr/>
+              <a:t> </a:t>
+            </a:r>
+            <a:r>
+              <a:rPr/>
+              <a:t>will</a:t>
+            </a:r>
+            <a:r>
+              <a:rPr/>
+              <a:t> </a:t>
+            </a:r>
+            <a:r>
+              <a:rPr/>
+              <a:t>take</a:t>
+            </a:r>
+            <a:r>
+              <a:rPr/>
+              <a:t> </a:t>
+            </a:r>
+            <a:r>
+              <a:rPr/>
+              <a:t>forever</a:t>
             </a:r>
             <a:r>
               <a:rPr/>
@@ -2818,236 +6664,31 @@
             </a:r>
             <a:r>
               <a:rPr/>
-              <a:t>a</a:t>
-            </a:r>
-            <a:r>
-              <a:rPr/>
-              <a:t> </a:t>
-            </a:r>
-            <a:r>
-              <a:rPr/>
-              <a:t>particular</a:t>
-            </a:r>
-            <a:r>
-              <a:rPr/>
-              <a:t> </a:t>
-            </a:r>
-            <a:r>
-              <a:rPr/>
-              <a:t>audience,</a:t>
-            </a:r>
-            <a:r>
-              <a:rPr/>
-              <a:t> </a:t>
-            </a:r>
-            <a:r>
-              <a:rPr/>
-              <a:t>what</a:t>
-            </a:r>
-            <a:r>
-              <a:rPr/>
-              <a:t> </a:t>
-            </a:r>
-            <a:r>
-              <a:rPr/>
-              <a:t>might</a:t>
-            </a:r>
-            <a:r>
-              <a:rPr/>
-              <a:t> </a:t>
-            </a:r>
-            <a:r>
-              <a:rPr/>
-              <a:t>you</a:t>
-            </a:r>
-            <a:r>
-              <a:rPr/>
-              <a:t> </a:t>
-            </a:r>
-            <a:r>
-              <a:rPr/>
-              <a:t>change</a:t>
-            </a:r>
-            <a:r>
-              <a:rPr/>
-              <a:t> </a:t>
-            </a:r>
-            <a:r>
-              <a:rPr/>
-              <a:t>about</a:t>
-            </a:r>
-            <a:r>
-              <a:rPr/>
-              <a:t> </a:t>
-            </a:r>
-            <a:r>
-              <a:rPr/>
-              <a:t>the</a:t>
-            </a:r>
-            <a:r>
-              <a:rPr/>
-              <a:t> </a:t>
-            </a:r>
-            <a:r>
-              <a:rPr/>
-              <a:t>process,</a:t>
-            </a:r>
-            <a:r>
-              <a:rPr/>
-              <a:t> </a:t>
-            </a:r>
-            <a:r>
-              <a:rPr/>
-              <a:t>structure,</a:t>
-            </a:r>
-            <a:r>
-              <a:rPr/>
-              <a:t> </a:t>
-            </a:r>
-            <a:r>
-              <a:rPr/>
-              <a:t>or</a:t>
-            </a:r>
-            <a:r>
-              <a:rPr/>
-              <a:t> </a:t>
-            </a:r>
-            <a:r>
-              <a:rPr/>
-              <a:t>content</a:t>
-            </a:r>
-            <a:r>
-              <a:rPr/>
-              <a:t> </a:t>
-            </a:r>
-            <a:r>
-              <a:rPr/>
-              <a:t>to</a:t>
-            </a:r>
-            <a:r>
-              <a:rPr/>
-              <a:t> </a:t>
-            </a:r>
-            <a:r>
-              <a:rPr/>
-              <a:t>better</a:t>
-            </a:r>
-            <a:r>
-              <a:rPr/>
-              <a:t> </a:t>
-            </a:r>
-            <a:r>
-              <a:rPr/>
-              <a:t>meet</a:t>
-            </a:r>
-            <a:r>
-              <a:rPr/>
-              <a:t> </a:t>
-            </a:r>
-            <a:r>
-              <a:rPr/>
-              <a:t>the</a:t>
-            </a:r>
-            <a:r>
-              <a:rPr/>
-              <a:t> </a:t>
-            </a:r>
-            <a:r>
-              <a:rPr/>
-              <a:t>needs</a:t>
-            </a:r>
-            <a:r>
-              <a:rPr/>
-              <a:t> </a:t>
-            </a:r>
-            <a:r>
-              <a:rPr/>
-              <a:t>of</a:t>
-            </a:r>
-            <a:r>
-              <a:rPr/>
-              <a:t> </a:t>
-            </a:r>
-            <a:r>
-              <a:rPr/>
-              <a:t>that</a:t>
-            </a:r>
-            <a:r>
-              <a:rPr/>
-              <a:t> </a:t>
-            </a:r>
-            <a:r>
-              <a:rPr/>
-              <a:t>audience?</a:t>
-            </a:r>
-          </a:p>
-          <a:p>
-            <a:pPr lvl="0" marL="0" indent="0">
-              <a:buNone/>
-            </a:pPr>
-          </a:p>
-          <a:p>
-            <a:pPr lvl="0" marL="0" indent="0">
-              <a:spcBef>
-                <a:spcPts val="3000"/>
-              </a:spcBef>
-              <a:buNone/>
-            </a:pPr>
-            <a:r>
-              <a:rPr b="1"/>
-              <a:t>Feedback</a:t>
-            </a:r>
-            <a:r>
-              <a:rPr b="1"/>
-              <a:t> </a:t>
-            </a:r>
-            <a:r>
-              <a:rPr b="1"/>
-              <a:t>on</a:t>
-            </a:r>
-            <a:r>
-              <a:rPr b="1"/>
-              <a:t> </a:t>
-            </a:r>
-            <a:r>
-              <a:rPr b="1"/>
-              <a:t>Core</a:t>
-            </a:r>
-            <a:r>
-              <a:rPr b="1"/>
-              <a:t> </a:t>
-            </a:r>
-            <a:r>
-              <a:rPr b="1"/>
-              <a:t>Curriculum</a:t>
-            </a:r>
-          </a:p>
-          <a:p>
-            <a:pPr lvl="0" marL="0" indent="0">
-              <a:buNone/>
-            </a:pPr>
-          </a:p>
-          <a:p>
-            <a:pPr lvl="1"/>
-            <a:r>
-              <a:rPr/>
-              <a:t>Tell</a:t>
-            </a:r>
-            <a:r>
-              <a:rPr/>
-              <a:t> </a:t>
-            </a:r>
-            <a:r>
-              <a:rPr/>
-              <a:t>us</a:t>
-            </a:r>
-            <a:r>
-              <a:rPr/>
-              <a:t> </a:t>
-            </a:r>
-            <a:r>
-              <a:rPr/>
-              <a:t>how</a:t>
+              <a:t>make</a:t>
+            </a:r>
+            <a:r>
+              <a:rPr/>
+              <a:t> </a:t>
+            </a:r>
+            <a:r>
+              <a:rPr/>
+              <a:t>all</a:t>
+            </a:r>
+            <a:r>
+              <a:rPr/>
+              <a:t> </a:t>
+            </a:r>
+            <a:r>
+              <a:rPr/>
+              <a:t>those</a:t>
+            </a:r>
+            <a:r>
+              <a:rPr/>
+              <a:t> </a:t>
+            </a:r>
+            <a:r>
+              <a:rPr/>
+              <a:t>changes</a:t>
             </a:r>
             <a:r>
               <a:rPr/>
@@ -3063,115 +6704,15 @@
             </a:r>
             <a:r>
               <a:rPr/>
-              <a:t>where</a:t>
-            </a:r>
-            <a:r>
-              <a:rPr/>
-              <a:t> </a:t>
-            </a:r>
-            <a:r>
-              <a:rPr/>
-              <a:t>you’re</a:t>
-            </a:r>
-            <a:r>
-              <a:rPr/>
-              <a:t> </a:t>
-            </a:r>
-            <a:r>
-              <a:rPr/>
-              <a:t>using</a:t>
-            </a:r>
-            <a:r>
-              <a:rPr/>
-              <a:t> </a:t>
-            </a:r>
-            <a:r>
-              <a:rPr/>
-              <a:t>the</a:t>
-            </a:r>
-            <a:r>
-              <a:rPr/>
-              <a:t> </a:t>
-            </a:r>
-            <a:r>
-              <a:rPr/>
-              <a:t>curriculum</a:t>
-            </a:r>
-            <a:r>
-              <a:rPr/>
-              <a:t> </a:t>
-            </a:r>
-            <a:r>
-              <a:rPr/>
-              <a:t>and</a:t>
-            </a:r>
-            <a:r>
-              <a:rPr/>
-              <a:t> </a:t>
-            </a:r>
-            <a:r>
-              <a:rPr/>
-              <a:t>what</a:t>
-            </a:r>
-            <a:r>
-              <a:rPr/>
-              <a:t> </a:t>
-            </a:r>
-            <a:r>
-              <a:rPr/>
-              <a:t>you’ve</a:t>
-            </a:r>
-            <a:r>
-              <a:rPr/>
-              <a:t> </a:t>
-            </a:r>
-            <a:r>
-              <a:rPr/>
-              <a:t>learned</a:t>
-            </a:r>
-            <a:r>
-              <a:rPr/>
-              <a:t> </a:t>
-            </a:r>
-            <a:r>
-              <a:rPr/>
-              <a:t>and</a:t>
-            </a:r>
-            <a:r>
-              <a:rPr/>
-              <a:t> </a:t>
-            </a:r>
-            <a:r>
-              <a:rPr/>
-              <a:t>what</a:t>
-            </a:r>
-            <a:r>
-              <a:rPr/>
-              <a:t> </a:t>
-            </a:r>
-            <a:r>
-              <a:rPr/>
-              <a:t>you</a:t>
-            </a:r>
-            <a:r>
-              <a:rPr/>
-              <a:t> </a:t>
-            </a:r>
-            <a:r>
-              <a:rPr/>
-              <a:t>might</a:t>
-            </a:r>
-            <a:r>
-              <a:rPr/>
-              <a:t> </a:t>
-            </a:r>
-            <a:r>
-              <a:rPr/>
-              <a:t>change</a:t>
-            </a:r>
-            <a:r>
-              <a:rPr/>
-              <a:t>.</a:t>
+              <a:t>new</a:t>
+            </a:r>
+            <a:r>
+              <a:rPr/>
+              <a:t> </a:t>
+            </a:r>
+            <a:r>
+              <a:rPr/>
+              <a:t>pages!</a:t>
             </a:r>
           </a:p>
         </p:txBody>
@@ -3193,7 +6734,2839 @@
           <a:p>
             <a:fld id="{18BDFEC3-8487-43E8-A154-7C12CBC1FFF2}" type="slidenum">
               <a:rPr lang="en-US"/>
-              <a:t>8</a:t>
+              <a:t>7</a:t>
+            </a:fld>
+            <a:endParaRPr lang="en-US"/>
+          </a:p>
+        </p:txBody>
+      </p:sp>
+    </p:spTree>
+  </p:cSld>
+</p:notes>
+</file>
+
+<file path=ppt/notesSlides/notesSlide6.xml><?xml version="1.0" encoding="utf-8"?>
+<p:notes xmlns:a="http://schemas.openxmlformats.org/drawingml/2006/main" xmlns:r="http://schemas.openxmlformats.org/officeDocument/2006/relationships" xmlns:p="http://schemas.openxmlformats.org/presentationml/2006/main">
+  <p:cSld>
+    <p:spTree>
+      <p:nvGrpSpPr>
+        <p:cNvPr id="1" name=""/>
+        <p:cNvGrpSpPr/>
+        <p:nvPr/>
+      </p:nvGrpSpPr>
+      <p:grpSpPr>
+        <a:xfrm>
+          <a:off x="0" y="0"/>
+          <a:ext cx="0" cy="0"/>
+          <a:chOff x="0" y="0"/>
+          <a:chExt cx="0" cy="0"/>
+        </a:xfrm>
+      </p:grpSpPr>
+      <p:sp>
+        <p:nvSpPr>
+          <p:cNvPr id="2" name="Slide Image Placeholder 1"/>
+          <p:cNvSpPr>
+            <a:spLocks noGrp="1" noRot="1" noChangeAspect="1"/>
+          </p:cNvSpPr>
+          <p:nvPr>
+            <p:ph type="sldImg"/>
+          </p:nvPr>
+        </p:nvSpPr>
+        <p:spPr/>
+      </p:sp>
+      <p:sp>
+        <p:nvSpPr>
+          <p:cNvPr id="3" name="Notes Placeholder 2"/>
+          <p:cNvSpPr>
+            <a:spLocks noGrp="1"/>
+          </p:cNvSpPr>
+          <p:nvPr>
+            <p:ph type="body" idx="1"/>
+          </p:nvPr>
+        </p:nvSpPr>
+        <p:spPr/>
+        <p:txBody>
+          <a:bodyPr/>
+          <a:lstStyle/>
+          <a:p>
+            <a:pPr lvl="1"/>
+            <a:r>
+              <a:rPr/>
+              <a:t>If</a:t>
+            </a:r>
+            <a:r>
+              <a:rPr/>
+              <a:t> </a:t>
+            </a:r>
+            <a:r>
+              <a:rPr/>
+              <a:t>we</a:t>
+            </a:r>
+            <a:r>
+              <a:rPr/>
+              <a:t> </a:t>
+            </a:r>
+            <a:r>
+              <a:rPr/>
+              <a:t>were</a:t>
+            </a:r>
+            <a:r>
+              <a:rPr/>
+              <a:t> </a:t>
+            </a:r>
+            <a:r>
+              <a:rPr/>
+              <a:t>developers</a:t>
+            </a:r>
+            <a:r>
+              <a:rPr/>
+              <a:t> </a:t>
+            </a:r>
+            <a:r>
+              <a:rPr/>
+              <a:t>working</a:t>
+            </a:r>
+            <a:r>
+              <a:rPr/>
+              <a:t> </a:t>
+            </a:r>
+            <a:r>
+              <a:rPr/>
+              <a:t>on</a:t>
+            </a:r>
+            <a:r>
+              <a:rPr/>
+              <a:t> </a:t>
+            </a:r>
+            <a:r>
+              <a:rPr/>
+              <a:t>this</a:t>
+            </a:r>
+            <a:r>
+              <a:rPr/>
+              <a:t> </a:t>
+            </a:r>
+            <a:r>
+              <a:rPr/>
+              <a:t>web</a:t>
+            </a:r>
+            <a:r>
+              <a:rPr/>
+              <a:t> </a:t>
+            </a:r>
+            <a:r>
+              <a:rPr/>
+              <a:t>site</a:t>
+            </a:r>
+            <a:r>
+              <a:rPr/>
+              <a:t> </a:t>
+            </a:r>
+            <a:r>
+              <a:rPr/>
+              <a:t>on</a:t>
+            </a:r>
+            <a:r>
+              <a:rPr/>
+              <a:t> </a:t>
+            </a:r>
+            <a:r>
+              <a:rPr/>
+              <a:t>a</a:t>
+            </a:r>
+            <a:r>
+              <a:rPr/>
+              <a:t> </a:t>
+            </a:r>
+            <a:r>
+              <a:rPr/>
+              <a:t>computer,</a:t>
+            </a:r>
+            <a:r>
+              <a:rPr/>
+              <a:t> </a:t>
+            </a:r>
+            <a:r>
+              <a:rPr/>
+              <a:t>we’d</a:t>
+            </a:r>
+            <a:r>
+              <a:rPr/>
+              <a:t> </a:t>
+            </a:r>
+            <a:r>
+              <a:rPr/>
+              <a:t>do</a:t>
+            </a:r>
+            <a:r>
+              <a:rPr/>
+              <a:t> </a:t>
+            </a:r>
+            <a:r>
+              <a:rPr/>
+              <a:t>write</a:t>
+            </a:r>
+            <a:r>
+              <a:rPr/>
+              <a:t> </a:t>
+            </a:r>
+            <a:r>
+              <a:rPr/>
+              <a:t>this</a:t>
+            </a:r>
+            <a:r>
+              <a:rPr/>
+              <a:t> </a:t>
+            </a:r>
+            <a:r>
+              <a:rPr/>
+              <a:t>in</a:t>
+            </a:r>
+            <a:r>
+              <a:rPr/>
+              <a:t> </a:t>
+            </a:r>
+            <a:r>
+              <a:rPr/>
+              <a:t>programming</a:t>
+            </a:r>
+            <a:r>
+              <a:rPr/>
+              <a:t> </a:t>
+            </a:r>
+            <a:r>
+              <a:rPr/>
+              <a:t>language,</a:t>
+            </a:r>
+            <a:r>
+              <a:rPr/>
+              <a:t> </a:t>
+            </a:r>
+            <a:r>
+              <a:rPr/>
+              <a:t>but</a:t>
+            </a:r>
+            <a:r>
+              <a:rPr/>
+              <a:t> </a:t>
+            </a:r>
+            <a:r>
+              <a:rPr/>
+              <a:t>here</a:t>
+            </a:r>
+            <a:r>
+              <a:rPr/>
+              <a:t> </a:t>
+            </a:r>
+            <a:r>
+              <a:rPr/>
+              <a:t>we’ll</a:t>
+            </a:r>
+            <a:r>
+              <a:rPr/>
+              <a:t> </a:t>
+            </a:r>
+            <a:r>
+              <a:rPr/>
+              <a:t>just</a:t>
+            </a:r>
+            <a:r>
+              <a:rPr/>
+              <a:t> </a:t>
+            </a:r>
+            <a:r>
+              <a:rPr/>
+              <a:t>write</a:t>
+            </a:r>
+            <a:r>
+              <a:rPr/>
+              <a:t> </a:t>
+            </a:r>
+            <a:r>
+              <a:rPr/>
+              <a:t>basic</a:t>
+            </a:r>
+            <a:r>
+              <a:rPr/>
+              <a:t> </a:t>
+            </a:r>
+            <a:r>
+              <a:rPr/>
+              <a:t>instructions,</a:t>
+            </a:r>
+            <a:r>
+              <a:rPr/>
+              <a:t> </a:t>
+            </a:r>
+            <a:r>
+              <a:rPr/>
+              <a:t>called</a:t>
+            </a:r>
+            <a:r>
+              <a:rPr/>
+              <a:t> </a:t>
+            </a:r>
+            <a:r>
+              <a:rPr/>
+              <a:t>“</a:t>
+            </a:r>
+            <a:r>
+              <a:rPr/>
+              <a:t>pseudo-code.</a:t>
+            </a:r>
+            <a:r>
+              <a:rPr/>
+              <a:t>”</a:t>
+            </a:r>
+            <a:r>
+              <a:rPr/>
+              <a:t> </a:t>
+            </a:r>
+            <a:r>
+              <a:rPr/>
+              <a:t>It’s</a:t>
+            </a:r>
+            <a:r>
+              <a:rPr/>
+              <a:t> </a:t>
+            </a:r>
+            <a:r>
+              <a:rPr/>
+              <a:t>not</a:t>
+            </a:r>
+            <a:r>
+              <a:rPr/>
+              <a:t> </a:t>
+            </a:r>
+            <a:r>
+              <a:rPr/>
+              <a:t>the</a:t>
+            </a:r>
+            <a:r>
+              <a:rPr/>
+              <a:t> </a:t>
+            </a:r>
+            <a:r>
+              <a:rPr/>
+              <a:t>actual</a:t>
+            </a:r>
+            <a:r>
+              <a:rPr/>
+              <a:t> </a:t>
+            </a:r>
+            <a:r>
+              <a:rPr/>
+              <a:t>wording</a:t>
+            </a:r>
+            <a:r>
+              <a:rPr/>
+              <a:t> </a:t>
+            </a:r>
+            <a:r>
+              <a:rPr/>
+              <a:t>we’d</a:t>
+            </a:r>
+            <a:r>
+              <a:rPr/>
+              <a:t> </a:t>
+            </a:r>
+            <a:r>
+              <a:rPr/>
+              <a:t>need</a:t>
+            </a:r>
+            <a:r>
+              <a:rPr/>
+              <a:t> </a:t>
+            </a:r>
+            <a:r>
+              <a:rPr/>
+              <a:t>for</a:t>
+            </a:r>
+            <a:r>
+              <a:rPr/>
+              <a:t> </a:t>
+            </a:r>
+            <a:r>
+              <a:rPr/>
+              <a:t>an</a:t>
+            </a:r>
+            <a:r>
+              <a:rPr/>
+              <a:t> </a:t>
+            </a:r>
+            <a:r>
+              <a:rPr/>
+              <a:t>actual</a:t>
+            </a:r>
+            <a:r>
+              <a:rPr/>
+              <a:t> </a:t>
+            </a:r>
+            <a:r>
+              <a:rPr/>
+              <a:t>programming</a:t>
+            </a:r>
+            <a:r>
+              <a:rPr/>
+              <a:t> </a:t>
+            </a:r>
+            <a:r>
+              <a:rPr/>
+              <a:t>language,</a:t>
+            </a:r>
+            <a:r>
+              <a:rPr/>
+              <a:t> </a:t>
+            </a:r>
+            <a:r>
+              <a:rPr/>
+              <a:t>but</a:t>
+            </a:r>
+            <a:r>
+              <a:rPr/>
+              <a:t> </a:t>
+            </a:r>
+            <a:r>
+              <a:rPr/>
+              <a:t>it</a:t>
+            </a:r>
+            <a:r>
+              <a:rPr/>
+              <a:t> </a:t>
+            </a:r>
+            <a:r>
+              <a:rPr/>
+              <a:t>expresses</a:t>
+            </a:r>
+            <a:r>
+              <a:rPr/>
+              <a:t> </a:t>
+            </a:r>
+            <a:r>
+              <a:rPr/>
+              <a:t>the</a:t>
+            </a:r>
+            <a:r>
+              <a:rPr/>
+              <a:t> </a:t>
+            </a:r>
+            <a:r>
+              <a:rPr/>
+              <a:t>intent</a:t>
+            </a:r>
+            <a:r>
+              <a:rPr/>
+              <a:t> </a:t>
+            </a:r>
+            <a:r>
+              <a:rPr/>
+              <a:t>of</a:t>
+            </a:r>
+            <a:r>
+              <a:rPr/>
+              <a:t> </a:t>
+            </a:r>
+            <a:r>
+              <a:rPr/>
+              <a:t>the</a:t>
+            </a:r>
+            <a:r>
+              <a:rPr/>
+              <a:t> </a:t>
+            </a:r>
+            <a:r>
+              <a:rPr/>
+              <a:t>instructions.</a:t>
+            </a:r>
+          </a:p>
+          <a:p>
+            <a:pPr lvl="0" marL="0" indent="0">
+              <a:buNone/>
+            </a:pPr>
+          </a:p>
+          <a:p>
+            <a:pPr lvl="1"/>
+            <a:r>
+              <a:rPr/>
+              <a:t>What</a:t>
+            </a:r>
+            <a:r>
+              <a:rPr/>
+              <a:t> </a:t>
+            </a:r>
+            <a:r>
+              <a:rPr/>
+              <a:t>are</a:t>
+            </a:r>
+            <a:r>
+              <a:rPr/>
+              <a:t> </a:t>
+            </a:r>
+            <a:r>
+              <a:rPr/>
+              <a:t>the</a:t>
+            </a:r>
+            <a:r>
+              <a:rPr/>
+              <a:t> </a:t>
+            </a:r>
+            <a:r>
+              <a:rPr/>
+              <a:t>instructions?</a:t>
+            </a:r>
+            <a:r>
+              <a:rPr/>
+              <a:t> </a:t>
+            </a:r>
+            <a:r>
+              <a:rPr/>
+              <a:t>Let’s</a:t>
+            </a:r>
+            <a:r>
+              <a:rPr/>
+              <a:t> </a:t>
+            </a:r>
+            <a:r>
+              <a:rPr/>
+              <a:t>write</a:t>
+            </a:r>
+            <a:r>
+              <a:rPr/>
+              <a:t> </a:t>
+            </a:r>
+            <a:r>
+              <a:rPr/>
+              <a:t>another</a:t>
+            </a:r>
+            <a:r>
+              <a:rPr/>
+              <a:t> </a:t>
+            </a:r>
+            <a:r>
+              <a:rPr/>
+              <a:t>algorithm.</a:t>
+            </a:r>
+            <a:r>
+              <a:rPr/>
+              <a:t> </a:t>
+            </a:r>
+            <a:r>
+              <a:rPr/>
+              <a:t>This</a:t>
+            </a:r>
+            <a:r>
+              <a:rPr/>
+              <a:t> </a:t>
+            </a:r>
+            <a:r>
+              <a:rPr/>
+              <a:t>can</a:t>
+            </a:r>
+            <a:r>
+              <a:rPr/>
+              <a:t> </a:t>
+            </a:r>
+            <a:r>
+              <a:rPr/>
+              <a:t>be</a:t>
+            </a:r>
+            <a:r>
+              <a:rPr/>
+              <a:t> </a:t>
+            </a:r>
+            <a:r>
+              <a:rPr/>
+              <a:t>whatever</a:t>
+            </a:r>
+            <a:r>
+              <a:rPr/>
+              <a:t> </a:t>
+            </a:r>
+            <a:r>
+              <a:rPr/>
+              <a:t>we</a:t>
+            </a:r>
+            <a:r>
+              <a:rPr/>
+              <a:t> </a:t>
+            </a:r>
+            <a:r>
+              <a:rPr/>
+              <a:t>want</a:t>
+            </a:r>
+            <a:r>
+              <a:rPr/>
+              <a:t> </a:t>
+            </a:r>
+            <a:r>
+              <a:rPr/>
+              <a:t>in</a:t>
+            </a:r>
+            <a:r>
+              <a:rPr/>
+              <a:t> </a:t>
+            </a:r>
+            <a:r>
+              <a:rPr/>
+              <a:t>terms</a:t>
+            </a:r>
+            <a:r>
+              <a:rPr/>
+              <a:t> </a:t>
+            </a:r>
+            <a:r>
+              <a:rPr/>
+              <a:t>of</a:t>
+            </a:r>
+            <a:r>
+              <a:rPr/>
+              <a:t> </a:t>
+            </a:r>
+            <a:r>
+              <a:rPr/>
+              <a:t>what</a:t>
+            </a:r>
+            <a:r>
+              <a:rPr/>
+              <a:t> </a:t>
+            </a:r>
+            <a:r>
+              <a:rPr/>
+              <a:t>content</a:t>
+            </a:r>
+            <a:r>
+              <a:rPr/>
+              <a:t> </a:t>
+            </a:r>
+            <a:r>
+              <a:rPr/>
+              <a:t>to</a:t>
+            </a:r>
+            <a:r>
+              <a:rPr/>
+              <a:t> </a:t>
+            </a:r>
+            <a:r>
+              <a:rPr/>
+              <a:t>add</a:t>
+            </a:r>
+            <a:r>
+              <a:rPr/>
+              <a:t> </a:t>
+            </a:r>
+            <a:r>
+              <a:rPr/>
+              <a:t>where,</a:t>
+            </a:r>
+            <a:r>
+              <a:rPr/>
+              <a:t> </a:t>
+            </a:r>
+            <a:r>
+              <a:rPr/>
+              <a:t>but</a:t>
+            </a:r>
+            <a:r>
+              <a:rPr/>
+              <a:t> </a:t>
+            </a:r>
+            <a:r>
+              <a:rPr/>
+              <a:t>here’s</a:t>
+            </a:r>
+            <a:r>
+              <a:rPr/>
+              <a:t> </a:t>
+            </a:r>
+            <a:r>
+              <a:rPr/>
+              <a:t>an</a:t>
+            </a:r>
+            <a:r>
+              <a:rPr/>
+              <a:t> </a:t>
+            </a:r>
+            <a:r>
+              <a:rPr/>
+              <a:t>example:</a:t>
+            </a:r>
+          </a:p>
+          <a:p>
+            <a:pPr lvl="0" marL="0" indent="0">
+              <a:buNone/>
+            </a:pPr>
+          </a:p>
+          <a:p>
+            <a:pPr lvl="2"/>
+            <a:r>
+              <a:rPr/>
+              <a:t>Access</a:t>
+            </a:r>
+            <a:r>
+              <a:rPr/>
+              <a:t> </a:t>
+            </a:r>
+            <a:r>
+              <a:rPr/>
+              <a:t>the</a:t>
+            </a:r>
+            <a:r>
+              <a:rPr/>
+              <a:t> </a:t>
+            </a:r>
+            <a:r>
+              <a:rPr/>
+              <a:t>desired</a:t>
+            </a:r>
+            <a:r>
+              <a:rPr/>
+              <a:t> </a:t>
+            </a:r>
+            <a:r>
+              <a:rPr/>
+              <a:t>pet</a:t>
+            </a:r>
+            <a:r>
+              <a:rPr/>
+              <a:t> </a:t>
+            </a:r>
+            <a:r>
+              <a:rPr/>
+              <a:t>record</a:t>
+            </a:r>
+          </a:p>
+          <a:p>
+            <a:pPr lvl="0" marL="0" indent="0">
+              <a:buNone/>
+            </a:pPr>
+          </a:p>
+          <a:p>
+            <a:pPr lvl="2"/>
+            <a:r>
+              <a:rPr/>
+              <a:t>Put</a:t>
+            </a:r>
+            <a:r>
+              <a:rPr/>
+              <a:t> </a:t>
+            </a:r>
+            <a:r>
+              <a:rPr/>
+              <a:t>the</a:t>
+            </a:r>
+            <a:r>
+              <a:rPr/>
+              <a:t> </a:t>
+            </a:r>
+            <a:r>
+              <a:rPr/>
+              <a:t>Pet</a:t>
+            </a:r>
+            <a:r>
+              <a:rPr/>
+              <a:t> </a:t>
+            </a:r>
+            <a:r>
+              <a:rPr/>
+              <a:t>Name</a:t>
+            </a:r>
+            <a:r>
+              <a:rPr/>
+              <a:t> </a:t>
+            </a:r>
+            <a:r>
+              <a:rPr/>
+              <a:t>or</a:t>
+            </a:r>
+            <a:r>
+              <a:rPr/>
+              <a:t> </a:t>
+            </a:r>
+            <a:r>
+              <a:rPr/>
+              <a:t>Pet</a:t>
+            </a:r>
+            <a:r>
+              <a:rPr/>
+              <a:t> </a:t>
+            </a:r>
+            <a:r>
+              <a:rPr/>
+              <a:t>Number</a:t>
+            </a:r>
+            <a:r>
+              <a:rPr/>
+              <a:t> </a:t>
+            </a:r>
+            <a:r>
+              <a:rPr/>
+              <a:t>in</a:t>
+            </a:r>
+            <a:r>
+              <a:rPr/>
+              <a:t> </a:t>
+            </a:r>
+            <a:r>
+              <a:rPr/>
+              <a:t>the</a:t>
+            </a:r>
+            <a:r>
+              <a:rPr/>
+              <a:t> </a:t>
+            </a:r>
+            <a:r>
+              <a:rPr/>
+              <a:t>title</a:t>
+            </a:r>
+          </a:p>
+          <a:p>
+            <a:pPr lvl="0" marL="0" indent="0">
+              <a:buNone/>
+            </a:pPr>
+          </a:p>
+          <a:p>
+            <a:pPr lvl="2"/>
+            <a:r>
+              <a:rPr/>
+              <a:t>Assign</a:t>
+            </a:r>
+            <a:r>
+              <a:rPr/>
+              <a:t> </a:t>
+            </a:r>
+            <a:r>
+              <a:rPr/>
+              <a:t>the</a:t>
+            </a:r>
+            <a:r>
+              <a:rPr/>
+              <a:t> </a:t>
+            </a:r>
+            <a:r>
+              <a:rPr/>
+              <a:t>correct</a:t>
+            </a:r>
+            <a:r>
+              <a:rPr/>
+              <a:t> </a:t>
+            </a:r>
+            <a:r>
+              <a:rPr/>
+              <a:t>style</a:t>
+            </a:r>
+            <a:r>
+              <a:rPr/>
+              <a:t> </a:t>
+            </a:r>
+            <a:r>
+              <a:rPr/>
+              <a:t>sheet</a:t>
+            </a:r>
+          </a:p>
+          <a:p>
+            <a:pPr lvl="0" marL="0" indent="0">
+              <a:buNone/>
+            </a:pPr>
+          </a:p>
+          <a:p>
+            <a:pPr lvl="2"/>
+            <a:r>
+              <a:rPr/>
+              <a:t>Put</a:t>
+            </a:r>
+            <a:r>
+              <a:rPr/>
+              <a:t> </a:t>
+            </a:r>
+            <a:r>
+              <a:rPr/>
+              <a:t>the</a:t>
+            </a:r>
+            <a:r>
+              <a:rPr/>
+              <a:t> </a:t>
+            </a:r>
+            <a:r>
+              <a:rPr/>
+              <a:t>pet</a:t>
+            </a:r>
+            <a:r>
+              <a:rPr/>
+              <a:t> </a:t>
+            </a:r>
+            <a:r>
+              <a:rPr/>
+              <a:t>name</a:t>
+            </a:r>
+            <a:r>
+              <a:rPr/>
+              <a:t> </a:t>
+            </a:r>
+            <a:r>
+              <a:rPr/>
+              <a:t>in</a:t>
+            </a:r>
+            <a:r>
+              <a:rPr/>
+              <a:t> </a:t>
+            </a:r>
+            <a:r>
+              <a:rPr/>
+              <a:t>the</a:t>
+            </a:r>
+            <a:r>
+              <a:rPr/>
+              <a:t> </a:t>
+            </a:r>
+            <a:r>
+              <a:rPr/>
+              <a:t>heading</a:t>
+            </a:r>
+          </a:p>
+          <a:p>
+            <a:pPr lvl="0" marL="0" indent="0">
+              <a:buNone/>
+            </a:pPr>
+          </a:p>
+          <a:p>
+            <a:pPr lvl="2"/>
+            <a:r>
+              <a:rPr/>
+              <a:t>Put</a:t>
+            </a:r>
+            <a:r>
+              <a:rPr/>
+              <a:t> </a:t>
+            </a:r>
+            <a:r>
+              <a:rPr/>
+              <a:t>the</a:t>
+            </a:r>
+            <a:r>
+              <a:rPr/>
+              <a:t> </a:t>
+            </a:r>
+            <a:r>
+              <a:rPr/>
+              <a:t>image</a:t>
+            </a:r>
+            <a:r>
+              <a:rPr/>
+              <a:t> </a:t>
+            </a:r>
+            <a:r>
+              <a:rPr/>
+              <a:t>name</a:t>
+            </a:r>
+            <a:r>
+              <a:rPr/>
+              <a:t> </a:t>
+            </a:r>
+            <a:r>
+              <a:rPr/>
+              <a:t>in</a:t>
+            </a:r>
+            <a:r>
+              <a:rPr/>
+              <a:t> </a:t>
+            </a:r>
+            <a:r>
+              <a:rPr/>
+              <a:t>the</a:t>
+            </a:r>
+            <a:r>
+              <a:rPr/>
+              <a:t> </a:t>
+            </a:r>
+            <a:r>
+              <a:rPr/>
+              <a:t>img</a:t>
+            </a:r>
+            <a:r>
+              <a:rPr/>
+              <a:t> </a:t>
+            </a:r>
+            <a:r>
+              <a:rPr/>
+              <a:t>tag</a:t>
+            </a:r>
+          </a:p>
+          <a:p>
+            <a:pPr lvl="0" marL="0" indent="0">
+              <a:buNone/>
+            </a:pPr>
+          </a:p>
+          <a:p>
+            <a:pPr lvl="2"/>
+            <a:r>
+              <a:rPr/>
+              <a:t>Put</a:t>
+            </a:r>
+            <a:r>
+              <a:rPr/>
+              <a:t> </a:t>
+            </a:r>
+            <a:r>
+              <a:rPr/>
+              <a:t>the</a:t>
+            </a:r>
+            <a:r>
+              <a:rPr/>
+              <a:t> </a:t>
+            </a:r>
+            <a:r>
+              <a:rPr/>
+              <a:t>traits</a:t>
+            </a:r>
+            <a:r>
+              <a:rPr/>
+              <a:t> </a:t>
+            </a:r>
+            <a:r>
+              <a:rPr/>
+              <a:t>in</a:t>
+            </a:r>
+            <a:r>
+              <a:rPr/>
+              <a:t> </a:t>
+            </a:r>
+            <a:r>
+              <a:rPr/>
+              <a:t>the</a:t>
+            </a:r>
+            <a:r>
+              <a:rPr/>
+              <a:t> </a:t>
+            </a:r>
+            <a:r>
+              <a:rPr/>
+              <a:t>final</a:t>
+            </a:r>
+            <a:r>
+              <a:rPr/>
+              <a:t> </a:t>
+            </a:r>
+            <a:r>
+              <a:rPr/>
+              <a:t>paragraph</a:t>
+            </a:r>
+          </a:p>
+        </p:txBody>
+      </p:sp>
+      <p:sp>
+        <p:nvSpPr>
+          <p:cNvPr id="4" name="Slide Number Placeholder 3"/>
+          <p:cNvSpPr>
+            <a:spLocks noGrp="1"/>
+          </p:cNvSpPr>
+          <p:nvPr>
+            <p:ph type="sldNum" sz="quarter" idx="10"/>
+          </p:nvPr>
+        </p:nvSpPr>
+        <p:spPr/>
+        <p:txBody>
+          <a:bodyPr/>
+          <a:lstStyle/>
+          <a:p>
+            <a:fld id="{18BDFEC3-8487-43E8-A154-7C12CBC1FFF2}" type="slidenum">
+              <a:rPr lang="en-US"/>
+              <a:t>13</a:t>
+            </a:fld>
+            <a:endParaRPr lang="en-US"/>
+          </a:p>
+        </p:txBody>
+      </p:sp>
+    </p:spTree>
+  </p:cSld>
+</p:notes>
+</file>
+
+<file path=ppt/notesSlides/notesSlide7.xml><?xml version="1.0" encoding="utf-8"?>
+<p:notes xmlns:a="http://schemas.openxmlformats.org/drawingml/2006/main" xmlns:r="http://schemas.openxmlformats.org/officeDocument/2006/relationships" xmlns:p="http://schemas.openxmlformats.org/presentationml/2006/main">
+  <p:cSld>
+    <p:spTree>
+      <p:nvGrpSpPr>
+        <p:cNvPr id="1" name=""/>
+        <p:cNvGrpSpPr/>
+        <p:nvPr/>
+      </p:nvGrpSpPr>
+      <p:grpSpPr>
+        <a:xfrm>
+          <a:off x="0" y="0"/>
+          <a:ext cx="0" cy="0"/>
+          <a:chOff x="0" y="0"/>
+          <a:chExt cx="0" cy="0"/>
+        </a:xfrm>
+      </p:grpSpPr>
+      <p:sp>
+        <p:nvSpPr>
+          <p:cNvPr id="2" name="Slide Image Placeholder 1"/>
+          <p:cNvSpPr>
+            <a:spLocks noGrp="1" noRot="1" noChangeAspect="1"/>
+          </p:cNvSpPr>
+          <p:nvPr>
+            <p:ph type="sldImg"/>
+          </p:nvPr>
+        </p:nvSpPr>
+        <p:spPr/>
+      </p:sp>
+      <p:sp>
+        <p:nvSpPr>
+          <p:cNvPr id="3" name="Notes Placeholder 2"/>
+          <p:cNvSpPr>
+            <a:spLocks noGrp="1"/>
+          </p:cNvSpPr>
+          <p:nvPr>
+            <p:ph type="body" idx="1"/>
+          </p:nvPr>
+        </p:nvSpPr>
+        <p:spPr/>
+        <p:txBody>
+          <a:bodyPr/>
+          <a:lstStyle/>
+          <a:p>
+            <a:pPr lvl="1"/>
+            <a:r>
+              <a:rPr/>
+              <a:t>Have</a:t>
+            </a:r>
+            <a:r>
+              <a:rPr/>
+              <a:t> </a:t>
+            </a:r>
+            <a:r>
+              <a:rPr/>
+              <a:t>a</a:t>
+            </a:r>
+            <a:r>
+              <a:rPr/>
+              <a:t> </a:t>
+            </a:r>
+            <a:r>
+              <a:rPr/>
+              <a:t>learner</a:t>
+            </a:r>
+            <a:r>
+              <a:rPr/>
+              <a:t> </a:t>
+            </a:r>
+            <a:r>
+              <a:rPr/>
+              <a:t>try</a:t>
+            </a:r>
+            <a:r>
+              <a:rPr/>
+              <a:t> </a:t>
+            </a:r>
+            <a:r>
+              <a:rPr/>
+              <a:t>assembling</a:t>
+            </a:r>
+            <a:r>
+              <a:rPr/>
+              <a:t> </a:t>
+            </a:r>
+            <a:r>
+              <a:rPr/>
+              <a:t>the</a:t>
+            </a:r>
+            <a:r>
+              <a:rPr/>
+              <a:t> </a:t>
+            </a:r>
+            <a:r>
+              <a:rPr/>
+              <a:t>page</a:t>
+            </a:r>
+            <a:r>
+              <a:rPr/>
+              <a:t> </a:t>
+            </a:r>
+            <a:r>
+              <a:rPr/>
+              <a:t>by</a:t>
+            </a:r>
+            <a:r>
+              <a:rPr/>
+              <a:t> </a:t>
+            </a:r>
+            <a:r>
+              <a:rPr/>
+              <a:t>following</a:t>
+            </a:r>
+            <a:r>
+              <a:rPr/>
+              <a:t> </a:t>
+            </a:r>
+            <a:r>
+              <a:rPr/>
+              <a:t>the</a:t>
+            </a:r>
+            <a:r>
+              <a:rPr/>
+              <a:t> </a:t>
+            </a:r>
+            <a:r>
+              <a:rPr/>
+              <a:t>sticky</a:t>
+            </a:r>
+            <a:r>
+              <a:rPr/>
+              <a:t> </a:t>
+            </a:r>
+            <a:r>
+              <a:rPr/>
+              <a:t>note</a:t>
+            </a:r>
+            <a:r>
+              <a:rPr/>
+              <a:t> </a:t>
+            </a:r>
+            <a:r>
+              <a:rPr/>
+              <a:t>instructions–</a:t>
+            </a:r>
+            <a:r>
+              <a:rPr/>
+              <a:t> </a:t>
+            </a:r>
+            <a:r>
+              <a:rPr/>
+              <a:t>this</a:t>
+            </a:r>
+            <a:r>
+              <a:rPr/>
+              <a:t> </a:t>
+            </a:r>
+            <a:r>
+              <a:rPr/>
+              <a:t>is</a:t>
+            </a:r>
+            <a:r>
+              <a:rPr/>
+              <a:t> </a:t>
+            </a:r>
+            <a:r>
+              <a:rPr/>
+              <a:t>what</a:t>
+            </a:r>
+            <a:r>
+              <a:rPr/>
+              <a:t> </a:t>
+            </a:r>
+            <a:r>
+              <a:rPr/>
+              <a:t>the</a:t>
+            </a:r>
+            <a:r>
+              <a:rPr/>
+              <a:t> </a:t>
+            </a:r>
+            <a:r>
+              <a:rPr/>
+              <a:t>code</a:t>
+            </a:r>
+            <a:r>
+              <a:rPr/>
+              <a:t> </a:t>
+            </a:r>
+            <a:r>
+              <a:rPr/>
+              <a:t>does!</a:t>
+            </a:r>
+            <a:r>
+              <a:rPr/>
+              <a:t> </a:t>
+            </a:r>
+            <a:r>
+              <a:rPr/>
+              <a:t>fill</a:t>
+            </a:r>
+            <a:r>
+              <a:rPr/>
+              <a:t> </a:t>
+            </a:r>
+            <a:r>
+              <a:rPr/>
+              <a:t>in</a:t>
+            </a:r>
+            <a:r>
+              <a:rPr/>
+              <a:t> </a:t>
+            </a:r>
+            <a:r>
+              <a:rPr/>
+              <a:t>the</a:t>
+            </a:r>
+            <a:r>
+              <a:rPr/>
+              <a:t> </a:t>
+            </a:r>
+            <a:r>
+              <a:rPr/>
+              <a:t>content</a:t>
+            </a:r>
+          </a:p>
+          <a:p>
+            <a:pPr lvl="0" marL="0" indent="0">
+              <a:buNone/>
+            </a:pPr>
+          </a:p>
+          <a:p>
+            <a:pPr lvl="1"/>
+            <a:r>
+              <a:rPr/>
+              <a:t>When</a:t>
+            </a:r>
+            <a:r>
+              <a:rPr/>
+              <a:t> </a:t>
+            </a:r>
+            <a:r>
+              <a:rPr/>
+              <a:t>a</a:t>
+            </a:r>
+            <a:r>
+              <a:rPr/>
+              <a:t> </a:t>
+            </a:r>
+            <a:r>
+              <a:rPr/>
+              <a:t>client’s</a:t>
+            </a:r>
+            <a:r>
+              <a:rPr/>
+              <a:t> </a:t>
+            </a:r>
+            <a:r>
+              <a:rPr/>
+              <a:t>browser</a:t>
+            </a:r>
+            <a:r>
+              <a:rPr/>
+              <a:t> </a:t>
+            </a:r>
+            <a:r>
+              <a:rPr/>
+              <a:t>requests</a:t>
+            </a:r>
+            <a:r>
+              <a:rPr/>
+              <a:t> </a:t>
+            </a:r>
+            <a:r>
+              <a:rPr/>
+              <a:t>this</a:t>
+            </a:r>
+            <a:r>
+              <a:rPr/>
+              <a:t> </a:t>
+            </a:r>
+            <a:r>
+              <a:rPr/>
+              <a:t>page</a:t>
+            </a:r>
+            <a:r>
+              <a:rPr/>
+              <a:t> </a:t>
+            </a:r>
+            <a:r>
+              <a:rPr/>
+              <a:t>for</a:t>
+            </a:r>
+            <a:r>
+              <a:rPr/>
+              <a:t> </a:t>
+            </a:r>
+            <a:r>
+              <a:rPr/>
+              <a:t>a</a:t>
+            </a:r>
+            <a:r>
+              <a:rPr/>
+              <a:t> </a:t>
+            </a:r>
+            <a:r>
+              <a:rPr/>
+              <a:t>particular</a:t>
+            </a:r>
+            <a:r>
+              <a:rPr/>
+              <a:t> </a:t>
+            </a:r>
+            <a:r>
+              <a:rPr/>
+              <a:t>pet</a:t>
+            </a:r>
+            <a:r>
+              <a:rPr/>
+              <a:t> </a:t>
+            </a:r>
+            <a:r>
+              <a:rPr/>
+              <a:t>(say,</a:t>
+            </a:r>
+            <a:r>
+              <a:rPr/>
+              <a:t> </a:t>
+            </a:r>
+            <a:r>
+              <a:rPr/>
+              <a:t>Pet</a:t>
+            </a:r>
+            <a:r>
+              <a:rPr/>
+              <a:t> </a:t>
+            </a:r>
+            <a:r>
+              <a:rPr/>
+              <a:t>#2)</a:t>
+            </a:r>
+            <a:r>
+              <a:rPr/>
+              <a:t> </a:t>
+            </a:r>
+            <a:r>
+              <a:rPr/>
+              <a:t>the</a:t>
+            </a:r>
+            <a:r>
+              <a:rPr/>
+              <a:t> </a:t>
+            </a:r>
+            <a:r>
+              <a:rPr/>
+              <a:t>server-side</a:t>
+            </a:r>
+            <a:r>
+              <a:rPr/>
+              <a:t> </a:t>
+            </a:r>
+            <a:r>
+              <a:rPr/>
+              <a:t>code</a:t>
+            </a:r>
+            <a:r>
+              <a:rPr/>
+              <a:t> </a:t>
+            </a:r>
+            <a:r>
+              <a:rPr/>
+              <a:t>will</a:t>
+            </a:r>
+            <a:r>
+              <a:rPr/>
+              <a:t> </a:t>
+            </a:r>
+            <a:r>
+              <a:rPr/>
+              <a:t>pull</a:t>
+            </a:r>
+            <a:r>
+              <a:rPr/>
+              <a:t> </a:t>
+            </a:r>
+            <a:r>
+              <a:rPr/>
+              <a:t>together</a:t>
+            </a:r>
+            <a:r>
+              <a:rPr/>
+              <a:t> </a:t>
+            </a:r>
+            <a:r>
+              <a:rPr/>
+              <a:t>the</a:t>
+            </a:r>
+            <a:r>
+              <a:rPr/>
+              <a:t> </a:t>
+            </a:r>
+            <a:r>
+              <a:rPr/>
+              <a:t>info</a:t>
+            </a:r>
+            <a:r>
+              <a:rPr/>
+              <a:t> </a:t>
+            </a:r>
+            <a:r>
+              <a:rPr/>
+              <a:t>from</a:t>
+            </a:r>
+            <a:r>
+              <a:rPr/>
+              <a:t> </a:t>
+            </a:r>
+            <a:r>
+              <a:rPr/>
+              <a:t>the</a:t>
+            </a:r>
+            <a:r>
+              <a:rPr/>
+              <a:t> </a:t>
+            </a:r>
+            <a:r>
+              <a:rPr/>
+              <a:t>database,</a:t>
+            </a:r>
+            <a:r>
+              <a:rPr/>
+              <a:t> </a:t>
+            </a:r>
+            <a:r>
+              <a:rPr/>
+              <a:t>assign</a:t>
+            </a:r>
+            <a:r>
+              <a:rPr/>
+              <a:t> </a:t>
+            </a:r>
+            <a:r>
+              <a:rPr/>
+              <a:t>the</a:t>
+            </a:r>
+            <a:r>
+              <a:rPr/>
+              <a:t> </a:t>
+            </a:r>
+            <a:r>
+              <a:rPr/>
+              <a:t>correct</a:t>
+            </a:r>
+            <a:r>
+              <a:rPr/>
+              <a:t> </a:t>
+            </a:r>
+            <a:r>
+              <a:rPr/>
+              <a:t>stylesheet,</a:t>
+            </a:r>
+            <a:r>
+              <a:rPr/>
+              <a:t> </a:t>
+            </a:r>
+            <a:r>
+              <a:rPr/>
+              <a:t>and</a:t>
+            </a:r>
+            <a:r>
+              <a:rPr/>
+              <a:t> </a:t>
+            </a:r>
+            <a:r>
+              <a:rPr/>
+              <a:t>send</a:t>
+            </a:r>
+            <a:r>
+              <a:rPr/>
+              <a:t> </a:t>
+            </a:r>
+            <a:r>
+              <a:rPr/>
+              <a:t>it</a:t>
+            </a:r>
+            <a:r>
+              <a:rPr/>
+              <a:t> </a:t>
+            </a:r>
+            <a:r>
+              <a:rPr/>
+              <a:t>all</a:t>
+            </a:r>
+            <a:r>
+              <a:rPr/>
+              <a:t> </a:t>
+            </a:r>
+            <a:r>
+              <a:rPr/>
+              <a:t>along</a:t>
+            </a:r>
+            <a:r>
+              <a:rPr/>
+              <a:t> </a:t>
+            </a:r>
+            <a:r>
+              <a:rPr/>
+              <a:t>to</a:t>
+            </a:r>
+            <a:r>
+              <a:rPr/>
+              <a:t> </a:t>
+            </a:r>
+            <a:r>
+              <a:rPr/>
+              <a:t>your</a:t>
+            </a:r>
+            <a:r>
+              <a:rPr/>
+              <a:t> </a:t>
+            </a:r>
+            <a:r>
+              <a:rPr/>
+              <a:t>browser.</a:t>
+            </a:r>
+            <a:r>
+              <a:rPr/>
+              <a:t> </a:t>
+            </a:r>
+            <a:r>
+              <a:rPr/>
+              <a:t>It</a:t>
+            </a:r>
+            <a:r>
+              <a:rPr/>
+              <a:t> </a:t>
+            </a:r>
+            <a:r>
+              <a:rPr/>
+              <a:t>makes</a:t>
+            </a:r>
+            <a:r>
+              <a:rPr/>
+              <a:t> </a:t>
+            </a:r>
+            <a:r>
+              <a:rPr/>
+              <a:t>the</a:t>
+            </a:r>
+            <a:r>
+              <a:rPr/>
+              <a:t> </a:t>
+            </a:r>
+            <a:r>
+              <a:rPr/>
+              <a:t>page</a:t>
+            </a:r>
+            <a:r>
+              <a:rPr/>
+              <a:t> </a:t>
+            </a:r>
+            <a:r>
+              <a:rPr/>
+              <a:t>on</a:t>
+            </a:r>
+            <a:r>
+              <a:rPr/>
+              <a:t> </a:t>
+            </a:r>
+            <a:r>
+              <a:rPr/>
+              <a:t>the</a:t>
+            </a:r>
+            <a:r>
+              <a:rPr/>
+              <a:t> </a:t>
+            </a:r>
+            <a:r>
+              <a:rPr/>
+              <a:t>fly!</a:t>
+            </a:r>
+            <a:r>
+              <a:rPr/>
+              <a:t> </a:t>
+            </a:r>
+            <a:r>
+              <a:rPr/>
+              <a:t>So</a:t>
+            </a:r>
+            <a:r>
+              <a:rPr/>
+              <a:t> </a:t>
+            </a:r>
+            <a:r>
+              <a:rPr/>
+              <a:t>a</a:t>
+            </a:r>
+            <a:r>
+              <a:rPr/>
+              <a:t> </a:t>
+            </a:r>
+            <a:r>
+              <a:rPr/>
+              <a:t>page</a:t>
+            </a:r>
+            <a:r>
+              <a:rPr/>
+              <a:t> </a:t>
+            </a:r>
+            <a:r>
+              <a:rPr/>
+              <a:t>for</a:t>
+            </a:r>
+            <a:r>
+              <a:rPr/>
+              <a:t> </a:t>
+            </a:r>
+            <a:r>
+              <a:rPr/>
+              <a:t>each</a:t>
+            </a:r>
+            <a:r>
+              <a:rPr/>
+              <a:t> </a:t>
+            </a:r>
+            <a:r>
+              <a:rPr/>
+              <a:t>pet</a:t>
+            </a:r>
+            <a:r>
+              <a:rPr/>
+              <a:t> </a:t>
+            </a:r>
+            <a:r>
+              <a:rPr/>
+              <a:t>doesn’t</a:t>
+            </a:r>
+            <a:r>
+              <a:rPr/>
+              <a:t> </a:t>
+            </a:r>
+            <a:r>
+              <a:rPr/>
+              <a:t>exist</a:t>
+            </a:r>
+            <a:r>
+              <a:rPr/>
+              <a:t> </a:t>
+            </a:r>
+            <a:r>
+              <a:rPr/>
+              <a:t>in</a:t>
+            </a:r>
+            <a:r>
+              <a:rPr/>
+              <a:t> </a:t>
+            </a:r>
+            <a:r>
+              <a:rPr/>
+              <a:t>a</a:t>
+            </a:r>
+            <a:r>
+              <a:rPr/>
+              <a:t> </a:t>
+            </a:r>
+            <a:r>
+              <a:rPr/>
+              <a:t>static</a:t>
+            </a:r>
+            <a:r>
+              <a:rPr/>
+              <a:t> </a:t>
+            </a:r>
+            <a:r>
+              <a:rPr/>
+              <a:t>way,</a:t>
+            </a:r>
+            <a:r>
+              <a:rPr/>
+              <a:t> </a:t>
+            </a:r>
+            <a:r>
+              <a:rPr/>
+              <a:t>but</a:t>
+            </a:r>
+            <a:r>
+              <a:rPr/>
+              <a:t> </a:t>
+            </a:r>
+            <a:r>
+              <a:rPr/>
+              <a:t>is</a:t>
+            </a:r>
+            <a:r>
+              <a:rPr/>
+              <a:t> </a:t>
+            </a:r>
+            <a:r>
+              <a:rPr/>
+              <a:t>made</a:t>
+            </a:r>
+            <a:r>
+              <a:rPr/>
+              <a:t> </a:t>
+            </a:r>
+            <a:r>
+              <a:rPr/>
+              <a:t>on-demand.</a:t>
+            </a:r>
+          </a:p>
+          <a:p>
+            <a:pPr lvl="0" marL="0" indent="0">
+              <a:buNone/>
+            </a:pPr>
+          </a:p>
+          <a:p>
+            <a:pPr lvl="1"/>
+            <a:r>
+              <a:rPr/>
+              <a:t>This</a:t>
+            </a:r>
+            <a:r>
+              <a:rPr/>
+              <a:t> </a:t>
+            </a:r>
+            <a:r>
+              <a:rPr/>
+              <a:t>is</a:t>
+            </a:r>
+            <a:r>
+              <a:rPr/>
+              <a:t> </a:t>
+            </a:r>
+            <a:r>
+              <a:rPr/>
+              <a:t>what</a:t>
+            </a:r>
+            <a:r>
+              <a:rPr/>
+              <a:t> </a:t>
+            </a:r>
+            <a:r>
+              <a:rPr/>
+              <a:t>happens</a:t>
+            </a:r>
+            <a:r>
+              <a:rPr/>
+              <a:t> </a:t>
+            </a:r>
+            <a:r>
+              <a:rPr/>
+              <a:t>behind</a:t>
+            </a:r>
+            <a:r>
+              <a:rPr/>
+              <a:t> </a:t>
+            </a:r>
+            <a:r>
+              <a:rPr/>
+              <a:t>the</a:t>
+            </a:r>
+            <a:r>
+              <a:rPr/>
+              <a:t> </a:t>
+            </a:r>
+            <a:r>
+              <a:rPr/>
+              <a:t>scenes</a:t>
+            </a:r>
+            <a:r>
+              <a:rPr/>
+              <a:t> </a:t>
+            </a:r>
+            <a:r>
+              <a:rPr/>
+              <a:t>in</a:t>
+            </a:r>
+            <a:r>
+              <a:rPr/>
+              <a:t> </a:t>
+            </a:r>
+            <a:r>
+              <a:rPr/>
+              <a:t>any</a:t>
+            </a:r>
+            <a:r>
+              <a:rPr/>
+              <a:t> </a:t>
+            </a:r>
+            <a:r>
+              <a:rPr/>
+              <a:t>of</a:t>
+            </a:r>
+            <a:r>
+              <a:rPr/>
+              <a:t> </a:t>
+            </a:r>
+            <a:r>
+              <a:rPr/>
+              <a:t>the</a:t>
+            </a:r>
+            <a:r>
+              <a:rPr/>
+              <a:t> </a:t>
+            </a:r>
+            <a:r>
+              <a:rPr/>
+              <a:t>content</a:t>
+            </a:r>
+            <a:r>
+              <a:rPr/>
+              <a:t> </a:t>
+            </a:r>
+            <a:r>
+              <a:rPr/>
+              <a:t>management</a:t>
+            </a:r>
+            <a:r>
+              <a:rPr/>
+              <a:t> </a:t>
+            </a:r>
+            <a:r>
+              <a:rPr/>
+              <a:t>systems/</a:t>
+            </a:r>
+            <a:r>
+              <a:rPr/>
+              <a:t> </a:t>
+            </a:r>
+            <a:r>
+              <a:rPr/>
+              <a:t>web</a:t>
+            </a:r>
+            <a:r>
+              <a:rPr/>
+              <a:t> </a:t>
+            </a:r>
+            <a:r>
+              <a:rPr/>
+              <a:t>builder</a:t>
+            </a:r>
+            <a:r>
+              <a:rPr/>
+              <a:t> </a:t>
+            </a:r>
+            <a:r>
+              <a:rPr/>
+              <a:t>platforms,</a:t>
+            </a:r>
+            <a:r>
+              <a:rPr/>
+              <a:t> </a:t>
+            </a:r>
+            <a:r>
+              <a:rPr/>
+              <a:t>like</a:t>
+            </a:r>
+            <a:r>
+              <a:rPr/>
+              <a:t> </a:t>
+            </a:r>
+            <a:r>
+              <a:rPr/>
+              <a:t>Wordpress</a:t>
+            </a:r>
+            <a:r>
+              <a:rPr/>
+              <a:t> </a:t>
+            </a:r>
+            <a:r>
+              <a:rPr/>
+              <a:t>or</a:t>
+            </a:r>
+            <a:r>
+              <a:rPr/>
+              <a:t> </a:t>
+            </a:r>
+            <a:r>
+              <a:rPr/>
+              <a:t>SquareSpace</a:t>
+            </a:r>
+            <a:r>
+              <a:rPr/>
+              <a:t> </a:t>
+            </a:r>
+            <a:r>
+              <a:rPr/>
+              <a:t>or</a:t>
+            </a:r>
+            <a:r>
+              <a:rPr/>
+              <a:t> </a:t>
+            </a:r>
+            <a:r>
+              <a:rPr/>
+              <a:t>Wix.</a:t>
+            </a:r>
+          </a:p>
+          <a:p>
+            <a:pPr lvl="0" marL="0" indent="0">
+              <a:buNone/>
+            </a:pPr>
+          </a:p>
+          <a:p>
+            <a:pPr lvl="1"/>
+            <a:r>
+              <a:rPr/>
+              <a:t>As</a:t>
+            </a:r>
+            <a:r>
+              <a:rPr/>
+              <a:t> </a:t>
+            </a:r>
+            <a:r>
+              <a:rPr/>
+              <a:t>a</a:t>
+            </a:r>
+            <a:r>
+              <a:rPr/>
+              <a:t> </a:t>
+            </a:r>
+            <a:r>
+              <a:rPr/>
+              <a:t>user,</a:t>
+            </a:r>
+            <a:r>
+              <a:rPr/>
+              <a:t> </a:t>
+            </a:r>
+            <a:r>
+              <a:rPr/>
+              <a:t>you’d</a:t>
+            </a:r>
+            <a:r>
+              <a:rPr/>
+              <a:t> </a:t>
+            </a:r>
+            <a:r>
+              <a:rPr/>
+              <a:t>mostly</a:t>
+            </a:r>
+            <a:r>
+              <a:rPr/>
+              <a:t> </a:t>
+            </a:r>
+            <a:r>
+              <a:rPr/>
+              <a:t>be</a:t>
+            </a:r>
+            <a:r>
+              <a:rPr/>
+              <a:t> </a:t>
+            </a:r>
+            <a:r>
+              <a:rPr/>
+              <a:t>typing</a:t>
+            </a:r>
+            <a:r>
+              <a:rPr/>
+              <a:t> </a:t>
+            </a:r>
+            <a:r>
+              <a:rPr/>
+              <a:t>content</a:t>
+            </a:r>
+            <a:r>
+              <a:rPr/>
+              <a:t> </a:t>
+            </a:r>
+            <a:r>
+              <a:rPr/>
+              <a:t>into</a:t>
+            </a:r>
+            <a:r>
+              <a:rPr/>
+              <a:t> </a:t>
+            </a:r>
+            <a:r>
+              <a:rPr/>
+              <a:t>an</a:t>
+            </a:r>
+            <a:r>
+              <a:rPr/>
+              <a:t> </a:t>
+            </a:r>
+            <a:r>
+              <a:rPr/>
+              <a:t>interface,</a:t>
+            </a:r>
+            <a:r>
+              <a:rPr/>
+              <a:t> </a:t>
+            </a:r>
+            <a:r>
+              <a:rPr/>
+              <a:t>and</a:t>
+            </a:r>
+            <a:r>
+              <a:rPr/>
+              <a:t> </a:t>
+            </a:r>
+            <a:r>
+              <a:rPr/>
+              <a:t>selecting</a:t>
+            </a:r>
+            <a:r>
+              <a:rPr/>
+              <a:t> </a:t>
+            </a:r>
+            <a:r>
+              <a:rPr/>
+              <a:t>a</a:t>
+            </a:r>
+            <a:r>
+              <a:rPr/>
+              <a:t> </a:t>
+            </a:r>
+            <a:r>
+              <a:rPr/>
+              <a:t>template,</a:t>
+            </a:r>
+            <a:r>
+              <a:rPr/>
+              <a:t> </a:t>
+            </a:r>
+            <a:r>
+              <a:rPr/>
+              <a:t>and</a:t>
+            </a:r>
+            <a:r>
+              <a:rPr/>
+              <a:t> </a:t>
+            </a:r>
+            <a:r>
+              <a:rPr/>
+              <a:t>pressing</a:t>
+            </a:r>
+            <a:r>
+              <a:rPr/>
+              <a:t> </a:t>
+            </a:r>
+            <a:r>
+              <a:rPr/>
+              <a:t>a</a:t>
+            </a:r>
+            <a:r>
+              <a:rPr/>
+              <a:t> </a:t>
+            </a:r>
+            <a:r>
+              <a:rPr/>
+              <a:t>“</a:t>
+            </a:r>
+            <a:r>
+              <a:rPr/>
+              <a:t>publish</a:t>
+            </a:r>
+            <a:r>
+              <a:rPr/>
+              <a:t>”</a:t>
+            </a:r>
+            <a:r>
+              <a:rPr/>
+              <a:t> </a:t>
+            </a:r>
+            <a:r>
+              <a:rPr/>
+              <a:t>button.</a:t>
+            </a:r>
+            <a:r>
+              <a:rPr/>
+              <a:t> </a:t>
+            </a:r>
+            <a:r>
+              <a:rPr/>
+              <a:t>The</a:t>
+            </a:r>
+            <a:r>
+              <a:rPr/>
+              <a:t> </a:t>
+            </a:r>
+            <a:r>
+              <a:rPr/>
+              <a:t>code</a:t>
+            </a:r>
+            <a:r>
+              <a:rPr/>
+              <a:t> </a:t>
+            </a:r>
+            <a:r>
+              <a:rPr/>
+              <a:t>on</a:t>
+            </a:r>
+            <a:r>
+              <a:rPr/>
+              <a:t> </a:t>
+            </a:r>
+            <a:r>
+              <a:rPr/>
+              <a:t>the</a:t>
+            </a:r>
+            <a:r>
+              <a:rPr/>
+              <a:t> </a:t>
+            </a:r>
+            <a:r>
+              <a:rPr/>
+              <a:t>server</a:t>
+            </a:r>
+            <a:r>
+              <a:rPr/>
+              <a:t> </a:t>
+            </a:r>
+            <a:r>
+              <a:rPr/>
+              <a:t>side</a:t>
+            </a:r>
+            <a:r>
+              <a:rPr/>
+              <a:t> </a:t>
+            </a:r>
+            <a:r>
+              <a:rPr/>
+              <a:t>and</a:t>
+            </a:r>
+            <a:r>
+              <a:rPr/>
+              <a:t> </a:t>
+            </a:r>
+            <a:r>
+              <a:rPr/>
+              <a:t>in</a:t>
+            </a:r>
+            <a:r>
+              <a:rPr/>
+              <a:t> </a:t>
+            </a:r>
+            <a:r>
+              <a:rPr/>
+              <a:t>the</a:t>
+            </a:r>
+            <a:r>
+              <a:rPr/>
+              <a:t> </a:t>
+            </a:r>
+            <a:r>
+              <a:rPr/>
+              <a:t>browser</a:t>
+            </a:r>
+            <a:r>
+              <a:rPr/>
+              <a:t> </a:t>
+            </a:r>
+            <a:r>
+              <a:rPr/>
+              <a:t>does</a:t>
+            </a:r>
+            <a:r>
+              <a:rPr/>
+              <a:t> </a:t>
+            </a:r>
+            <a:r>
+              <a:rPr/>
+              <a:t>the</a:t>
+            </a:r>
+            <a:r>
+              <a:rPr/>
+              <a:t> </a:t>
+            </a:r>
+            <a:r>
+              <a:rPr/>
+              <a:t>rest!</a:t>
+            </a:r>
+            <a:r>
+              <a:rPr/>
+              <a:t> </a:t>
+            </a:r>
+            <a:r>
+              <a:rPr/>
+              <a:t>And</a:t>
+            </a:r>
+            <a:r>
+              <a:rPr/>
+              <a:t> </a:t>
+            </a:r>
+            <a:r>
+              <a:rPr/>
+              <a:t>now</a:t>
+            </a:r>
+            <a:r>
+              <a:rPr/>
+              <a:t> </a:t>
+            </a:r>
+            <a:r>
+              <a:rPr/>
+              <a:t>YOU</a:t>
+            </a:r>
+            <a:r>
+              <a:rPr/>
+              <a:t> </a:t>
+            </a:r>
+            <a:r>
+              <a:rPr/>
+              <a:t>know</a:t>
+            </a:r>
+            <a:r>
+              <a:rPr/>
+              <a:t> </a:t>
+            </a:r>
+            <a:r>
+              <a:rPr/>
+              <a:t>how</a:t>
+            </a:r>
+            <a:r>
+              <a:rPr/>
+              <a:t> </a:t>
+            </a:r>
+            <a:r>
+              <a:rPr/>
+              <a:t>that</a:t>
+            </a:r>
+            <a:r>
+              <a:rPr/>
+              <a:t> </a:t>
+            </a:r>
+            <a:r>
+              <a:rPr/>
+              <a:t>works!</a:t>
+            </a:r>
+          </a:p>
+          <a:p>
+            <a:pPr lvl="0" marL="0" indent="0">
+              <a:buNone/>
+            </a:pPr>
+          </a:p>
+          <a:p>
+            <a:pPr lvl="0" marL="0" indent="0">
+              <a:spcBef>
+                <a:spcPts val="3000"/>
+              </a:spcBef>
+              <a:buNone/>
+            </a:pPr>
+            <a:r>
+              <a:rPr b="1"/>
+              <a:t>Learning</a:t>
+            </a:r>
+            <a:r>
+              <a:rPr b="1"/>
+              <a:t> </a:t>
+            </a:r>
+            <a:r>
+              <a:rPr b="1"/>
+              <a:t>Experience</a:t>
+            </a:r>
+            <a:r>
+              <a:rPr b="1"/>
+              <a:t> </a:t>
+            </a:r>
+            <a:r>
+              <a:rPr b="1"/>
+              <a:t>Reflection</a:t>
+            </a:r>
+          </a:p>
+          <a:p>
+            <a:pPr lvl="0" marL="0" indent="0">
+              <a:buNone/>
+            </a:pPr>
+          </a:p>
+          <a:p>
+            <a:pPr lvl="0" marL="0" indent="0">
+              <a:buNone/>
+            </a:pPr>
+            <a:r>
+              <a:rPr/>
+              <a:t>[5</a:t>
+            </a:r>
+            <a:r>
+              <a:rPr/>
+              <a:t> </a:t>
+            </a:r>
+            <a:r>
+              <a:rPr/>
+              <a:t>mins]</a:t>
+            </a:r>
+          </a:p>
+          <a:p>
+            <a:pPr lvl="0" marL="0" indent="0">
+              <a:buNone/>
+            </a:pPr>
+          </a:p>
+          <a:p>
+            <a:pPr lvl="1"/>
+            <a:r>
+              <a:rPr/>
+              <a:t>What</a:t>
+            </a:r>
+            <a:r>
+              <a:rPr/>
+              <a:t> </a:t>
+            </a:r>
+            <a:r>
+              <a:rPr/>
+              <a:t>did</a:t>
+            </a:r>
+            <a:r>
+              <a:rPr/>
+              <a:t> </a:t>
+            </a:r>
+            <a:r>
+              <a:rPr/>
+              <a:t>you</a:t>
+            </a:r>
+            <a:r>
+              <a:rPr/>
+              <a:t> </a:t>
+            </a:r>
+            <a:r>
+              <a:rPr/>
+              <a:t>like</a:t>
+            </a:r>
+            <a:r>
+              <a:rPr/>
+              <a:t> </a:t>
+            </a:r>
+            <a:r>
+              <a:rPr/>
+              <a:t>about</a:t>
+            </a:r>
+            <a:r>
+              <a:rPr/>
+              <a:t> </a:t>
+            </a:r>
+            <a:r>
+              <a:rPr/>
+              <a:t>this</a:t>
+            </a:r>
+            <a:r>
+              <a:rPr/>
+              <a:t> </a:t>
+            </a:r>
+            <a:r>
+              <a:rPr/>
+              <a:t>activity?</a:t>
+            </a:r>
+          </a:p>
+          <a:p>
+            <a:pPr lvl="0" marL="0" indent="0">
+              <a:buNone/>
+            </a:pPr>
+          </a:p>
+          <a:p>
+            <a:pPr lvl="1"/>
+            <a:r>
+              <a:rPr/>
+              <a:t>If</a:t>
+            </a:r>
+            <a:r>
+              <a:rPr/>
+              <a:t> </a:t>
+            </a:r>
+            <a:r>
+              <a:rPr/>
+              <a:t>you</a:t>
+            </a:r>
+            <a:r>
+              <a:rPr/>
+              <a:t> </a:t>
+            </a:r>
+            <a:r>
+              <a:rPr/>
+              <a:t>might</a:t>
+            </a:r>
+            <a:r>
+              <a:rPr/>
+              <a:t> </a:t>
+            </a:r>
+            <a:r>
+              <a:rPr/>
+              <a:t>teach</a:t>
+            </a:r>
+            <a:r>
+              <a:rPr/>
+              <a:t> </a:t>
+            </a:r>
+            <a:r>
+              <a:rPr/>
+              <a:t>this</a:t>
+            </a:r>
+            <a:r>
+              <a:rPr/>
+              <a:t> </a:t>
+            </a:r>
+            <a:r>
+              <a:rPr/>
+              <a:t>activity</a:t>
+            </a:r>
+            <a:r>
+              <a:rPr/>
+              <a:t> </a:t>
+            </a:r>
+            <a:r>
+              <a:rPr/>
+              <a:t>to</a:t>
+            </a:r>
+            <a:r>
+              <a:rPr/>
+              <a:t> </a:t>
+            </a:r>
+            <a:r>
+              <a:rPr/>
+              <a:t>a</a:t>
+            </a:r>
+            <a:r>
+              <a:rPr/>
+              <a:t> </a:t>
+            </a:r>
+            <a:r>
+              <a:rPr/>
+              <a:t>particular</a:t>
+            </a:r>
+            <a:r>
+              <a:rPr/>
+              <a:t> </a:t>
+            </a:r>
+            <a:r>
+              <a:rPr/>
+              <a:t>audience,</a:t>
+            </a:r>
+            <a:r>
+              <a:rPr/>
+              <a:t> </a:t>
+            </a:r>
+            <a:r>
+              <a:rPr/>
+              <a:t>what</a:t>
+            </a:r>
+            <a:r>
+              <a:rPr/>
+              <a:t> </a:t>
+            </a:r>
+            <a:r>
+              <a:rPr/>
+              <a:t>might</a:t>
+            </a:r>
+            <a:r>
+              <a:rPr/>
+              <a:t> </a:t>
+            </a:r>
+            <a:r>
+              <a:rPr/>
+              <a:t>you</a:t>
+            </a:r>
+            <a:r>
+              <a:rPr/>
+              <a:t> </a:t>
+            </a:r>
+            <a:r>
+              <a:rPr/>
+              <a:t>change</a:t>
+            </a:r>
+            <a:r>
+              <a:rPr/>
+              <a:t> </a:t>
+            </a:r>
+            <a:r>
+              <a:rPr/>
+              <a:t>about</a:t>
+            </a:r>
+            <a:r>
+              <a:rPr/>
+              <a:t> </a:t>
+            </a:r>
+            <a:r>
+              <a:rPr/>
+              <a:t>the</a:t>
+            </a:r>
+            <a:r>
+              <a:rPr/>
+              <a:t> </a:t>
+            </a:r>
+            <a:r>
+              <a:rPr/>
+              <a:t>process,</a:t>
+            </a:r>
+            <a:r>
+              <a:rPr/>
+              <a:t> </a:t>
+            </a:r>
+            <a:r>
+              <a:rPr/>
+              <a:t>structure,</a:t>
+            </a:r>
+            <a:r>
+              <a:rPr/>
+              <a:t> </a:t>
+            </a:r>
+            <a:r>
+              <a:rPr/>
+              <a:t>or</a:t>
+            </a:r>
+            <a:r>
+              <a:rPr/>
+              <a:t> </a:t>
+            </a:r>
+            <a:r>
+              <a:rPr/>
+              <a:t>content</a:t>
+            </a:r>
+            <a:r>
+              <a:rPr/>
+              <a:t> </a:t>
+            </a:r>
+            <a:r>
+              <a:rPr/>
+              <a:t>to</a:t>
+            </a:r>
+            <a:r>
+              <a:rPr/>
+              <a:t> </a:t>
+            </a:r>
+            <a:r>
+              <a:rPr/>
+              <a:t>better</a:t>
+            </a:r>
+            <a:r>
+              <a:rPr/>
+              <a:t> </a:t>
+            </a:r>
+            <a:r>
+              <a:rPr/>
+              <a:t>meet</a:t>
+            </a:r>
+            <a:r>
+              <a:rPr/>
+              <a:t> </a:t>
+            </a:r>
+            <a:r>
+              <a:rPr/>
+              <a:t>the</a:t>
+            </a:r>
+            <a:r>
+              <a:rPr/>
+              <a:t> </a:t>
+            </a:r>
+            <a:r>
+              <a:rPr/>
+              <a:t>needs</a:t>
+            </a:r>
+            <a:r>
+              <a:rPr/>
+              <a:t> </a:t>
+            </a:r>
+            <a:r>
+              <a:rPr/>
+              <a:t>of</a:t>
+            </a:r>
+            <a:r>
+              <a:rPr/>
+              <a:t> </a:t>
+            </a:r>
+            <a:r>
+              <a:rPr/>
+              <a:t>that</a:t>
+            </a:r>
+            <a:r>
+              <a:rPr/>
+              <a:t> </a:t>
+            </a:r>
+            <a:r>
+              <a:rPr/>
+              <a:t>audience?</a:t>
+            </a:r>
+          </a:p>
+          <a:p>
+            <a:pPr lvl="0" marL="0" indent="0">
+              <a:buNone/>
+            </a:pPr>
+          </a:p>
+          <a:p>
+            <a:pPr lvl="0" marL="0" indent="0">
+              <a:spcBef>
+                <a:spcPts val="3000"/>
+              </a:spcBef>
+              <a:buNone/>
+            </a:pPr>
+            <a:r>
+              <a:rPr b="1"/>
+              <a:t>Feedback</a:t>
+            </a:r>
+            <a:r>
+              <a:rPr b="1"/>
+              <a:t> </a:t>
+            </a:r>
+            <a:r>
+              <a:rPr b="1"/>
+              <a:t>on</a:t>
+            </a:r>
+            <a:r>
+              <a:rPr b="1"/>
+              <a:t> </a:t>
+            </a:r>
+            <a:r>
+              <a:rPr b="1"/>
+              <a:t>Core</a:t>
+            </a:r>
+            <a:r>
+              <a:rPr b="1"/>
+              <a:t> </a:t>
+            </a:r>
+            <a:r>
+              <a:rPr b="1"/>
+              <a:t>Curriculum</a:t>
+            </a:r>
+          </a:p>
+          <a:p>
+            <a:pPr lvl="0" marL="0" indent="0">
+              <a:buNone/>
+            </a:pPr>
+          </a:p>
+          <a:p>
+            <a:pPr lvl="1"/>
+            <a:r>
+              <a:rPr/>
+              <a:t>Tell</a:t>
+            </a:r>
+            <a:r>
+              <a:rPr/>
+              <a:t> </a:t>
+            </a:r>
+            <a:r>
+              <a:rPr/>
+              <a:t>us</a:t>
+            </a:r>
+            <a:r>
+              <a:rPr/>
+              <a:t> </a:t>
+            </a:r>
+            <a:r>
+              <a:rPr/>
+              <a:t>how</a:t>
+            </a:r>
+            <a:r>
+              <a:rPr/>
+              <a:t> </a:t>
+            </a:r>
+            <a:r>
+              <a:rPr/>
+              <a:t>and</a:t>
+            </a:r>
+            <a:r>
+              <a:rPr/>
+              <a:t> </a:t>
+            </a:r>
+            <a:r>
+              <a:rPr/>
+              <a:t>where</a:t>
+            </a:r>
+            <a:r>
+              <a:rPr/>
+              <a:t> </a:t>
+            </a:r>
+            <a:r>
+              <a:rPr/>
+              <a:t>you’re</a:t>
+            </a:r>
+            <a:r>
+              <a:rPr/>
+              <a:t> </a:t>
+            </a:r>
+            <a:r>
+              <a:rPr/>
+              <a:t>using</a:t>
+            </a:r>
+            <a:r>
+              <a:rPr/>
+              <a:t> </a:t>
+            </a:r>
+            <a:r>
+              <a:rPr/>
+              <a:t>the</a:t>
+            </a:r>
+            <a:r>
+              <a:rPr/>
+              <a:t> </a:t>
+            </a:r>
+            <a:r>
+              <a:rPr/>
+              <a:t>curriculum</a:t>
+            </a:r>
+            <a:r>
+              <a:rPr/>
+              <a:t> </a:t>
+            </a:r>
+            <a:r>
+              <a:rPr/>
+              <a:t>and</a:t>
+            </a:r>
+            <a:r>
+              <a:rPr/>
+              <a:t> </a:t>
+            </a:r>
+            <a:r>
+              <a:rPr/>
+              <a:t>what</a:t>
+            </a:r>
+            <a:r>
+              <a:rPr/>
+              <a:t> </a:t>
+            </a:r>
+            <a:r>
+              <a:rPr/>
+              <a:t>you’ve</a:t>
+            </a:r>
+            <a:r>
+              <a:rPr/>
+              <a:t> </a:t>
+            </a:r>
+            <a:r>
+              <a:rPr/>
+              <a:t>learned</a:t>
+            </a:r>
+            <a:r>
+              <a:rPr/>
+              <a:t> </a:t>
+            </a:r>
+            <a:r>
+              <a:rPr/>
+              <a:t>and</a:t>
+            </a:r>
+            <a:r>
+              <a:rPr/>
+              <a:t> </a:t>
+            </a:r>
+            <a:r>
+              <a:rPr/>
+              <a:t>what</a:t>
+            </a:r>
+            <a:r>
+              <a:rPr/>
+              <a:t> </a:t>
+            </a:r>
+            <a:r>
+              <a:rPr/>
+              <a:t>you</a:t>
+            </a:r>
+            <a:r>
+              <a:rPr/>
+              <a:t> </a:t>
+            </a:r>
+            <a:r>
+              <a:rPr/>
+              <a:t>might</a:t>
+            </a:r>
+            <a:r>
+              <a:rPr/>
+              <a:t> </a:t>
+            </a:r>
+            <a:r>
+              <a:rPr/>
+              <a:t>change</a:t>
+            </a:r>
+            <a:r>
+              <a:rPr/>
+              <a:t>.</a:t>
+            </a:r>
+          </a:p>
+        </p:txBody>
+      </p:sp>
+      <p:sp>
+        <p:nvSpPr>
+          <p:cNvPr id="4" name="Slide Number Placeholder 3"/>
+          <p:cNvSpPr>
+            <a:spLocks noGrp="1"/>
+          </p:cNvSpPr>
+          <p:nvPr>
+            <p:ph type="sldNum" sz="quarter" idx="10"/>
+          </p:nvPr>
+        </p:nvSpPr>
+        <p:spPr/>
+        <p:txBody>
+          <a:bodyPr/>
+          <a:lstStyle/>
+          <a:p>
+            <a:fld id="{18BDFEC3-8487-43E8-A154-7C12CBC1FFF2}" type="slidenum">
+              <a:rPr lang="en-US"/>
+              <a:t>14</a:t>
             </a:fld>
             <a:endParaRPr lang="en-US"/>
           </a:p>
@@ -6263,6 +12636,455 @@
 </p:sld>
 </file>
 
+<file path=ppt/slides/slide10.xml><?xml version="1.0" encoding="utf-8"?>
+<p:sld xmlns:a="http://schemas.openxmlformats.org/drawingml/2006/main" xmlns:r="http://schemas.openxmlformats.org/officeDocument/2006/relationships" xmlns:p="http://schemas.openxmlformats.org/presentationml/2006/main">
+  <p:cSld>
+    <p:spTree>
+      <p:nvGrpSpPr>
+        <p:cNvPr id="1" name=""/>
+        <p:cNvGrpSpPr/>
+        <p:nvPr/>
+      </p:nvGrpSpPr>
+      <p:grpSpPr>
+        <a:xfrm>
+          <a:off x="0" y="0"/>
+          <a:ext cx="0" cy="0"/>
+          <a:chOff x="0" y="0"/>
+          <a:chExt cx="0" cy="0"/>
+        </a:xfrm>
+      </p:grpSpPr>
+      <p:sp>
+        <p:nvSpPr>
+          <p:cNvPr id="3" name="Content Placeholder 2"/>
+          <p:cNvSpPr>
+            <a:spLocks noGrp="1"/>
+          </p:cNvSpPr>
+          <p:nvPr>
+            <p:ph idx="1"/>
+          </p:nvPr>
+        </p:nvSpPr>
+        <p:spPr/>
+        <p:txBody>
+          <a:bodyPr/>
+          <a:lstStyle/>
+          <a:p>
+            <a:pPr lvl="0" marL="0" indent="0">
+              <a:buNone/>
+            </a:pPr>
+            <a:r>
+              <a:rPr/>
+              <a:t> pet data cut up</a:t>
+            </a:r>
+          </a:p>
+        </p:txBody>
+      </p:sp>
+    </p:spTree>
+  </p:cSld>
+</p:sld>
+</file>
+
+<file path=ppt/slides/slide11.xml><?xml version="1.0" encoding="utf-8"?>
+<p:sld xmlns:a="http://schemas.openxmlformats.org/drawingml/2006/main" xmlns:r="http://schemas.openxmlformats.org/officeDocument/2006/relationships" xmlns:p="http://schemas.openxmlformats.org/presentationml/2006/main">
+  <p:cSld>
+    <p:spTree>
+      <p:nvGrpSpPr>
+        <p:cNvPr id="1" name=""/>
+        <p:cNvGrpSpPr/>
+        <p:nvPr/>
+      </p:nvGrpSpPr>
+      <p:grpSpPr>
+        <a:xfrm>
+          <a:off x="0" y="0"/>
+          <a:ext cx="0" cy="0"/>
+          <a:chOff x="0" y="0"/>
+          <a:chExt cx="0" cy="0"/>
+        </a:xfrm>
+      </p:grpSpPr>
+      <p:sp>
+        <p:nvSpPr>
+          <p:cNvPr id="2" name="Title 1"/>
+          <p:cNvSpPr>
+            <a:spLocks noGrp="1"/>
+          </p:cNvSpPr>
+          <p:nvPr>
+            <p:ph type="title"/>
+          </p:nvPr>
+        </p:nvSpPr>
+        <p:spPr/>
+        <p:txBody>
+          <a:bodyPr/>
+          <a:lstStyle/>
+          <a:p>
+            <a:pPr lvl="0" marL="0" indent="0">
+              <a:buNone/>
+            </a:pPr>
+            <a:r>
+              <a:rPr/>
+              <a:t>HTML</a:t>
+            </a:r>
+            <a:r>
+              <a:rPr/>
+              <a:t> </a:t>
+            </a:r>
+            <a:r>
+              <a:rPr/>
+              <a:t>template</a:t>
+            </a:r>
+          </a:p>
+        </p:txBody>
+      </p:sp>
+      <p:sp>
+        <p:nvSpPr>
+          <p:cNvPr id="3" name="Content Placeholder 2"/>
+          <p:cNvSpPr>
+            <a:spLocks noGrp="1"/>
+          </p:cNvSpPr>
+          <p:nvPr>
+            <p:ph idx="1"/>
+          </p:nvPr>
+        </p:nvSpPr>
+        <p:spPr/>
+        <p:txBody>
+          <a:bodyPr/>
+          <a:lstStyle/>
+          <a:p>
+            <a:pPr lvl="1"/>
+            <a:r>
+              <a:rPr/>
+              <a:t>Create an HTML template for the pet page. We’ll leave some blanks where the content will go.</a:t>
+            </a:r>
+          </a:p>
+          <a:p>
+            <a:pPr lvl="1"/>
+            <a:r>
+              <a:rPr/>
+              <a:t>See example: html page</a:t>
+            </a:r>
+          </a:p>
+        </p:txBody>
+      </p:sp>
+    </p:spTree>
+  </p:cSld>
+</p:sld>
+</file>
+
+<file path=ppt/slides/slide12.xml><?xml version="1.0" encoding="utf-8"?>
+<p:sld xmlns:a="http://schemas.openxmlformats.org/drawingml/2006/main" xmlns:r="http://schemas.openxmlformats.org/officeDocument/2006/relationships" xmlns:p="http://schemas.openxmlformats.org/presentationml/2006/main">
+  <p:cSld>
+    <p:spTree>
+      <p:nvGrpSpPr>
+        <p:cNvPr id="1" name=""/>
+        <p:cNvGrpSpPr/>
+        <p:nvPr/>
+      </p:nvGrpSpPr>
+      <p:grpSpPr>
+        <a:xfrm>
+          <a:off x="0" y="0"/>
+          <a:ext cx="0" cy="0"/>
+          <a:chOff x="0" y="0"/>
+          <a:chExt cx="0" cy="0"/>
+        </a:xfrm>
+      </p:grpSpPr>
+      <p:sp>
+        <p:nvSpPr>
+          <p:cNvPr id="2" name="Title 1"/>
+          <p:cNvSpPr>
+            <a:spLocks noGrp="1"/>
+          </p:cNvSpPr>
+          <p:nvPr>
+            <p:ph type="title"/>
+          </p:nvPr>
+        </p:nvSpPr>
+        <p:spPr/>
+        <p:txBody>
+          <a:bodyPr/>
+          <a:lstStyle/>
+          <a:p>
+            <a:pPr lvl="0" marL="0" indent="0">
+              <a:buNone/>
+            </a:pPr>
+            <a:r>
+              <a:rPr/>
+              <a:t>CSS</a:t>
+            </a:r>
+          </a:p>
+        </p:txBody>
+      </p:sp>
+      <p:sp>
+        <p:nvSpPr>
+          <p:cNvPr id="3" name="Content Placeholder 2"/>
+          <p:cNvSpPr>
+            <a:spLocks noGrp="1"/>
+          </p:cNvSpPr>
+          <p:nvPr>
+            <p:ph idx="1"/>
+          </p:nvPr>
+        </p:nvSpPr>
+        <p:spPr/>
+        <p:txBody>
+          <a:bodyPr/>
+          <a:lstStyle/>
+          <a:p>
+            <a:pPr lvl="1"/>
+            <a:r>
+              <a:rPr/>
+              <a:t>Create some very simple style rules (different for cats, dogs, lizards).</a:t>
+            </a:r>
+          </a:p>
+          <a:p>
+            <a:pPr lvl="1"/>
+            <a:r>
+              <a:rPr/>
+              <a:t>Background color of the page</a:t>
+            </a:r>
+          </a:p>
+          <a:p>
+            <a:pPr lvl="1"/>
+            <a:r>
+              <a:rPr/>
+              <a:t>Font size and color stylesheet</a:t>
+            </a:r>
+          </a:p>
+        </p:txBody>
+      </p:sp>
+    </p:spTree>
+  </p:cSld>
+</p:sld>
+</file>
+
+<file path=ppt/slides/slide13.xml><?xml version="1.0" encoding="utf-8"?>
+<p:sld xmlns:a="http://schemas.openxmlformats.org/drawingml/2006/main" xmlns:r="http://schemas.openxmlformats.org/officeDocument/2006/relationships" xmlns:p="http://schemas.openxmlformats.org/presentationml/2006/main">
+  <p:cSld>
+    <p:spTree>
+      <p:nvGrpSpPr>
+        <p:cNvPr id="1" name=""/>
+        <p:cNvGrpSpPr/>
+        <p:nvPr/>
+      </p:nvGrpSpPr>
+      <p:grpSpPr>
+        <a:xfrm>
+          <a:off x="0" y="0"/>
+          <a:ext cx="0" cy="0"/>
+          <a:chOff x="0" y="0"/>
+          <a:chExt cx="0" cy="0"/>
+        </a:xfrm>
+      </p:grpSpPr>
+      <p:sp>
+        <p:nvSpPr>
+          <p:cNvPr id="2" name="Title 1"/>
+          <p:cNvSpPr>
+            <a:spLocks noGrp="1"/>
+          </p:cNvSpPr>
+          <p:nvPr>
+            <p:ph type="title"/>
+          </p:nvPr>
+        </p:nvSpPr>
+        <p:spPr/>
+        <p:txBody>
+          <a:bodyPr/>
+          <a:lstStyle/>
+          <a:p>
+            <a:pPr lvl="0" marL="0" indent="0">
+              <a:buNone/>
+            </a:pPr>
+            <a:r>
+              <a:rPr/>
+              <a:t>Processing</a:t>
+            </a:r>
+            <a:r>
+              <a:rPr/>
+              <a:t> </a:t>
+            </a:r>
+            <a:r>
+              <a:rPr/>
+              <a:t>Instructions</a:t>
+            </a:r>
+          </a:p>
+        </p:txBody>
+      </p:sp>
+      <p:sp>
+        <p:nvSpPr>
+          <p:cNvPr id="3" name="Content Placeholder 2"/>
+          <p:cNvSpPr>
+            <a:spLocks noGrp="1"/>
+          </p:cNvSpPr>
+          <p:nvPr>
+            <p:ph idx="1"/>
+          </p:nvPr>
+        </p:nvSpPr>
+        <p:spPr/>
+        <p:txBody>
+          <a:bodyPr/>
+          <a:lstStyle/>
+          <a:p>
+            <a:pPr lvl="1"/>
+            <a:r>
+              <a:rPr/>
+              <a:t>Drop some code instructions into the HTML template to tell the computer how to put it all together. We’ll write these where the blue sticky notes are, where we want our data to go. It’s a bit like fill-in-the blank, or mad libs! html with codeboxes</a:t>
+            </a:r>
+          </a:p>
+        </p:txBody>
+      </p:sp>
+    </p:spTree>
+  </p:cSld>
+</p:sld>
+</file>
+
+<file path=ppt/slides/slide14.xml><?xml version="1.0" encoding="utf-8"?>
+<p:sld xmlns:a="http://schemas.openxmlformats.org/drawingml/2006/main" xmlns:r="http://schemas.openxmlformats.org/officeDocument/2006/relationships" xmlns:p="http://schemas.openxmlformats.org/presentationml/2006/main">
+  <p:cSld>
+    <p:spTree>
+      <p:nvGrpSpPr>
+        <p:cNvPr id="1" name=""/>
+        <p:cNvGrpSpPr/>
+        <p:nvPr/>
+      </p:nvGrpSpPr>
+      <p:grpSpPr>
+        <a:xfrm>
+          <a:off x="0" y="0"/>
+          <a:ext cx="0" cy="0"/>
+          <a:chOff x="0" y="0"/>
+          <a:chExt cx="0" cy="0"/>
+        </a:xfrm>
+      </p:grpSpPr>
+      <p:sp>
+        <p:nvSpPr>
+          <p:cNvPr id="2" name="Title 1"/>
+          <p:cNvSpPr>
+            <a:spLocks noGrp="1"/>
+          </p:cNvSpPr>
+          <p:nvPr>
+            <p:ph type="title"/>
+          </p:nvPr>
+        </p:nvSpPr>
+        <p:spPr/>
+        <p:txBody>
+          <a:bodyPr/>
+          <a:lstStyle/>
+          <a:p>
+            <a:pPr lvl="0" marL="0" indent="0">
+              <a:buNone/>
+            </a:pPr>
+            <a:r>
+              <a:rPr/>
+              <a:t>pseudo-code</a:t>
+            </a:r>
+          </a:p>
+        </p:txBody>
+      </p:sp>
+      <p:sp>
+        <p:nvSpPr>
+          <p:cNvPr id="3" name="Content Placeholder 2"/>
+          <p:cNvSpPr>
+            <a:spLocks noGrp="1"/>
+          </p:cNvSpPr>
+          <p:nvPr>
+            <p:ph idx="1"/>
+          </p:nvPr>
+        </p:nvSpPr>
+        <p:spPr/>
+        <p:txBody>
+          <a:bodyPr/>
+          <a:lstStyle/>
+          <a:p>
+            <a:pPr lvl="1"/>
+            <a:r>
+              <a:rPr/>
+              <a:t>Write the instructions you came up with on the sticky notes add instructions</a:t>
+            </a:r>
+          </a:p>
+          <a:p>
+            <a:pPr lvl="1"/>
+            <a:r>
+              <a:rPr/>
+              <a:t>Now, be the code!</a:t>
+            </a:r>
+          </a:p>
+        </p:txBody>
+      </p:sp>
+    </p:spTree>
+  </p:cSld>
+</p:sld>
+</file>
+
+<file path=ppt/slides/slide15.xml><?xml version="1.0" encoding="utf-8"?>
+<p:sld xmlns:a="http://schemas.openxmlformats.org/drawingml/2006/main" xmlns:r="http://schemas.openxmlformats.org/officeDocument/2006/relationships" xmlns:p="http://schemas.openxmlformats.org/presentationml/2006/main">
+  <p:cSld>
+    <p:spTree>
+      <p:nvGrpSpPr>
+        <p:cNvPr id="1" name=""/>
+        <p:cNvGrpSpPr/>
+        <p:nvPr/>
+      </p:nvGrpSpPr>
+      <p:grpSpPr>
+        <a:xfrm>
+          <a:off x="0" y="0"/>
+          <a:ext cx="0" cy="0"/>
+          <a:chOff x="0" y="0"/>
+          <a:chExt cx="0" cy="0"/>
+        </a:xfrm>
+      </p:grpSpPr>
+      <p:sp>
+        <p:nvSpPr>
+          <p:cNvPr id="2" name="Title 1"/>
+          <p:cNvSpPr>
+            <a:spLocks noGrp="1"/>
+          </p:cNvSpPr>
+          <p:nvPr>
+            <p:ph type="title"/>
+          </p:nvPr>
+        </p:nvSpPr>
+        <p:spPr/>
+        <p:txBody>
+          <a:bodyPr/>
+          <a:lstStyle/>
+          <a:p>
+            <a:pPr lvl="0" marL="0" indent="0">
+              <a:buNone/>
+            </a:pPr>
+            <a:r>
+              <a:rPr/>
+              <a:t>mozilla</a:t>
+            </a:r>
+          </a:p>
+        </p:txBody>
+      </p:sp>
+      <p:sp>
+        <p:nvSpPr>
+          <p:cNvPr id="3" name="Content Placeholder 2"/>
+          <p:cNvSpPr>
+            <a:spLocks noGrp="1"/>
+          </p:cNvSpPr>
+          <p:nvPr>
+            <p:ph idx="1"/>
+          </p:nvPr>
+        </p:nvSpPr>
+        <p:spPr/>
+        <p:txBody>
+          <a:bodyPr/>
+          <a:lstStyle/>
+          <a:p>
+            <a:pPr lvl="0" marL="0" indent="0">
+              <a:buNone/>
+            </a:pPr>
+            <a:r>
+              <a:rPr/>
+              <a:t>Mozilla is a global non-profit dedicated to putting you in control of your online experience and shaping the future of the web for the public good. Visit us at </a:t>
+            </a:r>
+            <a:r>
+              <a:rPr>
+                <a:hlinkClick r:id="rId2"/>
+              </a:rPr>
+              <a:t>mozilla.org</a:t>
+            </a:r>
+          </a:p>
+        </p:txBody>
+      </p:sp>
+    </p:spTree>
+  </p:cSld>
+</p:sld>
+</file>
+
 <file path=ppt/slides/slide2.xml><?xml version="1.0" encoding="utf-8"?>
 <p:sld xmlns:a="http://schemas.openxmlformats.org/drawingml/2006/main" xmlns:r="http://schemas.openxmlformats.org/officeDocument/2006/relationships" xmlns:p="http://schemas.openxmlformats.org/presentationml/2006/main">
   <p:cSld>
@@ -6335,15 +13157,15 @@
             </a:pPr>
             <a:r>
               <a:rPr/>
-              <a:t>web</a:t>
-            </a:r>
-            <a:r>
-              <a:rPr/>
-              <a:t> </a:t>
-            </a:r>
-            <a:r>
-              <a:rPr/>
-              <a:t>builders</a:t>
+              <a:t>Web</a:t>
+            </a:r>
+            <a:r>
+              <a:rPr/>
+              <a:t> </a:t>
+            </a:r>
+            <a:r>
+              <a:rPr/>
+              <a:t>Builders</a:t>
             </a:r>
           </a:p>
         </p:txBody>
@@ -6502,31 +13324,21 @@
           <a:bodyPr/>
           <a:lstStyle/>
           <a:p>
-            <a:pPr lvl="1"/>
-            <a:r>
-              <a:rPr/>
-              <a:t>Explain:</a:t>
-            </a:r>
-          </a:p>
-          <a:p>
-            <a:pPr lvl="2"/>
-            <a:r>
-              <a:rPr/>
-              <a:t>Today we’re going to talk about some software tools– called website builders or content management systems– that many people (designers, developers, as well as web newcomers who are non-experts) use to create websites.</a:t>
-            </a:r>
-          </a:p>
-          <a:p>
-            <a:pPr lvl="2"/>
+            <a:pPr lvl="0" marL="0" indent="0">
+              <a:buNone/>
+            </a:pPr>
+            <a:r>
+              <a:rPr/>
+              <a:t>Website builders or content management systems (CMS)– that many people (designers, developers, as well as web newcomers who are non-experts) use to create websites.</a:t>
+            </a:r>
+          </a:p>
+          <a:p>
+            <a:pPr lvl="0" marL="0" indent="0">
+              <a:buNone/>
+            </a:pPr>
             <a:r>
               <a:rPr/>
               <a:t>These tools pull together HTML and CSS (Cascading Style Sheets, used to add visual styles to web sites) along with other programming languages to speed the process of website creation.</a:t>
-            </a:r>
-          </a:p>
-          <a:p>
-            <a:pPr lvl="2"/>
-            <a:r>
-              <a:rPr/>
-              <a:t>But first, let’s do a quick, fun data collection activity– we’ll use this data to model how web builders work.</a:t>
             </a:r>
           </a:p>
         </p:txBody>
@@ -6594,66 +13406,6 @@
           </a:p>
         </p:txBody>
       </p:sp>
-      <p:sp>
-        <p:nvSpPr>
-          <p:cNvPr id="3" name="Content Placeholder 2"/>
-          <p:cNvSpPr>
-            <a:spLocks noGrp="1"/>
-          </p:cNvSpPr>
-          <p:nvPr>
-            <p:ph idx="1"/>
-          </p:nvPr>
-        </p:nvSpPr>
-        <p:spPr/>
-        <p:txBody>
-          <a:bodyPr/>
-          <a:lstStyle/>
-          <a:p>
-            <a:pPr lvl="1"/>
-            <a:r>
-              <a:rPr/>
-              <a:t>Facilitator hands out mini-worksheets (print 2 per page/cut to save paper). Ask learners to fill them out. Explain:</a:t>
-            </a:r>
-          </a:p>
-          <a:p>
-            <a:pPr lvl="2"/>
-            <a:r>
-              <a:rPr/>
-              <a:t>It’s OK to make up the information.</a:t>
-            </a:r>
-          </a:p>
-          <a:p>
-            <a:pPr lvl="2"/>
-            <a:r>
-              <a:rPr/>
-              <a:t>On the pet worksheet, you can draw a super simple picture– stick figures are totally fine!</a:t>
-            </a:r>
-          </a:p>
-          <a:p>
-            <a:pPr lvl="2"/>
-            <a:r>
-              <a:rPr/>
-              <a:t>Worksheet text is below. Facilitator can remix as needed.</a:t>
-            </a:r>
-          </a:p>
-          <a:p>
-            <a:pPr lvl="2"/>
-            <a:r>
-              <a:rPr/>
-              <a:t>Collect worksheets and let learners know we’ll come back to them.</a:t>
-            </a:r>
-          </a:p>
-          <a:p>
-            <a:pPr lvl="0" marL="0" indent="0">
-              <a:buNone/>
-            </a:pPr>
-            <a:r>
-              <a:rPr/>
-              <a:t>Worksheet 1: Pet Listing Pet Name: Location: Type (cat, dog, etc): Age: Image: Traits: Available to Adopt (yes/no):</a:t>
-            </a:r>
-          </a:p>
-        </p:txBody>
-      </p:sp>
     </p:spTree>
   </p:cSld>
 </p:sld>
@@ -6735,352 +13487,28 @@
             <a:pPr lvl="1"/>
             <a:r>
               <a:rPr/>
-              <a:t>Explain: We’ve seen how to build a basic web page—we take content and mark it up in HTML. This works great, especially for sites that won’t change too much or for small sites with just 5 or 6 pages. Ask learners:</a:t>
-            </a:r>
-          </a:p>
-          <a:p>
-            <a:pPr lvl="2"/>
-            <a:r>
-              <a:rPr/>
-              <a:t>Can you think of some static sites— sites that don’t have new content often, or ever? Or sites with very few pages? Examples might be a small restaurant, etc.</a:t>
+              <a:t>Can you think of some static sites— sites that don’t have new content often, or ever?</a:t>
             </a:r>
           </a:p>
           <a:p>
             <a:pPr lvl="1"/>
             <a:r>
               <a:rPr/>
-              <a:t>But what if we have information that changes all the time? Or if we have lots and lots of information? What are sites that change a lot? * Examples might be: Weather and news sites, blogs, social media sites like Facebook, instagram, shopping sites.</a:t>
+              <a:t>What are sites that change a lot?</a:t>
             </a:r>
           </a:p>
           <a:p>
             <a:pPr lvl="1"/>
             <a:r>
               <a:rPr/>
-              <a:t>What kinds of sites or pages do we visit most often? What does this say about the internet? (i.e. lots of change, lots of new information)</a:t>
+              <a:t>What kinds of sites or pages do we visit most often?</a:t>
             </a:r>
           </a:p>
           <a:p>
             <a:pPr lvl="1"/>
             <a:r>
               <a:rPr/>
-              <a:t>Let’s imagine we’re making a site with lots of pages– a site that lists different pets, where people can browse the listings see if they want to adopt a pet.</a:t>
-            </a:r>
-          </a:p>
-          <a:p>
-            <a:pPr lvl="1"/>
-            <a:r>
-              <a:rPr/>
-              <a:t>Ask learners: What pages do we need on our site? (home page, maybe an about page, and maybe a page that talks about each pet)</a:t>
-            </a:r>
-          </a:p>
-          <a:p>
-            <a:pPr lvl="1"/>
-            <a:r>
-              <a:rPr/>
-              <a:t>So let’s figure out the steps for doing our web site creation process, and write the steps or, in other words, an algorithm for it. Let’s say we have our “home” and “about” pages already. And we’ll use the pet data we just collected. What’s the algorithm we’d write for this process?</a:t>
-            </a:r>
-          </a:p>
-          <a:p>
-            <a:pPr lvl="0" marL="1270000" indent="0">
-              <a:buNone/>
-            </a:pPr>
-            <a:r>
-              <a:rPr sz="2000"/>
-              <a:t>Tip! Sample algorithm for creating pet pages is here:</a:t>
-            </a:r>
-          </a:p>
-          <a:p>
-            <a:pPr lvl="1"/>
-            <a:r>
-              <a:rPr sz="2000"/>
-              <a:t>Open text editor, save new document as .HTML</a:t>
-            </a:r>
-          </a:p>
-          <a:p>
-            <a:pPr lvl="1"/>
-            <a:r>
-              <a:rPr sz="2000"/>
-              <a:t>Type or paste in content for first pet page</a:t>
-            </a:r>
-          </a:p>
-          <a:p>
-            <a:pPr lvl="2"/>
-            <a:r>
-              <a:rPr sz="2000"/>
-              <a:t>Pet Name:</a:t>
-            </a:r>
-          </a:p>
-          <a:p>
-            <a:pPr lvl="2"/>
-            <a:r>
-              <a:rPr sz="2000"/>
-              <a:t>Location:</a:t>
-            </a:r>
-          </a:p>
-          <a:p>
-            <a:pPr lvl="2"/>
-            <a:r>
-              <a:rPr sz="2000"/>
-              <a:t>Image:</a:t>
-            </a:r>
-          </a:p>
-          <a:p>
-            <a:pPr lvl="2"/>
-            <a:r>
-              <a:rPr sz="2000"/>
-              <a:t>Age:</a:t>
-            </a:r>
-          </a:p>
-          <a:p>
-            <a:pPr lvl="2"/>
-            <a:r>
-              <a:rPr sz="2000"/>
-              <a:t>Traits:</a:t>
-            </a:r>
-          </a:p>
-          <a:p>
-            <a:pPr lvl="2"/>
-            <a:r>
-              <a:rPr sz="2000"/>
-              <a:t>Available to Adopt (yes/no):</a:t>
-            </a:r>
-          </a:p>
-          <a:p>
-            <a:pPr lvl="2"/>
-            <a:r>
-              <a:rPr sz="2000"/>
-              <a:t>Comment:</a:t>
-            </a:r>
-          </a:p>
-          <a:p>
-            <a:pPr lvl="1"/>
-            <a:r>
-              <a:rPr sz="2000"/>
-              <a:t>Mark it up with HTML</a:t>
-            </a:r>
-          </a:p>
-          <a:p>
-            <a:pPr lvl="2"/>
-            <a:r>
-              <a:rPr sz="2000"/>
-              <a:t>Add styles for each type of data using CSS</a:t>
-            </a:r>
-          </a:p>
-          <a:p>
-            <a:pPr lvl="2"/>
-            <a:r>
-              <a:rPr sz="2000"/>
-              <a:t>Save, and check to see that it works in browser</a:t>
-            </a:r>
-          </a:p>
-          <a:p>
-            <a:pPr lvl="2"/>
-            <a:r>
-              <a:rPr sz="2000"/>
-              <a:t>Open text editor, save new document as .HTML</a:t>
-            </a:r>
-          </a:p>
-          <a:p>
-            <a:pPr lvl="1"/>
-            <a:r>
-              <a:rPr sz="2000"/>
-              <a:t>Paste in content for next pet page</a:t>
-            </a:r>
-          </a:p>
-          <a:p>
-            <a:pPr lvl="2"/>
-            <a:r>
-              <a:rPr sz="2000"/>
-              <a:t>Pet Name:</a:t>
-            </a:r>
-          </a:p>
-          <a:p>
-            <a:pPr lvl="2"/>
-            <a:r>
-              <a:rPr sz="2000"/>
-              <a:t>Location:</a:t>
-            </a:r>
-          </a:p>
-          <a:p>
-            <a:pPr lvl="2"/>
-            <a:r>
-              <a:rPr sz="2000"/>
-              <a:t>Image:</a:t>
-            </a:r>
-          </a:p>
-          <a:p>
-            <a:pPr lvl="2"/>
-            <a:r>
-              <a:rPr sz="2000"/>
-              <a:t>Age:</a:t>
-            </a:r>
-          </a:p>
-          <a:p>
-            <a:pPr lvl="2"/>
-            <a:r>
-              <a:rPr sz="2000"/>
-              <a:t>Traits:</a:t>
-            </a:r>
-          </a:p>
-          <a:p>
-            <a:pPr lvl="2"/>
-            <a:r>
-              <a:rPr sz="2000"/>
-              <a:t>Available to Adopt (yes/no):</a:t>
-            </a:r>
-          </a:p>
-          <a:p>
-            <a:pPr lvl="2"/>
-            <a:r>
-              <a:rPr sz="2000"/>
-              <a:t>Comment:</a:t>
-            </a:r>
-          </a:p>
-          <a:p>
-            <a:pPr lvl="1"/>
-            <a:r>
-              <a:rPr sz="2000"/>
-              <a:t>Mark it up with HTML</a:t>
-            </a:r>
-          </a:p>
-          <a:p>
-            <a:pPr lvl="1"/>
-            <a:r>
-              <a:rPr sz="2000"/>
-              <a:t>Add styles using CSS</a:t>
-            </a:r>
-          </a:p>
-          <a:p>
-            <a:pPr lvl="1"/>
-            <a:r>
-              <a:rPr sz="2000"/>
-              <a:t>Save, and check to see that it works in browser</a:t>
-            </a:r>
-          </a:p>
-          <a:p>
-            <a:pPr lvl="1"/>
-            <a:r>
-              <a:rPr sz="2000"/>
-              <a:t>(Repeat x times)</a:t>
-            </a:r>
-          </a:p>
-          <a:p>
-            <a:pPr lvl="1"/>
-            <a:r>
-              <a:rPr/>
-              <a:t>Ask learners:</a:t>
-            </a:r>
-          </a:p>
-          <a:p>
-            <a:pPr lvl="2"/>
-            <a:r>
-              <a:rPr/>
-              <a:t>How does this algorithm look? What do you notice about it?</a:t>
-            </a:r>
-          </a:p>
-          <a:p>
-            <a:pPr lvl="2"/>
-            <a:r>
-              <a:rPr/>
-              <a:t>How are you going to feel about adding all the pets? Possible responses: it’s repetitive, we’re doing the same thing over and over, tedious to get through all the pets, it’s going to take forever.</a:t>
-            </a:r>
-          </a:p>
-          <a:p>
-            <a:pPr lvl="2"/>
-            <a:r>
-              <a:rPr/>
-              <a:t>What could we do to improve this process?</a:t>
-            </a:r>
-          </a:p>
-          <a:p>
-            <a:pPr lvl="1"/>
-            <a:r>
-              <a:rPr/>
-              <a:t>Explain that this is the challenge for any site– like a blog or a shopping site, a new site– it will take forever to make all those changes and new pages!</a:t>
-            </a:r>
-          </a:p>
-          <a:p>
-            <a:pPr lvl="1"/>
-            <a:r>
-              <a:rPr/>
-              <a:t>Explain that developers and designers have created tools– some of which are free and focused on first-time users, like you– that help streamline these processes, so no one has to mark up tens or hundreds or even thousands of similar pages.</a:t>
-            </a:r>
-          </a:p>
-          <a:p>
-            <a:pPr lvl="1"/>
-            <a:r>
-              <a:rPr/>
-              <a:t>In a web builder, the computer does the hard part! Anytime we have a repetitive process, it’s GREAT work for a software program– computers do tasks like this much better than humans, with no complaining.</a:t>
-            </a:r>
-          </a:p>
-          <a:p>
-            <a:pPr lvl="1"/>
-            <a:r>
-              <a:rPr/>
-              <a:t>These web builder tools, in their most basic form, combine four elements. We’ll talk about how they work together.</a:t>
-            </a:r>
-          </a:p>
-          <a:p>
-            <a:pPr lvl="2"/>
-            <a:r>
-              <a:rPr/>
-              <a:t>Content stored in a database</a:t>
-            </a:r>
-          </a:p>
-          <a:p>
-            <a:pPr lvl="2"/>
-            <a:r>
-              <a:rPr/>
-              <a:t>HTML templates</a:t>
-            </a:r>
-          </a:p>
-          <a:p>
-            <a:pPr lvl="2"/>
-            <a:r>
-              <a:rPr/>
-              <a:t>CSS design rules</a:t>
-            </a:r>
-          </a:p>
-          <a:p>
-            <a:pPr lvl="1"/>
-            <a:r>
-              <a:rPr/>
-              <a:t>Some code that runs on the to bring all these together, on the fly (PHP, Python, Ruby, Javascript)</a:t>
-            </a:r>
-          </a:p>
-          <a:p>
-            <a:pPr lvl="1"/>
-            <a:r>
-              <a:rPr/>
-              <a:t>A user simple interface for entering content.</a:t>
-            </a:r>
-          </a:p>
-          <a:p>
-            <a:pPr lvl="2"/>
-            <a:r>
-              <a:rPr/>
-              <a:t>This interface hides the html, css, and any code from the user. They are sometimes drag-and-drop, or you type in your content and make some simple selections. But we’re going to explore how the web builders work behind the scenes, once all your stuff is entered in the database.</a:t>
-            </a:r>
-          </a:p>
-          <a:p>
-            <a:pPr lvl="1"/>
-            <a:r>
-              <a:rPr/>
-              <a:t>Let’s see how this is done, for our pet site, on paper. First we need our 4 ingredients!</a:t>
-            </a:r>
-          </a:p>
-          <a:p>
-            <a:pPr lvl="2"/>
-            <a:r>
-              <a:rPr/>
-              <a:t>Content in the database</a:t>
-            </a:r>
-          </a:p>
-          <a:p>
-            <a:pPr lvl="1"/>
-            <a:r>
-              <a:rPr/>
-              <a:t>We’ll cut our sheets up, because we’re going to want to access pieces of data separately.</a:t>
+              <a:t>What does this say about the internet?</a:t>
             </a:r>
           </a:p>
         </p:txBody>
@@ -7091,6 +13519,433 @@
 </file>
 
 <file path=ppt/slides/slide7.xml><?xml version="1.0" encoding="utf-8"?>
+<p:sld xmlns:a="http://schemas.openxmlformats.org/drawingml/2006/main" xmlns:r="http://schemas.openxmlformats.org/officeDocument/2006/relationships" xmlns:p="http://schemas.openxmlformats.org/presentationml/2006/main">
+  <p:cSld>
+    <p:spTree>
+      <p:nvGrpSpPr>
+        <p:cNvPr id="1" name=""/>
+        <p:cNvGrpSpPr/>
+        <p:nvPr/>
+      </p:nvGrpSpPr>
+      <p:grpSpPr>
+        <a:xfrm>
+          <a:off x="0" y="0"/>
+          <a:ext cx="0" cy="0"/>
+          <a:chOff x="0" y="0"/>
+          <a:chExt cx="0" cy="0"/>
+        </a:xfrm>
+      </p:grpSpPr>
+      <p:sp>
+        <p:nvSpPr>
+          <p:cNvPr id="2" name="Title 1"/>
+          <p:cNvSpPr>
+            <a:spLocks noGrp="1"/>
+          </p:cNvSpPr>
+          <p:nvPr>
+            <p:ph type="title"/>
+          </p:nvPr>
+        </p:nvSpPr>
+        <p:spPr/>
+        <p:txBody>
+          <a:bodyPr/>
+          <a:lstStyle/>
+          <a:p>
+            <a:pPr lvl="0" marL="0" indent="0">
+              <a:buNone/>
+            </a:pPr>
+            <a:r>
+              <a:rPr/>
+              <a:t>Pet</a:t>
+            </a:r>
+            <a:r>
+              <a:rPr/>
+              <a:t> </a:t>
+            </a:r>
+            <a:r>
+              <a:rPr/>
+              <a:t>Page</a:t>
+            </a:r>
+          </a:p>
+        </p:txBody>
+      </p:sp>
+      <p:sp>
+        <p:nvSpPr>
+          <p:cNvPr id="3" name="Content Placeholder 2"/>
+          <p:cNvSpPr>
+            <a:spLocks noGrp="1"/>
+          </p:cNvSpPr>
+          <p:nvPr>
+            <p:ph idx="1"/>
+          </p:nvPr>
+        </p:nvSpPr>
+        <p:spPr/>
+        <p:txBody>
+          <a:bodyPr/>
+          <a:lstStyle/>
+          <a:p>
+            <a:pPr lvl="0" marL="1270000" indent="0">
+              <a:buNone/>
+            </a:pPr>
+            <a:r>
+              <a:rPr sz="2000"/>
+              <a:t>Tip! Sample algorithm for creating pet pages is here:</a:t>
+            </a:r>
+          </a:p>
+          <a:p>
+            <a:pPr lvl="1"/>
+            <a:r>
+              <a:rPr sz="2000"/>
+              <a:t>Open text editor, save new document as .HTML</a:t>
+            </a:r>
+          </a:p>
+          <a:p>
+            <a:pPr lvl="1"/>
+            <a:r>
+              <a:rPr sz="2000"/>
+              <a:t>Type or paste in content for first pet page</a:t>
+            </a:r>
+          </a:p>
+          <a:p>
+            <a:pPr lvl="2"/>
+            <a:r>
+              <a:rPr sz="2000"/>
+              <a:t>Pet Name:</a:t>
+            </a:r>
+          </a:p>
+          <a:p>
+            <a:pPr lvl="2"/>
+            <a:r>
+              <a:rPr sz="2000"/>
+              <a:t>Location:</a:t>
+            </a:r>
+          </a:p>
+          <a:p>
+            <a:pPr lvl="2"/>
+            <a:r>
+              <a:rPr sz="2000"/>
+              <a:t>Image:</a:t>
+            </a:r>
+          </a:p>
+          <a:p>
+            <a:pPr lvl="2"/>
+            <a:r>
+              <a:rPr sz="2000"/>
+              <a:t>Age:</a:t>
+            </a:r>
+          </a:p>
+          <a:p>
+            <a:pPr lvl="2"/>
+            <a:r>
+              <a:rPr sz="2000"/>
+              <a:t>Traits:</a:t>
+            </a:r>
+          </a:p>
+          <a:p>
+            <a:pPr lvl="2"/>
+            <a:r>
+              <a:rPr sz="2000"/>
+              <a:t>Available to Adopt (yes/no):</a:t>
+            </a:r>
+          </a:p>
+          <a:p>
+            <a:pPr lvl="2"/>
+            <a:r>
+              <a:rPr sz="2000"/>
+              <a:t>Comment:</a:t>
+            </a:r>
+          </a:p>
+          <a:p>
+            <a:pPr lvl="1"/>
+            <a:r>
+              <a:rPr sz="2000"/>
+              <a:t>Mark it up with HTML</a:t>
+            </a:r>
+          </a:p>
+          <a:p>
+            <a:pPr lvl="2"/>
+            <a:r>
+              <a:rPr sz="2000"/>
+              <a:t>Add styles for each type of data using CSS</a:t>
+            </a:r>
+          </a:p>
+          <a:p>
+            <a:pPr lvl="2"/>
+            <a:r>
+              <a:rPr sz="2000"/>
+              <a:t>Save, and check to see that it works in browser</a:t>
+            </a:r>
+          </a:p>
+          <a:p>
+            <a:pPr lvl="2"/>
+            <a:r>
+              <a:rPr sz="2000"/>
+              <a:t>Open text editor, save new document as .HTML</a:t>
+            </a:r>
+          </a:p>
+          <a:p>
+            <a:pPr lvl="1"/>
+            <a:r>
+              <a:rPr sz="2000"/>
+              <a:t>Paste in content for next pet page</a:t>
+            </a:r>
+          </a:p>
+          <a:p>
+            <a:pPr lvl="2"/>
+            <a:r>
+              <a:rPr sz="2000"/>
+              <a:t>Pet Name:</a:t>
+            </a:r>
+          </a:p>
+          <a:p>
+            <a:pPr lvl="2"/>
+            <a:r>
+              <a:rPr sz="2000"/>
+              <a:t>Location:</a:t>
+            </a:r>
+          </a:p>
+          <a:p>
+            <a:pPr lvl="2"/>
+            <a:r>
+              <a:rPr sz="2000"/>
+              <a:t>Image:</a:t>
+            </a:r>
+          </a:p>
+          <a:p>
+            <a:pPr lvl="2"/>
+            <a:r>
+              <a:rPr sz="2000"/>
+              <a:t>Age:</a:t>
+            </a:r>
+          </a:p>
+          <a:p>
+            <a:pPr lvl="2"/>
+            <a:r>
+              <a:rPr sz="2000"/>
+              <a:t>Traits:</a:t>
+            </a:r>
+          </a:p>
+          <a:p>
+            <a:pPr lvl="2"/>
+            <a:r>
+              <a:rPr sz="2000"/>
+              <a:t>Available to Adopt (yes/no):</a:t>
+            </a:r>
+          </a:p>
+          <a:p>
+            <a:pPr lvl="2"/>
+            <a:r>
+              <a:rPr sz="2000"/>
+              <a:t>Comment:</a:t>
+            </a:r>
+          </a:p>
+          <a:p>
+            <a:pPr lvl="1"/>
+            <a:r>
+              <a:rPr sz="2000"/>
+              <a:t>Mark it up with HTML</a:t>
+            </a:r>
+          </a:p>
+          <a:p>
+            <a:pPr lvl="1"/>
+            <a:r>
+              <a:rPr sz="2000"/>
+              <a:t>Add styles using CSS</a:t>
+            </a:r>
+          </a:p>
+          <a:p>
+            <a:pPr lvl="1"/>
+            <a:r>
+              <a:rPr sz="2000"/>
+              <a:t>Save, and check to see that it works in browser</a:t>
+            </a:r>
+          </a:p>
+          <a:p>
+            <a:pPr lvl="1"/>
+            <a:r>
+              <a:rPr sz="2000"/>
+              <a:t>(Repeat x times)</a:t>
+            </a:r>
+          </a:p>
+          <a:p>
+            <a:pPr lvl="1"/>
+            <a:r>
+              <a:rPr/>
+              <a:t>Explain that developers and designers have created tools– some of which are free and focused on first-time users, like you– that help streamline these processes, so no one has to mark up tens or hundreds or even thousands of similar pages.</a:t>
+            </a:r>
+          </a:p>
+          <a:p>
+            <a:pPr lvl="1"/>
+            <a:r>
+              <a:rPr/>
+              <a:t>In a web builder, the computer does the hard part! Anytime we have a repetitive process, it’s GREAT work for a software program– computers do tasks like this much better than humans, with no complaining.</a:t>
+            </a:r>
+          </a:p>
+          <a:p>
+            <a:pPr lvl="0" marL="0" indent="0">
+              <a:buNone/>
+            </a:pPr>
+            <a:r>
+              <a:rPr/>
+              <a:t>::: Web Builders</a:t>
+            </a:r>
+          </a:p>
+          <a:p>
+            <a:pPr lvl="1"/>
+            <a:r>
+              <a:rPr/>
+              <a:t>These web builder tools, in their most basic form, combine four elements. We’ll talk about how they work together.</a:t>
+            </a:r>
+          </a:p>
+          <a:p>
+            <a:pPr lvl="2"/>
+            <a:r>
+              <a:rPr/>
+              <a:t>Content stored in a database</a:t>
+            </a:r>
+          </a:p>
+          <a:p>
+            <a:pPr lvl="2"/>
+            <a:r>
+              <a:rPr/>
+              <a:t>HTML templates</a:t>
+            </a:r>
+          </a:p>
+          <a:p>
+            <a:pPr lvl="2"/>
+            <a:r>
+              <a:rPr/>
+              <a:t>CSS design rules</a:t>
+            </a:r>
+          </a:p>
+          <a:p>
+            <a:pPr lvl="1"/>
+            <a:r>
+              <a:rPr/>
+              <a:t>Some code that runs on the to bring all these together, on the fly (PHP, Python, Ruby, Javascript)</a:t>
+            </a:r>
+          </a:p>
+          <a:p>
+            <a:pPr lvl="1"/>
+            <a:r>
+              <a:rPr/>
+              <a:t>A user simple interface for entering content.</a:t>
+            </a:r>
+          </a:p>
+          <a:p>
+            <a:pPr lvl="2"/>
+            <a:r>
+              <a:rPr/>
+              <a:t>This interface hides the html, css, and any code from the user. They are sometimes drag-and-drop, or you type in your content and make some simple selections. But we’re going to explore how the web builders work behind the scenes, once all your stuff is entered in the database.</a:t>
+            </a:r>
+          </a:p>
+        </p:txBody>
+      </p:sp>
+    </p:spTree>
+  </p:cSld>
+</p:sld>
+</file>
+
+<file path=ppt/slides/slide8.xml><?xml version="1.0" encoding="utf-8"?>
+<p:sld xmlns:a="http://schemas.openxmlformats.org/drawingml/2006/main" xmlns:r="http://schemas.openxmlformats.org/officeDocument/2006/relationships" xmlns:p="http://schemas.openxmlformats.org/presentationml/2006/main">
+  <p:cSld>
+    <p:spTree>
+      <p:nvGrpSpPr>
+        <p:cNvPr id="1" name=""/>
+        <p:cNvGrpSpPr/>
+        <p:nvPr/>
+      </p:nvGrpSpPr>
+      <p:grpSpPr>
+        <a:xfrm>
+          <a:off x="0" y="0"/>
+          <a:ext cx="0" cy="0"/>
+          <a:chOff x="0" y="0"/>
+          <a:chExt cx="0" cy="0"/>
+        </a:xfrm>
+      </p:grpSpPr>
+      <p:sp>
+        <p:nvSpPr>
+          <p:cNvPr id="2" name="Title 1"/>
+          <p:cNvSpPr>
+            <a:spLocks noGrp="1"/>
+          </p:cNvSpPr>
+          <p:nvPr>
+            <p:ph type="title"/>
+          </p:nvPr>
+        </p:nvSpPr>
+        <p:spPr/>
+        <p:txBody>
+          <a:bodyPr/>
+          <a:lstStyle/>
+          <a:p>
+            <a:pPr lvl="0" marL="0" indent="0">
+              <a:buNone/>
+            </a:pPr>
+            <a:r>
+              <a:rPr/>
+              <a:t>Building</a:t>
+            </a:r>
+            <a:r>
+              <a:rPr/>
+              <a:t> </a:t>
+            </a:r>
+            <a:r>
+              <a:rPr/>
+              <a:t>Pet</a:t>
+            </a:r>
+            <a:r>
+              <a:rPr/>
+              <a:t> </a:t>
+            </a:r>
+            <a:r>
+              <a:rPr/>
+              <a:t>Pages</a:t>
+            </a:r>
+          </a:p>
+        </p:txBody>
+      </p:sp>
+      <p:sp>
+        <p:nvSpPr>
+          <p:cNvPr id="3" name="Content Placeholder 2"/>
+          <p:cNvSpPr>
+            <a:spLocks noGrp="1"/>
+          </p:cNvSpPr>
+          <p:nvPr>
+            <p:ph idx="1"/>
+          </p:nvPr>
+        </p:nvSpPr>
+        <p:spPr/>
+        <p:txBody>
+          <a:bodyPr/>
+          <a:lstStyle/>
+          <a:p>
+            <a:pPr lvl="1"/>
+            <a:r>
+              <a:rPr/>
+              <a:t>Let’s see how this is done, for our pet site, on paper. First we need our 4 ingredients!</a:t>
+            </a:r>
+          </a:p>
+          <a:p>
+            <a:pPr lvl="2"/>
+            <a:r>
+              <a:rPr/>
+              <a:t>Content in the database</a:t>
+            </a:r>
+          </a:p>
+          <a:p>
+            <a:pPr lvl="1"/>
+            <a:r>
+              <a:rPr/>
+              <a:t>We’ll cut our sheets up, because we’re going to want to access pieces of data separately.</a:t>
+            </a:r>
+          </a:p>
+        </p:txBody>
+      </p:sp>
+    </p:spTree>
+  </p:cSld>
+</p:sld>
+</file>
+
+<file path=ppt/slides/slide9.xml><?xml version="1.0" encoding="utf-8"?>
 <p:sld xmlns:a="http://schemas.openxmlformats.org/drawingml/2006/main" xmlns:r="http://schemas.openxmlformats.org/officeDocument/2006/relationships" xmlns:p="http://schemas.openxmlformats.org/presentationml/2006/main">
   <p:cSld>
     <p:spTree>
@@ -7171,193 +14026,6 @@
             <a:r>
               <a:rPr/>
               <a:t>profiles</a:t>
-            </a:r>
-          </a:p>
-        </p:txBody>
-      </p:sp>
-    </p:spTree>
-  </p:cSld>
-</p:sld>
-</file>
-
-<file path=ppt/slides/slide8.xml><?xml version="1.0" encoding="utf-8"?>
-<p:sld xmlns:a="http://schemas.openxmlformats.org/drawingml/2006/main" xmlns:r="http://schemas.openxmlformats.org/officeDocument/2006/relationships" xmlns:p="http://schemas.openxmlformats.org/presentationml/2006/main">
-  <p:cSld>
-    <p:spTree>
-      <p:nvGrpSpPr>
-        <p:cNvPr id="1" name=""/>
-        <p:cNvGrpSpPr/>
-        <p:nvPr/>
-      </p:nvGrpSpPr>
-      <p:grpSpPr>
-        <a:xfrm>
-          <a:off x="0" y="0"/>
-          <a:ext cx="0" cy="0"/>
-          <a:chOff x="0" y="0"/>
-          <a:chExt cx="0" cy="0"/>
-        </a:xfrm>
-      </p:grpSpPr>
-      <p:sp>
-        <p:nvSpPr>
-          <p:cNvPr id="3" name="Content Placeholder 2"/>
-          <p:cNvSpPr>
-            <a:spLocks noGrp="1"/>
-          </p:cNvSpPr>
-          <p:nvPr>
-            <p:ph idx="1"/>
-          </p:nvPr>
-        </p:nvSpPr>
-        <p:spPr/>
-        <p:txBody>
-          <a:bodyPr/>
-          <a:lstStyle/>
-          <a:p>
-            <a:pPr lvl="0" marL="0" indent="0">
-              <a:buNone/>
-            </a:pPr>
-            <a:r>
-              <a:rPr/>
-              <a:t> pet data cut up</a:t>
-            </a:r>
-          </a:p>
-          <a:p>
-            <a:pPr lvl="1"/>
-            <a:r>
-              <a:rPr/>
-              <a:t>Create an HTML template for the pet page. We’ll leave some blanks where the content will go.</a:t>
-            </a:r>
-          </a:p>
-          <a:p>
-            <a:pPr lvl="1"/>
-            <a:r>
-              <a:rPr/>
-              <a:t>See example: html page</a:t>
-            </a:r>
-          </a:p>
-          <a:p>
-            <a:pPr lvl="1"/>
-            <a:r>
-              <a:rPr/>
-              <a:t>Create some very style rules (different for cats, dogs, lizards).</a:t>
-            </a:r>
-          </a:p>
-          <a:p>
-            <a:pPr lvl="1"/>
-            <a:r>
-              <a:rPr/>
-              <a:t>Background color of the page</a:t>
-            </a:r>
-          </a:p>
-          <a:p>
-            <a:pPr lvl="1"/>
-            <a:r>
-              <a:rPr/>
-              <a:t>Font size and color stylesheet</a:t>
-            </a:r>
-          </a:p>
-          <a:p>
-            <a:pPr lvl="1"/>
-            <a:r>
-              <a:rPr/>
-              <a:t>Drop some code instructions into the HTML template to tell the computer how to put it all together. We’ll write these where the blue sticky notes are, where we want our data to go. It’s a bit like fill-in-the blank, or mad libs! html with codeboxes</a:t>
-            </a:r>
-          </a:p>
-          <a:p>
-            <a:pPr lvl="1"/>
-            <a:r>
-              <a:rPr/>
-              <a:t>If we were developers working on this web site on a computer, we’d do write this in programming language, but here we’ll just write basic instructions, called “pseudo-code.” It’s not the actual wording we’d need for an actual programming language, but it expresses the intent of the instructions.</a:t>
-            </a:r>
-          </a:p>
-          <a:p>
-            <a:pPr lvl="1"/>
-            <a:r>
-              <a:rPr/>
-              <a:t>What are the instructions? Let’s write another algorithm. This can be whatever we want in terms of what content to add where, but here’s an example:</a:t>
-            </a:r>
-          </a:p>
-          <a:p>
-            <a:pPr lvl="2"/>
-            <a:r>
-              <a:rPr/>
-              <a:t>Access the desired pet record</a:t>
-            </a:r>
-          </a:p>
-          <a:p>
-            <a:pPr lvl="2"/>
-            <a:r>
-              <a:rPr/>
-              <a:t>Put the Pet Name or Pet Number in the title</a:t>
-            </a:r>
-          </a:p>
-          <a:p>
-            <a:pPr lvl="2"/>
-            <a:r>
-              <a:rPr/>
-              <a:t>Assign the correct style sheet</a:t>
-            </a:r>
-          </a:p>
-          <a:p>
-            <a:pPr lvl="2"/>
-            <a:r>
-              <a:rPr/>
-              <a:t>Put the pet name in the heading</a:t>
-            </a:r>
-          </a:p>
-          <a:p>
-            <a:pPr lvl="2"/>
-            <a:r>
-              <a:rPr/>
-              <a:t>Put the image name in the img tag</a:t>
-            </a:r>
-          </a:p>
-          <a:p>
-            <a:pPr lvl="2"/>
-            <a:r>
-              <a:rPr/>
-              <a:t>Put the traits in the final paragraph</a:t>
-            </a:r>
-          </a:p>
-          <a:p>
-            <a:pPr lvl="1"/>
-            <a:r>
-              <a:rPr/>
-              <a:t>Write the instructions you came up with on the sticky notes add instructions</a:t>
-            </a:r>
-          </a:p>
-          <a:p>
-            <a:pPr lvl="1"/>
-            <a:r>
-              <a:rPr/>
-              <a:t>Now, be the code!</a:t>
-            </a:r>
-          </a:p>
-          <a:p>
-            <a:pPr lvl="1"/>
-            <a:r>
-              <a:rPr/>
-              <a:t>Have a learner try assembling the page by following the sticky note instructions– this is what the code does! fill in the content</a:t>
-            </a:r>
-          </a:p>
-          <a:p>
-            <a:pPr lvl="1"/>
-            <a:r>
-              <a:rPr/>
-              <a:t>When a client’s browser requests this page for a particular pet (say, Pet #2) the server-side code will pull together the info from the database, assign the correct stylesheet, and send it all along to your browser. It makes the page on the fly! So a page for each pet doesn’t exist in a static way, but is made on-demand.</a:t>
-            </a:r>
-          </a:p>
-          <a:p>
-            <a:pPr lvl="1"/>
-            <a:r>
-              <a:rPr/>
-              <a:t>This is what happens behind the scenes in any of the content management systems/ web builder platforms, like Wordpress or SquareSpace or Wix.</a:t>
-            </a:r>
-          </a:p>
-          <a:p>
-            <a:pPr lvl="1"/>
-            <a:r>
-              <a:rPr/>
-              <a:t>As a user, you’d mostly be typing content into an interface, and selecting a template, and pressing a “publish” button. The code on the server side and in the browser does the rest! And now YOU know how that works!</a:t>
             </a:r>
           </a:p>
         </p:txBody>

--- a/powerpoints/10-web-builders.pptx
+++ b/powerpoints/10-web-builders.pptx
@@ -5,7 +5,7 @@
     <p:sldMasterId id="2147483648" r:id="rId1"/>
   </p:sldMasterIdLst>
   <p:notesMasterIdLst>
-    <p:NotesMasterId r:id="rId17"/>
+    <p:NotesMasterId r:id="rId20"/>
   </p:notesMasterIdLst>
   <p:sldIdLst>
     <p:sldId id="256" r:id="rId2"/>
@@ -23,6 +23,9 @@
     <p:sldId id="268" r:id="rId14"/>
     <p:sldId id="269" r:id="rId15"/>
     <p:sldId id="270" r:id="rId16"/>
+    <p:sldId id="271" r:id="rId17"/>
+    <p:sldId id="272" r:id="rId18"/>
+    <p:sldId id="273" r:id="rId19"/>
   </p:sldIdLst>
   <p:sldSz cx="9144000" cy="6858000" type="screen4x3"/>
   <p:notesSz cx="6858000" cy="9144000"/>
@@ -3852,7 +3855,7 @@
           <a:p>
             <a:fld id="{18BDFEC3-8487-43E8-A154-7C12CBC1FFF2}" type="slidenum">
               <a:rPr lang="en-US"/>
-              <a:t>5</a:t>
+              <a:t>6</a:t>
             </a:fld>
             <a:endParaRPr lang="en-US"/>
           </a:p>
@@ -5047,890 +5050,6 @@
               <a:t>information)</a:t>
             </a:r>
           </a:p>
-          <a:p>
-            <a:pPr lvl="0" marL="0" indent="0">
-              <a:buNone/>
-            </a:pPr>
-          </a:p>
-          <a:p>
-            <a:pPr lvl="1"/>
-            <a:r>
-              <a:rPr/>
-              <a:t>Let’s</a:t>
-            </a:r>
-            <a:r>
-              <a:rPr/>
-              <a:t> </a:t>
-            </a:r>
-            <a:r>
-              <a:rPr/>
-              <a:t>imagine</a:t>
-            </a:r>
-            <a:r>
-              <a:rPr/>
-              <a:t> </a:t>
-            </a:r>
-            <a:r>
-              <a:rPr/>
-              <a:t>we’re</a:t>
-            </a:r>
-            <a:r>
-              <a:rPr/>
-              <a:t> </a:t>
-            </a:r>
-            <a:r>
-              <a:rPr/>
-              <a:t>making</a:t>
-            </a:r>
-            <a:r>
-              <a:rPr/>
-              <a:t> </a:t>
-            </a:r>
-            <a:r>
-              <a:rPr/>
-              <a:t>a</a:t>
-            </a:r>
-            <a:r>
-              <a:rPr/>
-              <a:t> </a:t>
-            </a:r>
-            <a:r>
-              <a:rPr/>
-              <a:t>site</a:t>
-            </a:r>
-            <a:r>
-              <a:rPr/>
-              <a:t> </a:t>
-            </a:r>
-            <a:r>
-              <a:rPr/>
-              <a:t>with</a:t>
-            </a:r>
-            <a:r>
-              <a:rPr/>
-              <a:t> </a:t>
-            </a:r>
-            <a:r>
-              <a:rPr/>
-              <a:t>lots</a:t>
-            </a:r>
-            <a:r>
-              <a:rPr/>
-              <a:t> </a:t>
-            </a:r>
-            <a:r>
-              <a:rPr/>
-              <a:t>of</a:t>
-            </a:r>
-            <a:r>
-              <a:rPr/>
-              <a:t> </a:t>
-            </a:r>
-            <a:r>
-              <a:rPr/>
-              <a:t>pages–</a:t>
-            </a:r>
-            <a:r>
-              <a:rPr/>
-              <a:t> </a:t>
-            </a:r>
-            <a:r>
-              <a:rPr/>
-              <a:t>a</a:t>
-            </a:r>
-            <a:r>
-              <a:rPr/>
-              <a:t> </a:t>
-            </a:r>
-            <a:r>
-              <a:rPr/>
-              <a:t>site</a:t>
-            </a:r>
-            <a:r>
-              <a:rPr/>
-              <a:t> </a:t>
-            </a:r>
-            <a:r>
-              <a:rPr/>
-              <a:t>that</a:t>
-            </a:r>
-            <a:r>
-              <a:rPr/>
-              <a:t> </a:t>
-            </a:r>
-            <a:r>
-              <a:rPr/>
-              <a:t>lists</a:t>
-            </a:r>
-            <a:r>
-              <a:rPr/>
-              <a:t> </a:t>
-            </a:r>
-            <a:r>
-              <a:rPr/>
-              <a:t>different</a:t>
-            </a:r>
-            <a:r>
-              <a:rPr/>
-              <a:t> </a:t>
-            </a:r>
-            <a:r>
-              <a:rPr/>
-              <a:t>pets,</a:t>
-            </a:r>
-            <a:r>
-              <a:rPr/>
-              <a:t> </a:t>
-            </a:r>
-            <a:r>
-              <a:rPr/>
-              <a:t>where</a:t>
-            </a:r>
-            <a:r>
-              <a:rPr/>
-              <a:t> </a:t>
-            </a:r>
-            <a:r>
-              <a:rPr/>
-              <a:t>people</a:t>
-            </a:r>
-            <a:r>
-              <a:rPr/>
-              <a:t> </a:t>
-            </a:r>
-            <a:r>
-              <a:rPr/>
-              <a:t>can</a:t>
-            </a:r>
-            <a:r>
-              <a:rPr/>
-              <a:t> </a:t>
-            </a:r>
-            <a:r>
-              <a:rPr/>
-              <a:t>browse</a:t>
-            </a:r>
-            <a:r>
-              <a:rPr/>
-              <a:t> </a:t>
-            </a:r>
-            <a:r>
-              <a:rPr/>
-              <a:t>the</a:t>
-            </a:r>
-            <a:r>
-              <a:rPr/>
-              <a:t> </a:t>
-            </a:r>
-            <a:r>
-              <a:rPr/>
-              <a:t>listings</a:t>
-            </a:r>
-            <a:r>
-              <a:rPr/>
-              <a:t> </a:t>
-            </a:r>
-            <a:r>
-              <a:rPr/>
-              <a:t>see</a:t>
-            </a:r>
-            <a:r>
-              <a:rPr/>
-              <a:t> </a:t>
-            </a:r>
-            <a:r>
-              <a:rPr/>
-              <a:t>if</a:t>
-            </a:r>
-            <a:r>
-              <a:rPr/>
-              <a:t> </a:t>
-            </a:r>
-            <a:r>
-              <a:rPr/>
-              <a:t>they</a:t>
-            </a:r>
-            <a:r>
-              <a:rPr/>
-              <a:t> </a:t>
-            </a:r>
-            <a:r>
-              <a:rPr/>
-              <a:t>want</a:t>
-            </a:r>
-            <a:r>
-              <a:rPr/>
-              <a:t> </a:t>
-            </a:r>
-            <a:r>
-              <a:rPr/>
-              <a:t>to</a:t>
-            </a:r>
-            <a:r>
-              <a:rPr/>
-              <a:t> </a:t>
-            </a:r>
-            <a:r>
-              <a:rPr/>
-              <a:t>adopt</a:t>
-            </a:r>
-            <a:r>
-              <a:rPr/>
-              <a:t> </a:t>
-            </a:r>
-            <a:r>
-              <a:rPr/>
-              <a:t>a</a:t>
-            </a:r>
-            <a:r>
-              <a:rPr/>
-              <a:t> </a:t>
-            </a:r>
-            <a:r>
-              <a:rPr/>
-              <a:t>pet.</a:t>
-            </a:r>
-          </a:p>
-          <a:p>
-            <a:pPr lvl="0" marL="0" indent="0">
-              <a:buNone/>
-            </a:pPr>
-          </a:p>
-          <a:p>
-            <a:pPr lvl="1"/>
-            <a:r>
-              <a:rPr/>
-              <a:t>Ask</a:t>
-            </a:r>
-            <a:r>
-              <a:rPr/>
-              <a:t> </a:t>
-            </a:r>
-            <a:r>
-              <a:rPr/>
-              <a:t>learners:</a:t>
-            </a:r>
-            <a:r>
-              <a:rPr/>
-              <a:t> </a:t>
-            </a:r>
-            <a:r>
-              <a:rPr/>
-              <a:t>What</a:t>
-            </a:r>
-            <a:r>
-              <a:rPr/>
-              <a:t> </a:t>
-            </a:r>
-            <a:r>
-              <a:rPr/>
-              <a:t>pages</a:t>
-            </a:r>
-            <a:r>
-              <a:rPr/>
-              <a:t> </a:t>
-            </a:r>
-            <a:r>
-              <a:rPr/>
-              <a:t>do</a:t>
-            </a:r>
-            <a:r>
-              <a:rPr/>
-              <a:t> </a:t>
-            </a:r>
-            <a:r>
-              <a:rPr/>
-              <a:t>we</a:t>
-            </a:r>
-            <a:r>
-              <a:rPr/>
-              <a:t> </a:t>
-            </a:r>
-            <a:r>
-              <a:rPr/>
-              <a:t>need</a:t>
-            </a:r>
-            <a:r>
-              <a:rPr/>
-              <a:t> </a:t>
-            </a:r>
-            <a:r>
-              <a:rPr/>
-              <a:t>on</a:t>
-            </a:r>
-            <a:r>
-              <a:rPr/>
-              <a:t> </a:t>
-            </a:r>
-            <a:r>
-              <a:rPr/>
-              <a:t>our</a:t>
-            </a:r>
-            <a:r>
-              <a:rPr/>
-              <a:t> </a:t>
-            </a:r>
-            <a:r>
-              <a:rPr/>
-              <a:t>site?</a:t>
-            </a:r>
-            <a:r>
-              <a:rPr/>
-              <a:t> </a:t>
-            </a:r>
-            <a:r>
-              <a:rPr/>
-              <a:t>(home</a:t>
-            </a:r>
-            <a:r>
-              <a:rPr/>
-              <a:t> </a:t>
-            </a:r>
-            <a:r>
-              <a:rPr/>
-              <a:t>page,</a:t>
-            </a:r>
-            <a:r>
-              <a:rPr/>
-              <a:t> </a:t>
-            </a:r>
-            <a:r>
-              <a:rPr/>
-              <a:t>maybe</a:t>
-            </a:r>
-            <a:r>
-              <a:rPr/>
-              <a:t> </a:t>
-            </a:r>
-            <a:r>
-              <a:rPr/>
-              <a:t>an</a:t>
-            </a:r>
-            <a:r>
-              <a:rPr/>
-              <a:t> </a:t>
-            </a:r>
-            <a:r>
-              <a:rPr/>
-              <a:t>about</a:t>
-            </a:r>
-            <a:r>
-              <a:rPr/>
-              <a:t> </a:t>
-            </a:r>
-            <a:r>
-              <a:rPr/>
-              <a:t>page,</a:t>
-            </a:r>
-            <a:r>
-              <a:rPr/>
-              <a:t> </a:t>
-            </a:r>
-            <a:r>
-              <a:rPr/>
-              <a:t>and</a:t>
-            </a:r>
-            <a:r>
-              <a:rPr/>
-              <a:t> </a:t>
-            </a:r>
-            <a:r>
-              <a:rPr/>
-              <a:t>maybe</a:t>
-            </a:r>
-            <a:r>
-              <a:rPr/>
-              <a:t> </a:t>
-            </a:r>
-            <a:r>
-              <a:rPr/>
-              <a:t>a</a:t>
-            </a:r>
-            <a:r>
-              <a:rPr/>
-              <a:t> </a:t>
-            </a:r>
-            <a:r>
-              <a:rPr/>
-              <a:t>page</a:t>
-            </a:r>
-            <a:r>
-              <a:rPr/>
-              <a:t> </a:t>
-            </a:r>
-            <a:r>
-              <a:rPr/>
-              <a:t>that</a:t>
-            </a:r>
-            <a:r>
-              <a:rPr/>
-              <a:t> </a:t>
-            </a:r>
-            <a:r>
-              <a:rPr/>
-              <a:t>talks</a:t>
-            </a:r>
-            <a:r>
-              <a:rPr/>
-              <a:t> </a:t>
-            </a:r>
-            <a:r>
-              <a:rPr/>
-              <a:t>about</a:t>
-            </a:r>
-            <a:r>
-              <a:rPr/>
-              <a:t> </a:t>
-            </a:r>
-            <a:r>
-              <a:rPr/>
-              <a:t>each</a:t>
-            </a:r>
-            <a:r>
-              <a:rPr/>
-              <a:t> </a:t>
-            </a:r>
-            <a:r>
-              <a:rPr/>
-              <a:t>pet)</a:t>
-            </a:r>
-          </a:p>
-          <a:p>
-            <a:pPr lvl="0" marL="0" indent="0">
-              <a:buNone/>
-            </a:pPr>
-          </a:p>
-          <a:p>
-            <a:pPr lvl="1"/>
-            <a:r>
-              <a:rPr/>
-              <a:t>So</a:t>
-            </a:r>
-            <a:r>
-              <a:rPr/>
-              <a:t> </a:t>
-            </a:r>
-            <a:r>
-              <a:rPr/>
-              <a:t>let’s</a:t>
-            </a:r>
-            <a:r>
-              <a:rPr/>
-              <a:t> </a:t>
-            </a:r>
-            <a:r>
-              <a:rPr/>
-              <a:t>figure</a:t>
-            </a:r>
-            <a:r>
-              <a:rPr/>
-              <a:t> </a:t>
-            </a:r>
-            <a:r>
-              <a:rPr/>
-              <a:t>out</a:t>
-            </a:r>
-            <a:r>
-              <a:rPr/>
-              <a:t> </a:t>
-            </a:r>
-            <a:r>
-              <a:rPr/>
-              <a:t>the</a:t>
-            </a:r>
-            <a:r>
-              <a:rPr/>
-              <a:t> </a:t>
-            </a:r>
-            <a:r>
-              <a:rPr/>
-              <a:t>steps</a:t>
-            </a:r>
-            <a:r>
-              <a:rPr/>
-              <a:t> </a:t>
-            </a:r>
-            <a:r>
-              <a:rPr/>
-              <a:t>for</a:t>
-            </a:r>
-            <a:r>
-              <a:rPr/>
-              <a:t> </a:t>
-            </a:r>
-            <a:r>
-              <a:rPr/>
-              <a:t>doing</a:t>
-            </a:r>
-            <a:r>
-              <a:rPr/>
-              <a:t> </a:t>
-            </a:r>
-            <a:r>
-              <a:rPr/>
-              <a:t>our</a:t>
-            </a:r>
-            <a:r>
-              <a:rPr/>
-              <a:t> </a:t>
-            </a:r>
-            <a:r>
-              <a:rPr/>
-              <a:t>web</a:t>
-            </a:r>
-            <a:r>
-              <a:rPr/>
-              <a:t> </a:t>
-            </a:r>
-            <a:r>
-              <a:rPr/>
-              <a:t>site</a:t>
-            </a:r>
-            <a:r>
-              <a:rPr/>
-              <a:t> </a:t>
-            </a:r>
-            <a:r>
-              <a:rPr/>
-              <a:t>creation</a:t>
-            </a:r>
-            <a:r>
-              <a:rPr/>
-              <a:t> </a:t>
-            </a:r>
-            <a:r>
-              <a:rPr/>
-              <a:t>process,</a:t>
-            </a:r>
-            <a:r>
-              <a:rPr/>
-              <a:t> </a:t>
-            </a:r>
-            <a:r>
-              <a:rPr/>
-              <a:t>and</a:t>
-            </a:r>
-            <a:r>
-              <a:rPr/>
-              <a:t> </a:t>
-            </a:r>
-            <a:r>
-              <a:rPr/>
-              <a:t>write</a:t>
-            </a:r>
-            <a:r>
-              <a:rPr/>
-              <a:t> </a:t>
-            </a:r>
-            <a:r>
-              <a:rPr/>
-              <a:t>the</a:t>
-            </a:r>
-            <a:r>
-              <a:rPr/>
-              <a:t> </a:t>
-            </a:r>
-            <a:r>
-              <a:rPr/>
-              <a:t>steps</a:t>
-            </a:r>
-            <a:r>
-              <a:rPr/>
-              <a:t> </a:t>
-            </a:r>
-            <a:r>
-              <a:rPr/>
-              <a:t>or,</a:t>
-            </a:r>
-            <a:r>
-              <a:rPr/>
-              <a:t> </a:t>
-            </a:r>
-            <a:r>
-              <a:rPr/>
-              <a:t>in</a:t>
-            </a:r>
-            <a:r>
-              <a:rPr/>
-              <a:t> </a:t>
-            </a:r>
-            <a:r>
-              <a:rPr/>
-              <a:t>other</a:t>
-            </a:r>
-            <a:r>
-              <a:rPr/>
-              <a:t> </a:t>
-            </a:r>
-            <a:r>
-              <a:rPr/>
-              <a:t>words,</a:t>
-            </a:r>
-            <a:r>
-              <a:rPr/>
-              <a:t> </a:t>
-            </a:r>
-            <a:r>
-              <a:rPr/>
-              <a:t>an</a:t>
-            </a:r>
-            <a:r>
-              <a:rPr/>
-              <a:t> </a:t>
-            </a:r>
-            <a:r>
-              <a:rPr/>
-              <a:t>algorithm</a:t>
-            </a:r>
-            <a:r>
-              <a:rPr/>
-              <a:t> </a:t>
-            </a:r>
-            <a:r>
-              <a:rPr/>
-              <a:t>for</a:t>
-            </a:r>
-            <a:r>
-              <a:rPr/>
-              <a:t> </a:t>
-            </a:r>
-            <a:r>
-              <a:rPr/>
-              <a:t>it.</a:t>
-            </a:r>
-            <a:r>
-              <a:rPr/>
-              <a:t> </a:t>
-            </a:r>
-            <a:r>
-              <a:rPr/>
-              <a:t>Let’s</a:t>
-            </a:r>
-            <a:r>
-              <a:rPr/>
-              <a:t> </a:t>
-            </a:r>
-            <a:r>
-              <a:rPr/>
-              <a:t>say</a:t>
-            </a:r>
-            <a:r>
-              <a:rPr/>
-              <a:t> </a:t>
-            </a:r>
-            <a:r>
-              <a:rPr/>
-              <a:t>we</a:t>
-            </a:r>
-            <a:r>
-              <a:rPr/>
-              <a:t> </a:t>
-            </a:r>
-            <a:r>
-              <a:rPr/>
-              <a:t>have</a:t>
-            </a:r>
-            <a:r>
-              <a:rPr/>
-              <a:t> </a:t>
-            </a:r>
-            <a:r>
-              <a:rPr/>
-              <a:t>our</a:t>
-            </a:r>
-            <a:r>
-              <a:rPr/>
-              <a:t> </a:t>
-            </a:r>
-            <a:r>
-              <a:rPr/>
-              <a:t>“</a:t>
-            </a:r>
-            <a:r>
-              <a:rPr/>
-              <a:t>home</a:t>
-            </a:r>
-            <a:r>
-              <a:rPr/>
-              <a:t>”</a:t>
-            </a:r>
-            <a:r>
-              <a:rPr/>
-              <a:t> </a:t>
-            </a:r>
-            <a:r>
-              <a:rPr/>
-              <a:t>and</a:t>
-            </a:r>
-            <a:r>
-              <a:rPr/>
-              <a:t> </a:t>
-            </a:r>
-            <a:r>
-              <a:rPr/>
-              <a:t>“</a:t>
-            </a:r>
-            <a:r>
-              <a:rPr/>
-              <a:t>about</a:t>
-            </a:r>
-            <a:r>
-              <a:rPr/>
-              <a:t>”</a:t>
-            </a:r>
-            <a:r>
-              <a:rPr/>
-              <a:t> </a:t>
-            </a:r>
-            <a:r>
-              <a:rPr/>
-              <a:t>pages</a:t>
-            </a:r>
-            <a:r>
-              <a:rPr/>
-              <a:t> </a:t>
-            </a:r>
-            <a:r>
-              <a:rPr/>
-              <a:t>already.</a:t>
-            </a:r>
-            <a:r>
-              <a:rPr/>
-              <a:t> </a:t>
-            </a:r>
-            <a:r>
-              <a:rPr/>
-              <a:t>And</a:t>
-            </a:r>
-            <a:r>
-              <a:rPr/>
-              <a:t> </a:t>
-            </a:r>
-            <a:r>
-              <a:rPr/>
-              <a:t>we’ll</a:t>
-            </a:r>
-            <a:r>
-              <a:rPr/>
-              <a:t> </a:t>
-            </a:r>
-            <a:r>
-              <a:rPr/>
-              <a:t>use</a:t>
-            </a:r>
-            <a:r>
-              <a:rPr/>
-              <a:t> </a:t>
-            </a:r>
-            <a:r>
-              <a:rPr/>
-              <a:t>the</a:t>
-            </a:r>
-            <a:r>
-              <a:rPr/>
-              <a:t> </a:t>
-            </a:r>
-            <a:r>
-              <a:rPr/>
-              <a:t>pet</a:t>
-            </a:r>
-            <a:r>
-              <a:rPr/>
-              <a:t> </a:t>
-            </a:r>
-            <a:r>
-              <a:rPr/>
-              <a:t>data</a:t>
-            </a:r>
-            <a:r>
-              <a:rPr/>
-              <a:t> </a:t>
-            </a:r>
-            <a:r>
-              <a:rPr/>
-              <a:t>we</a:t>
-            </a:r>
-            <a:r>
-              <a:rPr/>
-              <a:t> </a:t>
-            </a:r>
-            <a:r>
-              <a:rPr/>
-              <a:t>just</a:t>
-            </a:r>
-            <a:r>
-              <a:rPr/>
-              <a:t> </a:t>
-            </a:r>
-            <a:r>
-              <a:rPr/>
-              <a:t>collected.</a:t>
-            </a:r>
-            <a:r>
-              <a:rPr/>
-              <a:t> </a:t>
-            </a:r>
-            <a:r>
-              <a:rPr/>
-              <a:t>What’s</a:t>
-            </a:r>
-            <a:r>
-              <a:rPr/>
-              <a:t> </a:t>
-            </a:r>
-            <a:r>
-              <a:rPr/>
-              <a:t>the</a:t>
-            </a:r>
-            <a:r>
-              <a:rPr/>
-              <a:t> </a:t>
-            </a:r>
-            <a:r>
-              <a:rPr/>
-              <a:t>algorithm</a:t>
-            </a:r>
-            <a:r>
-              <a:rPr/>
-              <a:t> </a:t>
-            </a:r>
-            <a:r>
-              <a:rPr/>
-              <a:t>we’d</a:t>
-            </a:r>
-            <a:r>
-              <a:rPr/>
-              <a:t> </a:t>
-            </a:r>
-            <a:r>
-              <a:rPr/>
-              <a:t>write</a:t>
-            </a:r>
-            <a:r>
-              <a:rPr/>
-              <a:t> </a:t>
-            </a:r>
-            <a:r>
-              <a:rPr/>
-              <a:t>for</a:t>
-            </a:r>
-            <a:r>
-              <a:rPr/>
-              <a:t> </a:t>
-            </a:r>
-            <a:r>
-              <a:rPr/>
-              <a:t>this</a:t>
-            </a:r>
-            <a:r>
-              <a:rPr/>
-              <a:t> </a:t>
-            </a:r>
-            <a:r>
-              <a:rPr/>
-              <a:t>process?</a:t>
-            </a:r>
-          </a:p>
         </p:txBody>
       </p:sp>
       <p:sp>
@@ -5950,7 +5069,7 @@
           <a:p>
             <a:fld id="{18BDFEC3-8487-43E8-A154-7C12CBC1FFF2}" type="slidenum">
               <a:rPr lang="en-US"/>
-              <a:t>6</a:t>
+              <a:t>7</a:t>
             </a:fld>
             <a:endParaRPr lang="en-US"/>
           </a:p>
@@ -6008,6 +5127,1868 @@
             <a:pPr lvl="1"/>
             <a:r>
               <a:rPr/>
+              <a:t>Let’s</a:t>
+            </a:r>
+            <a:r>
+              <a:rPr/>
+              <a:t> </a:t>
+            </a:r>
+            <a:r>
+              <a:rPr/>
+              <a:t>imagine</a:t>
+            </a:r>
+            <a:r>
+              <a:rPr/>
+              <a:t> </a:t>
+            </a:r>
+            <a:r>
+              <a:rPr/>
+              <a:t>we’re</a:t>
+            </a:r>
+            <a:r>
+              <a:rPr/>
+              <a:t> </a:t>
+            </a:r>
+            <a:r>
+              <a:rPr/>
+              <a:t>making</a:t>
+            </a:r>
+            <a:r>
+              <a:rPr/>
+              <a:t> </a:t>
+            </a:r>
+            <a:r>
+              <a:rPr/>
+              <a:t>a</a:t>
+            </a:r>
+            <a:r>
+              <a:rPr/>
+              <a:t> </a:t>
+            </a:r>
+            <a:r>
+              <a:rPr/>
+              <a:t>site</a:t>
+            </a:r>
+            <a:r>
+              <a:rPr/>
+              <a:t> </a:t>
+            </a:r>
+            <a:r>
+              <a:rPr/>
+              <a:t>with</a:t>
+            </a:r>
+            <a:r>
+              <a:rPr/>
+              <a:t> </a:t>
+            </a:r>
+            <a:r>
+              <a:rPr/>
+              <a:t>lots</a:t>
+            </a:r>
+            <a:r>
+              <a:rPr/>
+              <a:t> </a:t>
+            </a:r>
+            <a:r>
+              <a:rPr/>
+              <a:t>of</a:t>
+            </a:r>
+            <a:r>
+              <a:rPr/>
+              <a:t> </a:t>
+            </a:r>
+            <a:r>
+              <a:rPr/>
+              <a:t>pages–</a:t>
+            </a:r>
+            <a:r>
+              <a:rPr/>
+              <a:t> </a:t>
+            </a:r>
+            <a:r>
+              <a:rPr/>
+              <a:t>a</a:t>
+            </a:r>
+            <a:r>
+              <a:rPr/>
+              <a:t> </a:t>
+            </a:r>
+            <a:r>
+              <a:rPr/>
+              <a:t>site</a:t>
+            </a:r>
+            <a:r>
+              <a:rPr/>
+              <a:t> </a:t>
+            </a:r>
+            <a:r>
+              <a:rPr/>
+              <a:t>that</a:t>
+            </a:r>
+            <a:r>
+              <a:rPr/>
+              <a:t> </a:t>
+            </a:r>
+            <a:r>
+              <a:rPr/>
+              <a:t>lists</a:t>
+            </a:r>
+            <a:r>
+              <a:rPr/>
+              <a:t> </a:t>
+            </a:r>
+            <a:r>
+              <a:rPr/>
+              <a:t>different</a:t>
+            </a:r>
+            <a:r>
+              <a:rPr/>
+              <a:t> </a:t>
+            </a:r>
+            <a:r>
+              <a:rPr/>
+              <a:t>pets,</a:t>
+            </a:r>
+            <a:r>
+              <a:rPr/>
+              <a:t> </a:t>
+            </a:r>
+            <a:r>
+              <a:rPr/>
+              <a:t>where</a:t>
+            </a:r>
+            <a:r>
+              <a:rPr/>
+              <a:t> </a:t>
+            </a:r>
+            <a:r>
+              <a:rPr/>
+              <a:t>people</a:t>
+            </a:r>
+            <a:r>
+              <a:rPr/>
+              <a:t> </a:t>
+            </a:r>
+            <a:r>
+              <a:rPr/>
+              <a:t>can</a:t>
+            </a:r>
+            <a:r>
+              <a:rPr/>
+              <a:t> </a:t>
+            </a:r>
+            <a:r>
+              <a:rPr/>
+              <a:t>browse</a:t>
+            </a:r>
+            <a:r>
+              <a:rPr/>
+              <a:t> </a:t>
+            </a:r>
+            <a:r>
+              <a:rPr/>
+              <a:t>the</a:t>
+            </a:r>
+            <a:r>
+              <a:rPr/>
+              <a:t> </a:t>
+            </a:r>
+            <a:r>
+              <a:rPr/>
+              <a:t>listings</a:t>
+            </a:r>
+            <a:r>
+              <a:rPr/>
+              <a:t> </a:t>
+            </a:r>
+            <a:r>
+              <a:rPr/>
+              <a:t>see</a:t>
+            </a:r>
+            <a:r>
+              <a:rPr/>
+              <a:t> </a:t>
+            </a:r>
+            <a:r>
+              <a:rPr/>
+              <a:t>if</a:t>
+            </a:r>
+            <a:r>
+              <a:rPr/>
+              <a:t> </a:t>
+            </a:r>
+            <a:r>
+              <a:rPr/>
+              <a:t>they</a:t>
+            </a:r>
+            <a:r>
+              <a:rPr/>
+              <a:t> </a:t>
+            </a:r>
+            <a:r>
+              <a:rPr/>
+              <a:t>want</a:t>
+            </a:r>
+            <a:r>
+              <a:rPr/>
+              <a:t> </a:t>
+            </a:r>
+            <a:r>
+              <a:rPr/>
+              <a:t>to</a:t>
+            </a:r>
+            <a:r>
+              <a:rPr/>
+              <a:t> </a:t>
+            </a:r>
+            <a:r>
+              <a:rPr/>
+              <a:t>adopt</a:t>
+            </a:r>
+            <a:r>
+              <a:rPr/>
+              <a:t> </a:t>
+            </a:r>
+            <a:r>
+              <a:rPr/>
+              <a:t>a</a:t>
+            </a:r>
+            <a:r>
+              <a:rPr/>
+              <a:t> </a:t>
+            </a:r>
+            <a:r>
+              <a:rPr/>
+              <a:t>pet.</a:t>
+            </a:r>
+          </a:p>
+          <a:p>
+            <a:pPr lvl="0" marL="0" indent="0">
+              <a:buNone/>
+            </a:pPr>
+          </a:p>
+          <a:p>
+            <a:pPr lvl="1"/>
+            <a:r>
+              <a:rPr/>
+              <a:t>Ask</a:t>
+            </a:r>
+            <a:r>
+              <a:rPr/>
+              <a:t> </a:t>
+            </a:r>
+            <a:r>
+              <a:rPr/>
+              <a:t>learners:</a:t>
+            </a:r>
+            <a:r>
+              <a:rPr/>
+              <a:t> </a:t>
+            </a:r>
+            <a:r>
+              <a:rPr/>
+              <a:t>What</a:t>
+            </a:r>
+            <a:r>
+              <a:rPr/>
+              <a:t> </a:t>
+            </a:r>
+            <a:r>
+              <a:rPr/>
+              <a:t>pages</a:t>
+            </a:r>
+            <a:r>
+              <a:rPr/>
+              <a:t> </a:t>
+            </a:r>
+            <a:r>
+              <a:rPr/>
+              <a:t>do</a:t>
+            </a:r>
+            <a:r>
+              <a:rPr/>
+              <a:t> </a:t>
+            </a:r>
+            <a:r>
+              <a:rPr/>
+              <a:t>we</a:t>
+            </a:r>
+            <a:r>
+              <a:rPr/>
+              <a:t> </a:t>
+            </a:r>
+            <a:r>
+              <a:rPr/>
+              <a:t>need</a:t>
+            </a:r>
+            <a:r>
+              <a:rPr/>
+              <a:t> </a:t>
+            </a:r>
+            <a:r>
+              <a:rPr/>
+              <a:t>on</a:t>
+            </a:r>
+            <a:r>
+              <a:rPr/>
+              <a:t> </a:t>
+            </a:r>
+            <a:r>
+              <a:rPr/>
+              <a:t>our</a:t>
+            </a:r>
+            <a:r>
+              <a:rPr/>
+              <a:t> </a:t>
+            </a:r>
+            <a:r>
+              <a:rPr/>
+              <a:t>site?</a:t>
+            </a:r>
+            <a:r>
+              <a:rPr/>
+              <a:t> </a:t>
+            </a:r>
+            <a:r>
+              <a:rPr/>
+              <a:t>(home</a:t>
+            </a:r>
+            <a:r>
+              <a:rPr/>
+              <a:t> </a:t>
+            </a:r>
+            <a:r>
+              <a:rPr/>
+              <a:t>page,</a:t>
+            </a:r>
+            <a:r>
+              <a:rPr/>
+              <a:t> </a:t>
+            </a:r>
+            <a:r>
+              <a:rPr/>
+              <a:t>maybe</a:t>
+            </a:r>
+            <a:r>
+              <a:rPr/>
+              <a:t> </a:t>
+            </a:r>
+            <a:r>
+              <a:rPr/>
+              <a:t>an</a:t>
+            </a:r>
+            <a:r>
+              <a:rPr/>
+              <a:t> </a:t>
+            </a:r>
+            <a:r>
+              <a:rPr/>
+              <a:t>about</a:t>
+            </a:r>
+            <a:r>
+              <a:rPr/>
+              <a:t> </a:t>
+            </a:r>
+            <a:r>
+              <a:rPr/>
+              <a:t>page,</a:t>
+            </a:r>
+            <a:r>
+              <a:rPr/>
+              <a:t> </a:t>
+            </a:r>
+            <a:r>
+              <a:rPr/>
+              <a:t>and</a:t>
+            </a:r>
+            <a:r>
+              <a:rPr/>
+              <a:t> </a:t>
+            </a:r>
+            <a:r>
+              <a:rPr/>
+              <a:t>maybe</a:t>
+            </a:r>
+            <a:r>
+              <a:rPr/>
+              <a:t> </a:t>
+            </a:r>
+            <a:r>
+              <a:rPr/>
+              <a:t>a</a:t>
+            </a:r>
+            <a:r>
+              <a:rPr/>
+              <a:t> </a:t>
+            </a:r>
+            <a:r>
+              <a:rPr/>
+              <a:t>page</a:t>
+            </a:r>
+            <a:r>
+              <a:rPr/>
+              <a:t> </a:t>
+            </a:r>
+            <a:r>
+              <a:rPr/>
+              <a:t>that</a:t>
+            </a:r>
+            <a:r>
+              <a:rPr/>
+              <a:t> </a:t>
+            </a:r>
+            <a:r>
+              <a:rPr/>
+              <a:t>talks</a:t>
+            </a:r>
+            <a:r>
+              <a:rPr/>
+              <a:t> </a:t>
+            </a:r>
+            <a:r>
+              <a:rPr/>
+              <a:t>about</a:t>
+            </a:r>
+            <a:r>
+              <a:rPr/>
+              <a:t> </a:t>
+            </a:r>
+            <a:r>
+              <a:rPr/>
+              <a:t>each</a:t>
+            </a:r>
+            <a:r>
+              <a:rPr/>
+              <a:t> </a:t>
+            </a:r>
+            <a:r>
+              <a:rPr/>
+              <a:t>pet)</a:t>
+            </a:r>
+          </a:p>
+          <a:p>
+            <a:pPr lvl="0" marL="0" indent="0">
+              <a:buNone/>
+            </a:pPr>
+          </a:p>
+          <a:p>
+            <a:pPr lvl="1"/>
+            <a:r>
+              <a:rPr/>
+              <a:t>So</a:t>
+            </a:r>
+            <a:r>
+              <a:rPr/>
+              <a:t> </a:t>
+            </a:r>
+            <a:r>
+              <a:rPr/>
+              <a:t>let’s</a:t>
+            </a:r>
+            <a:r>
+              <a:rPr/>
+              <a:t> </a:t>
+            </a:r>
+            <a:r>
+              <a:rPr/>
+              <a:t>figure</a:t>
+            </a:r>
+            <a:r>
+              <a:rPr/>
+              <a:t> </a:t>
+            </a:r>
+            <a:r>
+              <a:rPr/>
+              <a:t>out</a:t>
+            </a:r>
+            <a:r>
+              <a:rPr/>
+              <a:t> </a:t>
+            </a:r>
+            <a:r>
+              <a:rPr/>
+              <a:t>the</a:t>
+            </a:r>
+            <a:r>
+              <a:rPr/>
+              <a:t> </a:t>
+            </a:r>
+            <a:r>
+              <a:rPr/>
+              <a:t>steps</a:t>
+            </a:r>
+            <a:r>
+              <a:rPr/>
+              <a:t> </a:t>
+            </a:r>
+            <a:r>
+              <a:rPr/>
+              <a:t>for</a:t>
+            </a:r>
+            <a:r>
+              <a:rPr/>
+              <a:t> </a:t>
+            </a:r>
+            <a:r>
+              <a:rPr/>
+              <a:t>doing</a:t>
+            </a:r>
+            <a:r>
+              <a:rPr/>
+              <a:t> </a:t>
+            </a:r>
+            <a:r>
+              <a:rPr/>
+              <a:t>our</a:t>
+            </a:r>
+            <a:r>
+              <a:rPr/>
+              <a:t> </a:t>
+            </a:r>
+            <a:r>
+              <a:rPr/>
+              <a:t>web</a:t>
+            </a:r>
+            <a:r>
+              <a:rPr/>
+              <a:t> </a:t>
+            </a:r>
+            <a:r>
+              <a:rPr/>
+              <a:t>site</a:t>
+            </a:r>
+            <a:r>
+              <a:rPr/>
+              <a:t> </a:t>
+            </a:r>
+            <a:r>
+              <a:rPr/>
+              <a:t>creation</a:t>
+            </a:r>
+            <a:r>
+              <a:rPr/>
+              <a:t> </a:t>
+            </a:r>
+            <a:r>
+              <a:rPr/>
+              <a:t>process,</a:t>
+            </a:r>
+            <a:r>
+              <a:rPr/>
+              <a:t> </a:t>
+            </a:r>
+            <a:r>
+              <a:rPr/>
+              <a:t>and</a:t>
+            </a:r>
+            <a:r>
+              <a:rPr/>
+              <a:t> </a:t>
+            </a:r>
+            <a:r>
+              <a:rPr/>
+              <a:t>write</a:t>
+            </a:r>
+            <a:r>
+              <a:rPr/>
+              <a:t> </a:t>
+            </a:r>
+            <a:r>
+              <a:rPr/>
+              <a:t>the</a:t>
+            </a:r>
+            <a:r>
+              <a:rPr/>
+              <a:t> </a:t>
+            </a:r>
+            <a:r>
+              <a:rPr/>
+              <a:t>steps</a:t>
+            </a:r>
+            <a:r>
+              <a:rPr/>
+              <a:t> </a:t>
+            </a:r>
+            <a:r>
+              <a:rPr/>
+              <a:t>or,</a:t>
+            </a:r>
+            <a:r>
+              <a:rPr/>
+              <a:t> </a:t>
+            </a:r>
+            <a:r>
+              <a:rPr/>
+              <a:t>in</a:t>
+            </a:r>
+            <a:r>
+              <a:rPr/>
+              <a:t> </a:t>
+            </a:r>
+            <a:r>
+              <a:rPr/>
+              <a:t>other</a:t>
+            </a:r>
+            <a:r>
+              <a:rPr/>
+              <a:t> </a:t>
+            </a:r>
+            <a:r>
+              <a:rPr/>
+              <a:t>words,</a:t>
+            </a:r>
+            <a:r>
+              <a:rPr/>
+              <a:t> </a:t>
+            </a:r>
+            <a:r>
+              <a:rPr/>
+              <a:t>an</a:t>
+            </a:r>
+            <a:r>
+              <a:rPr/>
+              <a:t> </a:t>
+            </a:r>
+            <a:r>
+              <a:rPr/>
+              <a:t>algorithm</a:t>
+            </a:r>
+            <a:r>
+              <a:rPr/>
+              <a:t> </a:t>
+            </a:r>
+            <a:r>
+              <a:rPr/>
+              <a:t>for</a:t>
+            </a:r>
+            <a:r>
+              <a:rPr/>
+              <a:t> </a:t>
+            </a:r>
+            <a:r>
+              <a:rPr/>
+              <a:t>it.</a:t>
+            </a:r>
+            <a:r>
+              <a:rPr/>
+              <a:t> </a:t>
+            </a:r>
+            <a:r>
+              <a:rPr/>
+              <a:t>Let’s</a:t>
+            </a:r>
+            <a:r>
+              <a:rPr/>
+              <a:t> </a:t>
+            </a:r>
+            <a:r>
+              <a:rPr/>
+              <a:t>say</a:t>
+            </a:r>
+            <a:r>
+              <a:rPr/>
+              <a:t> </a:t>
+            </a:r>
+            <a:r>
+              <a:rPr/>
+              <a:t>we</a:t>
+            </a:r>
+            <a:r>
+              <a:rPr/>
+              <a:t> </a:t>
+            </a:r>
+            <a:r>
+              <a:rPr/>
+              <a:t>have</a:t>
+            </a:r>
+            <a:r>
+              <a:rPr/>
+              <a:t> </a:t>
+            </a:r>
+            <a:r>
+              <a:rPr/>
+              <a:t>our</a:t>
+            </a:r>
+            <a:r>
+              <a:rPr/>
+              <a:t> </a:t>
+            </a:r>
+            <a:r>
+              <a:rPr/>
+              <a:t>“</a:t>
+            </a:r>
+            <a:r>
+              <a:rPr/>
+              <a:t>home</a:t>
+            </a:r>
+            <a:r>
+              <a:rPr/>
+              <a:t>”</a:t>
+            </a:r>
+            <a:r>
+              <a:rPr/>
+              <a:t> </a:t>
+            </a:r>
+            <a:r>
+              <a:rPr/>
+              <a:t>and</a:t>
+            </a:r>
+            <a:r>
+              <a:rPr/>
+              <a:t> </a:t>
+            </a:r>
+            <a:r>
+              <a:rPr/>
+              <a:t>“</a:t>
+            </a:r>
+            <a:r>
+              <a:rPr/>
+              <a:t>about</a:t>
+            </a:r>
+            <a:r>
+              <a:rPr/>
+              <a:t>”</a:t>
+            </a:r>
+            <a:r>
+              <a:rPr/>
+              <a:t> </a:t>
+            </a:r>
+            <a:r>
+              <a:rPr/>
+              <a:t>pages</a:t>
+            </a:r>
+            <a:r>
+              <a:rPr/>
+              <a:t> </a:t>
+            </a:r>
+            <a:r>
+              <a:rPr/>
+              <a:t>already.</a:t>
+            </a:r>
+            <a:r>
+              <a:rPr/>
+              <a:t> </a:t>
+            </a:r>
+            <a:r>
+              <a:rPr/>
+              <a:t>And</a:t>
+            </a:r>
+            <a:r>
+              <a:rPr/>
+              <a:t> </a:t>
+            </a:r>
+            <a:r>
+              <a:rPr/>
+              <a:t>we’ll</a:t>
+            </a:r>
+            <a:r>
+              <a:rPr/>
+              <a:t> </a:t>
+            </a:r>
+            <a:r>
+              <a:rPr/>
+              <a:t>use</a:t>
+            </a:r>
+            <a:r>
+              <a:rPr/>
+              <a:t> </a:t>
+            </a:r>
+            <a:r>
+              <a:rPr/>
+              <a:t>the</a:t>
+            </a:r>
+            <a:r>
+              <a:rPr/>
+              <a:t> </a:t>
+            </a:r>
+            <a:r>
+              <a:rPr/>
+              <a:t>pet</a:t>
+            </a:r>
+            <a:r>
+              <a:rPr/>
+              <a:t> </a:t>
+            </a:r>
+            <a:r>
+              <a:rPr/>
+              <a:t>data</a:t>
+            </a:r>
+            <a:r>
+              <a:rPr/>
+              <a:t> </a:t>
+            </a:r>
+            <a:r>
+              <a:rPr/>
+              <a:t>we</a:t>
+            </a:r>
+            <a:r>
+              <a:rPr/>
+              <a:t> </a:t>
+            </a:r>
+            <a:r>
+              <a:rPr/>
+              <a:t>just</a:t>
+            </a:r>
+            <a:r>
+              <a:rPr/>
+              <a:t> </a:t>
+            </a:r>
+            <a:r>
+              <a:rPr/>
+              <a:t>collected.</a:t>
+            </a:r>
+            <a:r>
+              <a:rPr/>
+              <a:t> </a:t>
+            </a:r>
+            <a:r>
+              <a:rPr/>
+              <a:t>What’s</a:t>
+            </a:r>
+            <a:r>
+              <a:rPr/>
+              <a:t> </a:t>
+            </a:r>
+            <a:r>
+              <a:rPr/>
+              <a:t>the</a:t>
+            </a:r>
+            <a:r>
+              <a:rPr/>
+              <a:t> </a:t>
+            </a:r>
+            <a:r>
+              <a:rPr/>
+              <a:t>algorithm</a:t>
+            </a:r>
+            <a:r>
+              <a:rPr/>
+              <a:t> </a:t>
+            </a:r>
+            <a:r>
+              <a:rPr/>
+              <a:t>we’d</a:t>
+            </a:r>
+            <a:r>
+              <a:rPr/>
+              <a:t> </a:t>
+            </a:r>
+            <a:r>
+              <a:rPr/>
+              <a:t>write</a:t>
+            </a:r>
+            <a:r>
+              <a:rPr/>
+              <a:t> </a:t>
+            </a:r>
+            <a:r>
+              <a:rPr/>
+              <a:t>for</a:t>
+            </a:r>
+            <a:r>
+              <a:rPr/>
+              <a:t> </a:t>
+            </a:r>
+            <a:r>
+              <a:rPr/>
+              <a:t>this</a:t>
+            </a:r>
+            <a:r>
+              <a:rPr/>
+              <a:t> </a:t>
+            </a:r>
+            <a:r>
+              <a:rPr/>
+              <a:t>process?</a:t>
+            </a:r>
+          </a:p>
+          <a:p>
+            <a:pPr lvl="0" marL="0" indent="0">
+              <a:buNone/>
+            </a:pPr>
+          </a:p>
+          <a:p>
+            <a:pPr lvl="0" marL="1270000" indent="0">
+              <a:buNone/>
+            </a:pPr>
+            <a:r>
+              <a:rPr sz="2000"/>
+              <a:t>Tip!</a:t>
+            </a:r>
+            <a:r>
+              <a:rPr sz="2000"/>
+              <a:t> </a:t>
+            </a:r>
+            <a:r>
+              <a:rPr sz="2000"/>
+              <a:t>Sample</a:t>
+            </a:r>
+            <a:r>
+              <a:rPr sz="2000"/>
+              <a:t> </a:t>
+            </a:r>
+            <a:r>
+              <a:rPr sz="2000"/>
+              <a:t>algorithm</a:t>
+            </a:r>
+            <a:r>
+              <a:rPr sz="2000"/>
+              <a:t> </a:t>
+            </a:r>
+            <a:r>
+              <a:rPr sz="2000"/>
+              <a:t>for</a:t>
+            </a:r>
+            <a:r>
+              <a:rPr sz="2000"/>
+              <a:t> </a:t>
+            </a:r>
+            <a:r>
+              <a:rPr sz="2000"/>
+              <a:t>creating</a:t>
+            </a:r>
+            <a:r>
+              <a:rPr sz="2000"/>
+              <a:t> </a:t>
+            </a:r>
+            <a:r>
+              <a:rPr sz="2000"/>
+              <a:t>pet</a:t>
+            </a:r>
+            <a:r>
+              <a:rPr sz="2000"/>
+              <a:t> </a:t>
+            </a:r>
+            <a:r>
+              <a:rPr sz="2000"/>
+              <a:t>pages</a:t>
+            </a:r>
+            <a:r>
+              <a:rPr sz="2000"/>
+              <a:t> </a:t>
+            </a:r>
+            <a:r>
+              <a:rPr sz="2000"/>
+              <a:t>is</a:t>
+            </a:r>
+            <a:r>
+              <a:rPr sz="2000"/>
+              <a:t> </a:t>
+            </a:r>
+            <a:r>
+              <a:rPr sz="2000"/>
+              <a:t>here:</a:t>
+            </a:r>
+          </a:p>
+          <a:p>
+            <a:pPr lvl="0" marL="0" indent="0">
+              <a:buNone/>
+            </a:pPr>
+          </a:p>
+          <a:p>
+            <a:pPr lvl="1"/>
+            <a:r>
+              <a:rPr sz="2000"/>
+              <a:t>Open</a:t>
+            </a:r>
+            <a:r>
+              <a:rPr sz="2000"/>
+              <a:t> </a:t>
+            </a:r>
+            <a:r>
+              <a:rPr sz="2000"/>
+              <a:t>text</a:t>
+            </a:r>
+            <a:r>
+              <a:rPr sz="2000"/>
+              <a:t> </a:t>
+            </a:r>
+            <a:r>
+              <a:rPr sz="2000"/>
+              <a:t>editor,</a:t>
+            </a:r>
+            <a:r>
+              <a:rPr sz="2000"/>
+              <a:t> </a:t>
+            </a:r>
+            <a:r>
+              <a:rPr sz="2000"/>
+              <a:t>save</a:t>
+            </a:r>
+            <a:r>
+              <a:rPr sz="2000"/>
+              <a:t> </a:t>
+            </a:r>
+            <a:r>
+              <a:rPr sz="2000"/>
+              <a:t>new</a:t>
+            </a:r>
+            <a:r>
+              <a:rPr sz="2000"/>
+              <a:t> </a:t>
+            </a:r>
+            <a:r>
+              <a:rPr sz="2000"/>
+              <a:t>document</a:t>
+            </a:r>
+            <a:r>
+              <a:rPr sz="2000"/>
+              <a:t> </a:t>
+            </a:r>
+            <a:r>
+              <a:rPr sz="2000"/>
+              <a:t>as</a:t>
+            </a:r>
+            <a:r>
+              <a:rPr sz="2000"/>
+              <a:t> </a:t>
+            </a:r>
+            <a:r>
+              <a:rPr sz="2000"/>
+              <a:t>.HTML</a:t>
+            </a:r>
+          </a:p>
+          <a:p>
+            <a:pPr lvl="0" marL="0" indent="0">
+              <a:buNone/>
+            </a:pPr>
+          </a:p>
+          <a:p>
+            <a:pPr lvl="1"/>
+            <a:r>
+              <a:rPr sz="2000"/>
+              <a:t>Type</a:t>
+            </a:r>
+            <a:r>
+              <a:rPr sz="2000"/>
+              <a:t> </a:t>
+            </a:r>
+            <a:r>
+              <a:rPr sz="2000"/>
+              <a:t>or</a:t>
+            </a:r>
+            <a:r>
+              <a:rPr sz="2000"/>
+              <a:t> </a:t>
+            </a:r>
+            <a:r>
+              <a:rPr sz="2000"/>
+              <a:t>paste</a:t>
+            </a:r>
+            <a:r>
+              <a:rPr sz="2000"/>
+              <a:t> </a:t>
+            </a:r>
+            <a:r>
+              <a:rPr sz="2000"/>
+              <a:t>in</a:t>
+            </a:r>
+            <a:r>
+              <a:rPr sz="2000"/>
+              <a:t> </a:t>
+            </a:r>
+            <a:r>
+              <a:rPr sz="2000"/>
+              <a:t>content</a:t>
+            </a:r>
+            <a:r>
+              <a:rPr sz="2000"/>
+              <a:t> </a:t>
+            </a:r>
+            <a:r>
+              <a:rPr sz="2000"/>
+              <a:t>for</a:t>
+            </a:r>
+            <a:r>
+              <a:rPr sz="2000"/>
+              <a:t> </a:t>
+            </a:r>
+            <a:r>
+              <a:rPr sz="2000"/>
+              <a:t>first</a:t>
+            </a:r>
+            <a:r>
+              <a:rPr sz="2000"/>
+              <a:t> </a:t>
+            </a:r>
+            <a:r>
+              <a:rPr sz="2000"/>
+              <a:t>pet</a:t>
+            </a:r>
+            <a:r>
+              <a:rPr sz="2000"/>
+              <a:t> </a:t>
+            </a:r>
+            <a:r>
+              <a:rPr sz="2000"/>
+              <a:t>page</a:t>
+            </a:r>
+          </a:p>
+          <a:p>
+            <a:pPr lvl="0" marL="0" indent="0">
+              <a:buNone/>
+            </a:pPr>
+          </a:p>
+          <a:p>
+            <a:pPr lvl="2"/>
+            <a:r>
+              <a:rPr sz="2000"/>
+              <a:t>Pet</a:t>
+            </a:r>
+            <a:r>
+              <a:rPr sz="2000"/>
+              <a:t> </a:t>
+            </a:r>
+            <a:r>
+              <a:rPr sz="2000"/>
+              <a:t>Name:</a:t>
+            </a:r>
+          </a:p>
+          <a:p>
+            <a:pPr lvl="0" marL="0" indent="0">
+              <a:buNone/>
+            </a:pPr>
+          </a:p>
+          <a:p>
+            <a:pPr lvl="2"/>
+            <a:r>
+              <a:rPr sz="2000"/>
+              <a:t>Location:</a:t>
+            </a:r>
+          </a:p>
+          <a:p>
+            <a:pPr lvl="0" marL="0" indent="0">
+              <a:buNone/>
+            </a:pPr>
+          </a:p>
+          <a:p>
+            <a:pPr lvl="2"/>
+            <a:r>
+              <a:rPr sz="2000"/>
+              <a:t>Image:</a:t>
+            </a:r>
+          </a:p>
+          <a:p>
+            <a:pPr lvl="0" marL="0" indent="0">
+              <a:buNone/>
+            </a:pPr>
+          </a:p>
+          <a:p>
+            <a:pPr lvl="2"/>
+            <a:r>
+              <a:rPr sz="2000"/>
+              <a:t>Age:</a:t>
+            </a:r>
+          </a:p>
+          <a:p>
+            <a:pPr lvl="0" marL="0" indent="0">
+              <a:buNone/>
+            </a:pPr>
+          </a:p>
+          <a:p>
+            <a:pPr lvl="2"/>
+            <a:r>
+              <a:rPr sz="2000"/>
+              <a:t>Traits:</a:t>
+            </a:r>
+          </a:p>
+          <a:p>
+            <a:pPr lvl="0" marL="0" indent="0">
+              <a:buNone/>
+            </a:pPr>
+          </a:p>
+          <a:p>
+            <a:pPr lvl="2"/>
+            <a:r>
+              <a:rPr sz="2000"/>
+              <a:t>Available</a:t>
+            </a:r>
+            <a:r>
+              <a:rPr sz="2000"/>
+              <a:t> </a:t>
+            </a:r>
+            <a:r>
+              <a:rPr sz="2000"/>
+              <a:t>to</a:t>
+            </a:r>
+            <a:r>
+              <a:rPr sz="2000"/>
+              <a:t> </a:t>
+            </a:r>
+            <a:r>
+              <a:rPr sz="2000"/>
+              <a:t>Adopt</a:t>
+            </a:r>
+            <a:r>
+              <a:rPr sz="2000"/>
+              <a:t> </a:t>
+            </a:r>
+            <a:r>
+              <a:rPr sz="2000"/>
+              <a:t>(yes/no):</a:t>
+            </a:r>
+          </a:p>
+          <a:p>
+            <a:pPr lvl="0" marL="0" indent="0">
+              <a:buNone/>
+            </a:pPr>
+          </a:p>
+          <a:p>
+            <a:pPr lvl="2"/>
+            <a:r>
+              <a:rPr sz="2000"/>
+              <a:t>Comment:</a:t>
+            </a:r>
+          </a:p>
+          <a:p>
+            <a:pPr lvl="0" marL="0" indent="0">
+              <a:buNone/>
+            </a:pPr>
+          </a:p>
+          <a:p>
+            <a:pPr lvl="1"/>
+            <a:r>
+              <a:rPr sz="2000"/>
+              <a:t>Mark</a:t>
+            </a:r>
+            <a:r>
+              <a:rPr sz="2000"/>
+              <a:t> </a:t>
+            </a:r>
+            <a:r>
+              <a:rPr sz="2000"/>
+              <a:t>it</a:t>
+            </a:r>
+            <a:r>
+              <a:rPr sz="2000"/>
+              <a:t> </a:t>
+            </a:r>
+            <a:r>
+              <a:rPr sz="2000"/>
+              <a:t>up</a:t>
+            </a:r>
+            <a:r>
+              <a:rPr sz="2000"/>
+              <a:t> </a:t>
+            </a:r>
+            <a:r>
+              <a:rPr sz="2000"/>
+              <a:t>with</a:t>
+            </a:r>
+            <a:r>
+              <a:rPr sz="2000"/>
+              <a:t> </a:t>
+            </a:r>
+            <a:r>
+              <a:rPr sz="2000"/>
+              <a:t>HTML</a:t>
+            </a:r>
+          </a:p>
+          <a:p>
+            <a:pPr lvl="0" marL="0" indent="0">
+              <a:buNone/>
+            </a:pPr>
+          </a:p>
+          <a:p>
+            <a:pPr lvl="2"/>
+            <a:r>
+              <a:rPr sz="2000"/>
+              <a:t>Add</a:t>
+            </a:r>
+            <a:r>
+              <a:rPr sz="2000"/>
+              <a:t> </a:t>
+            </a:r>
+            <a:r>
+              <a:rPr sz="2000"/>
+              <a:t>styles</a:t>
+            </a:r>
+            <a:r>
+              <a:rPr sz="2000"/>
+              <a:t> </a:t>
+            </a:r>
+            <a:r>
+              <a:rPr sz="2000"/>
+              <a:t>for</a:t>
+            </a:r>
+            <a:r>
+              <a:rPr sz="2000"/>
+              <a:t> </a:t>
+            </a:r>
+            <a:r>
+              <a:rPr sz="2000"/>
+              <a:t>each</a:t>
+            </a:r>
+            <a:r>
+              <a:rPr sz="2000"/>
+              <a:t> </a:t>
+            </a:r>
+            <a:r>
+              <a:rPr sz="2000"/>
+              <a:t>type</a:t>
+            </a:r>
+            <a:r>
+              <a:rPr sz="2000"/>
+              <a:t> </a:t>
+            </a:r>
+            <a:r>
+              <a:rPr sz="2000"/>
+              <a:t>of</a:t>
+            </a:r>
+            <a:r>
+              <a:rPr sz="2000"/>
+              <a:t> </a:t>
+            </a:r>
+            <a:r>
+              <a:rPr sz="2000"/>
+              <a:t>data</a:t>
+            </a:r>
+            <a:r>
+              <a:rPr sz="2000"/>
+              <a:t> </a:t>
+            </a:r>
+            <a:r>
+              <a:rPr sz="2000"/>
+              <a:t>using</a:t>
+            </a:r>
+            <a:r>
+              <a:rPr sz="2000"/>
+              <a:t> </a:t>
+            </a:r>
+            <a:r>
+              <a:rPr sz="2000"/>
+              <a:t>CSS</a:t>
+            </a:r>
+          </a:p>
+          <a:p>
+            <a:pPr lvl="0" marL="0" indent="0">
+              <a:buNone/>
+            </a:pPr>
+          </a:p>
+          <a:p>
+            <a:pPr lvl="2"/>
+            <a:r>
+              <a:rPr sz="2000"/>
+              <a:t>Save,</a:t>
+            </a:r>
+            <a:r>
+              <a:rPr sz="2000"/>
+              <a:t> </a:t>
+            </a:r>
+            <a:r>
+              <a:rPr sz="2000"/>
+              <a:t>and</a:t>
+            </a:r>
+            <a:r>
+              <a:rPr sz="2000"/>
+              <a:t> </a:t>
+            </a:r>
+            <a:r>
+              <a:rPr sz="2000"/>
+              <a:t>check</a:t>
+            </a:r>
+            <a:r>
+              <a:rPr sz="2000"/>
+              <a:t> </a:t>
+            </a:r>
+            <a:r>
+              <a:rPr sz="2000"/>
+              <a:t>to</a:t>
+            </a:r>
+            <a:r>
+              <a:rPr sz="2000"/>
+              <a:t> </a:t>
+            </a:r>
+            <a:r>
+              <a:rPr sz="2000"/>
+              <a:t>see</a:t>
+            </a:r>
+            <a:r>
+              <a:rPr sz="2000"/>
+              <a:t> </a:t>
+            </a:r>
+            <a:r>
+              <a:rPr sz="2000"/>
+              <a:t>that</a:t>
+            </a:r>
+            <a:r>
+              <a:rPr sz="2000"/>
+              <a:t> </a:t>
+            </a:r>
+            <a:r>
+              <a:rPr sz="2000"/>
+              <a:t>it</a:t>
+            </a:r>
+            <a:r>
+              <a:rPr sz="2000"/>
+              <a:t> </a:t>
+            </a:r>
+            <a:r>
+              <a:rPr sz="2000"/>
+              <a:t>works</a:t>
+            </a:r>
+            <a:r>
+              <a:rPr sz="2000"/>
+              <a:t> </a:t>
+            </a:r>
+            <a:r>
+              <a:rPr sz="2000"/>
+              <a:t>in</a:t>
+            </a:r>
+            <a:r>
+              <a:rPr sz="2000"/>
+              <a:t> </a:t>
+            </a:r>
+            <a:r>
+              <a:rPr sz="2000"/>
+              <a:t>browser</a:t>
+            </a:r>
+          </a:p>
+          <a:p>
+            <a:pPr lvl="0" marL="0" indent="0">
+              <a:buNone/>
+            </a:pPr>
+          </a:p>
+          <a:p>
+            <a:pPr lvl="2"/>
+            <a:r>
+              <a:rPr sz="2000"/>
+              <a:t>Open</a:t>
+            </a:r>
+            <a:r>
+              <a:rPr sz="2000"/>
+              <a:t> </a:t>
+            </a:r>
+            <a:r>
+              <a:rPr sz="2000"/>
+              <a:t>text</a:t>
+            </a:r>
+            <a:r>
+              <a:rPr sz="2000"/>
+              <a:t> </a:t>
+            </a:r>
+            <a:r>
+              <a:rPr sz="2000"/>
+              <a:t>editor,</a:t>
+            </a:r>
+            <a:r>
+              <a:rPr sz="2000"/>
+              <a:t> </a:t>
+            </a:r>
+            <a:r>
+              <a:rPr sz="2000"/>
+              <a:t>save</a:t>
+            </a:r>
+            <a:r>
+              <a:rPr sz="2000"/>
+              <a:t> </a:t>
+            </a:r>
+            <a:r>
+              <a:rPr sz="2000"/>
+              <a:t>new</a:t>
+            </a:r>
+            <a:r>
+              <a:rPr sz="2000"/>
+              <a:t> </a:t>
+            </a:r>
+            <a:r>
+              <a:rPr sz="2000"/>
+              <a:t>document</a:t>
+            </a:r>
+            <a:r>
+              <a:rPr sz="2000"/>
+              <a:t> </a:t>
+            </a:r>
+            <a:r>
+              <a:rPr sz="2000"/>
+              <a:t>as</a:t>
+            </a:r>
+            <a:r>
+              <a:rPr sz="2000"/>
+              <a:t> </a:t>
+            </a:r>
+            <a:r>
+              <a:rPr sz="2000"/>
+              <a:t>.HTML</a:t>
+            </a:r>
+          </a:p>
+          <a:p>
+            <a:pPr lvl="0" marL="0" indent="0">
+              <a:buNone/>
+            </a:pPr>
+          </a:p>
+          <a:p>
+            <a:pPr lvl="1"/>
+            <a:r>
+              <a:rPr sz="2000"/>
+              <a:t>Paste</a:t>
+            </a:r>
+            <a:r>
+              <a:rPr sz="2000"/>
+              <a:t> </a:t>
+            </a:r>
+            <a:r>
+              <a:rPr sz="2000"/>
+              <a:t>in</a:t>
+            </a:r>
+            <a:r>
+              <a:rPr sz="2000"/>
+              <a:t> </a:t>
+            </a:r>
+            <a:r>
+              <a:rPr sz="2000"/>
+              <a:t>content</a:t>
+            </a:r>
+            <a:r>
+              <a:rPr sz="2000"/>
+              <a:t> </a:t>
+            </a:r>
+            <a:r>
+              <a:rPr sz="2000"/>
+              <a:t>for</a:t>
+            </a:r>
+            <a:r>
+              <a:rPr sz="2000"/>
+              <a:t> </a:t>
+            </a:r>
+            <a:r>
+              <a:rPr sz="2000"/>
+              <a:t>next</a:t>
+            </a:r>
+            <a:r>
+              <a:rPr sz="2000"/>
+              <a:t> </a:t>
+            </a:r>
+            <a:r>
+              <a:rPr sz="2000"/>
+              <a:t>pet</a:t>
+            </a:r>
+            <a:r>
+              <a:rPr sz="2000"/>
+              <a:t> </a:t>
+            </a:r>
+            <a:r>
+              <a:rPr sz="2000"/>
+              <a:t>page</a:t>
+            </a:r>
+          </a:p>
+          <a:p>
+            <a:pPr lvl="0" marL="0" indent="0">
+              <a:buNone/>
+            </a:pPr>
+          </a:p>
+          <a:p>
+            <a:pPr lvl="2"/>
+            <a:r>
+              <a:rPr sz="2000"/>
+              <a:t>Pet</a:t>
+            </a:r>
+            <a:r>
+              <a:rPr sz="2000"/>
+              <a:t> </a:t>
+            </a:r>
+            <a:r>
+              <a:rPr sz="2000"/>
+              <a:t>Name:</a:t>
+            </a:r>
+          </a:p>
+          <a:p>
+            <a:pPr lvl="0" marL="0" indent="0">
+              <a:buNone/>
+            </a:pPr>
+          </a:p>
+          <a:p>
+            <a:pPr lvl="2"/>
+            <a:r>
+              <a:rPr sz="2000"/>
+              <a:t>Location:</a:t>
+            </a:r>
+          </a:p>
+          <a:p>
+            <a:pPr lvl="0" marL="0" indent="0">
+              <a:buNone/>
+            </a:pPr>
+          </a:p>
+          <a:p>
+            <a:pPr lvl="2"/>
+            <a:r>
+              <a:rPr sz="2000"/>
+              <a:t>Image:</a:t>
+            </a:r>
+          </a:p>
+          <a:p>
+            <a:pPr lvl="0" marL="0" indent="0">
+              <a:buNone/>
+            </a:pPr>
+          </a:p>
+          <a:p>
+            <a:pPr lvl="2"/>
+            <a:r>
+              <a:rPr sz="2000"/>
+              <a:t>Age:</a:t>
+            </a:r>
+          </a:p>
+          <a:p>
+            <a:pPr lvl="0" marL="0" indent="0">
+              <a:buNone/>
+            </a:pPr>
+          </a:p>
+          <a:p>
+            <a:pPr lvl="2"/>
+            <a:r>
+              <a:rPr sz="2000"/>
+              <a:t>Traits:</a:t>
+            </a:r>
+          </a:p>
+          <a:p>
+            <a:pPr lvl="0" marL="0" indent="0">
+              <a:buNone/>
+            </a:pPr>
+          </a:p>
+          <a:p>
+            <a:pPr lvl="2"/>
+            <a:r>
+              <a:rPr sz="2000"/>
+              <a:t>Available</a:t>
+            </a:r>
+            <a:r>
+              <a:rPr sz="2000"/>
+              <a:t> </a:t>
+            </a:r>
+            <a:r>
+              <a:rPr sz="2000"/>
+              <a:t>to</a:t>
+            </a:r>
+            <a:r>
+              <a:rPr sz="2000"/>
+              <a:t> </a:t>
+            </a:r>
+            <a:r>
+              <a:rPr sz="2000"/>
+              <a:t>Adopt</a:t>
+            </a:r>
+            <a:r>
+              <a:rPr sz="2000"/>
+              <a:t> </a:t>
+            </a:r>
+            <a:r>
+              <a:rPr sz="2000"/>
+              <a:t>(yes/no):</a:t>
+            </a:r>
+          </a:p>
+          <a:p>
+            <a:pPr lvl="0" marL="0" indent="0">
+              <a:buNone/>
+            </a:pPr>
+          </a:p>
+          <a:p>
+            <a:pPr lvl="2"/>
+            <a:r>
+              <a:rPr sz="2000"/>
+              <a:t>Comment:</a:t>
+            </a:r>
+          </a:p>
+          <a:p>
+            <a:pPr lvl="0" marL="0" indent="0">
+              <a:buNone/>
+            </a:pPr>
+          </a:p>
+          <a:p>
+            <a:pPr lvl="1"/>
+            <a:r>
+              <a:rPr sz="2000"/>
+              <a:t>Mark</a:t>
+            </a:r>
+            <a:r>
+              <a:rPr sz="2000"/>
+              <a:t> </a:t>
+            </a:r>
+            <a:r>
+              <a:rPr sz="2000"/>
+              <a:t>it</a:t>
+            </a:r>
+            <a:r>
+              <a:rPr sz="2000"/>
+              <a:t> </a:t>
+            </a:r>
+            <a:r>
+              <a:rPr sz="2000"/>
+              <a:t>up</a:t>
+            </a:r>
+            <a:r>
+              <a:rPr sz="2000"/>
+              <a:t> </a:t>
+            </a:r>
+            <a:r>
+              <a:rPr sz="2000"/>
+              <a:t>with</a:t>
+            </a:r>
+            <a:r>
+              <a:rPr sz="2000"/>
+              <a:t> </a:t>
+            </a:r>
+            <a:r>
+              <a:rPr sz="2000"/>
+              <a:t>HTML</a:t>
+            </a:r>
+          </a:p>
+          <a:p>
+            <a:pPr lvl="0" marL="0" indent="0">
+              <a:buNone/>
+            </a:pPr>
+          </a:p>
+          <a:p>
+            <a:pPr lvl="1"/>
+            <a:r>
+              <a:rPr sz="2000"/>
+              <a:t>Add</a:t>
+            </a:r>
+            <a:r>
+              <a:rPr sz="2000"/>
+              <a:t> </a:t>
+            </a:r>
+            <a:r>
+              <a:rPr sz="2000"/>
+              <a:t>styles</a:t>
+            </a:r>
+            <a:r>
+              <a:rPr sz="2000"/>
+              <a:t> </a:t>
+            </a:r>
+            <a:r>
+              <a:rPr sz="2000"/>
+              <a:t>using</a:t>
+            </a:r>
+            <a:r>
+              <a:rPr sz="2000"/>
+              <a:t> </a:t>
+            </a:r>
+            <a:r>
+              <a:rPr sz="2000"/>
+              <a:t>CSS</a:t>
+            </a:r>
+          </a:p>
+          <a:p>
+            <a:pPr lvl="0" marL="0" indent="0">
+              <a:buNone/>
+            </a:pPr>
+          </a:p>
+          <a:p>
+            <a:pPr lvl="1"/>
+            <a:r>
+              <a:rPr sz="2000"/>
+              <a:t>Save,</a:t>
+            </a:r>
+            <a:r>
+              <a:rPr sz="2000"/>
+              <a:t> </a:t>
+            </a:r>
+            <a:r>
+              <a:rPr sz="2000"/>
+              <a:t>and</a:t>
+            </a:r>
+            <a:r>
+              <a:rPr sz="2000"/>
+              <a:t> </a:t>
+            </a:r>
+            <a:r>
+              <a:rPr sz="2000"/>
+              <a:t>check</a:t>
+            </a:r>
+            <a:r>
+              <a:rPr sz="2000"/>
+              <a:t> </a:t>
+            </a:r>
+            <a:r>
+              <a:rPr sz="2000"/>
+              <a:t>to</a:t>
+            </a:r>
+            <a:r>
+              <a:rPr sz="2000"/>
+              <a:t> </a:t>
+            </a:r>
+            <a:r>
+              <a:rPr sz="2000"/>
+              <a:t>see</a:t>
+            </a:r>
+            <a:r>
+              <a:rPr sz="2000"/>
+              <a:t> </a:t>
+            </a:r>
+            <a:r>
+              <a:rPr sz="2000"/>
+              <a:t>that</a:t>
+            </a:r>
+            <a:r>
+              <a:rPr sz="2000"/>
+              <a:t> </a:t>
+            </a:r>
+            <a:r>
+              <a:rPr sz="2000"/>
+              <a:t>it</a:t>
+            </a:r>
+            <a:r>
+              <a:rPr sz="2000"/>
+              <a:t> </a:t>
+            </a:r>
+            <a:r>
+              <a:rPr sz="2000"/>
+              <a:t>works</a:t>
+            </a:r>
+            <a:r>
+              <a:rPr sz="2000"/>
+              <a:t> </a:t>
+            </a:r>
+            <a:r>
+              <a:rPr sz="2000"/>
+              <a:t>in</a:t>
+            </a:r>
+            <a:r>
+              <a:rPr sz="2000"/>
+              <a:t> </a:t>
+            </a:r>
+            <a:r>
+              <a:rPr sz="2000"/>
+              <a:t>browser</a:t>
+            </a:r>
+          </a:p>
+          <a:p>
+            <a:pPr lvl="0" marL="0" indent="0">
+              <a:buNone/>
+            </a:pPr>
+          </a:p>
+          <a:p>
+            <a:pPr lvl="1"/>
+            <a:r>
+              <a:rPr sz="2000"/>
+              <a:t>(Repeat</a:t>
+            </a:r>
+            <a:r>
+              <a:rPr sz="2000"/>
+              <a:t> </a:t>
+            </a:r>
+            <a:r>
+              <a:rPr sz="2000"/>
+              <a:t>x</a:t>
+            </a:r>
+            <a:r>
+              <a:rPr sz="2000"/>
+              <a:t> </a:t>
+            </a:r>
+            <a:r>
+              <a:rPr sz="2000"/>
+              <a:t>times)</a:t>
+            </a:r>
+          </a:p>
+          <a:p>
+            <a:pPr lvl="0" marL="0" indent="0">
+              <a:buNone/>
+            </a:pPr>
+          </a:p>
+          <a:p>
+            <a:pPr lvl="1"/>
+            <a:r>
+              <a:rPr/>
               <a:t>Ask</a:t>
             </a:r>
             <a:r>
@@ -6734,7 +7715,7 @@
           <a:p>
             <a:fld id="{18BDFEC3-8487-43E8-A154-7C12CBC1FFF2}" type="slidenum">
               <a:rPr lang="en-US"/>
-              <a:t>7</a:t>
+              <a:t>8</a:t>
             </a:fld>
             <a:endParaRPr lang="en-US"/>
           </a:p>
@@ -7770,7 +8751,7 @@
           <a:p>
             <a:fld id="{18BDFEC3-8487-43E8-A154-7C12CBC1FFF2}" type="slidenum">
               <a:rPr lang="en-US"/>
-              <a:t>13</a:t>
+              <a:t>16</a:t>
             </a:fld>
             <a:endParaRPr lang="en-US"/>
           </a:p>
@@ -9566,7 +10547,7 @@
           <a:p>
             <a:fld id="{18BDFEC3-8487-43E8-A154-7C12CBC1FFF2}" type="slidenum">
               <a:rPr lang="en-US"/>
-              <a:t>14</a:t>
+              <a:t>17</a:t>
             </a:fld>
             <a:endParaRPr lang="en-US"/>
           </a:p>
@@ -12655,6 +13636,39 @@
       </p:grpSpPr>
       <p:sp>
         <p:nvSpPr>
+          <p:cNvPr id="2" name="Title 1"/>
+          <p:cNvSpPr>
+            <a:spLocks noGrp="1"/>
+          </p:cNvSpPr>
+          <p:nvPr>
+            <p:ph type="title"/>
+          </p:nvPr>
+        </p:nvSpPr>
+        <p:spPr/>
+        <p:txBody>
+          <a:bodyPr/>
+          <a:lstStyle/>
+          <a:p>
+            <a:pPr lvl="0" marL="0" indent="0">
+              <a:buNone/>
+            </a:pPr>
+            <a:r>
+              <a:rPr/>
+              <a:t>Web</a:t>
+            </a:r>
+            <a:r>
+              <a:rPr/>
+              <a:t> </a:t>
+            </a:r>
+            <a:r>
+              <a:rPr/>
+              <a:t>Builders</a:t>
+            </a:r>
+          </a:p>
+        </p:txBody>
+      </p:sp>
+      <p:sp>
+        <p:nvSpPr>
           <p:cNvPr id="3" name="Content Placeholder 2"/>
           <p:cNvSpPr>
             <a:spLocks noGrp="1"/>
@@ -12668,12 +13682,52 @@
           <a:bodyPr/>
           <a:lstStyle/>
           <a:p>
-            <a:pPr lvl="0" marL="0" indent="0">
-              <a:buNone/>
-            </a:pPr>
-            <a:r>
-              <a:rPr/>
-              <a:t> pet data cut up</a:t>
+            <a:pPr lvl="1"/>
+            <a:r>
+              <a:rPr/>
+              <a:t>These web builder tools, in their most basic form, combine four elements. We’ll talk about how they work together.</a:t>
+            </a:r>
+          </a:p>
+          <a:p>
+            <a:pPr lvl="2"/>
+            <a:r>
+              <a:rPr/>
+              <a:t>Content stored in a database</a:t>
+            </a:r>
+          </a:p>
+          <a:p>
+            <a:pPr lvl="2"/>
+            <a:r>
+              <a:rPr/>
+              <a:t>HTML templates</a:t>
+            </a:r>
+          </a:p>
+          <a:p>
+            <a:pPr lvl="2"/>
+            <a:r>
+              <a:rPr/>
+              <a:t>CSS design rules</a:t>
+            </a:r>
+          </a:p>
+          <a:p>
+            <a:pPr lvl="1"/>
+            <a:r>
+              <a:rPr/>
+              <a:t>Some code that runs on the to bring all these together, on the fly (PHP, Python, Ruby, Javascript)</a:t>
+            </a:r>
+          </a:p>
+          <a:p>
+            <a:pPr lvl="1"/>
+            <a:r>
+              <a:rPr/>
+              <a:t>A user simple interface for entering content.</a:t>
+            </a:r>
+          </a:p>
+          <a:p>
+            <a:pPr lvl="2"/>
+            <a:r>
+              <a:rPr/>
+              <a:t>This interface hides the html, css, and any code from the user. They are sometimes drag-and-drop, or you type in your content and make some simple selections. But we’re going to explore how the web builders work behind the scenes, once all your stuff is entered in the database.</a:t>
             </a:r>
           </a:p>
         </p:txBody>
@@ -12720,15 +13774,23 @@
             </a:pPr>
             <a:r>
               <a:rPr/>
-              <a:t>HTML</a:t>
-            </a:r>
-            <a:r>
-              <a:rPr/>
-              <a:t> </a:t>
-            </a:r>
-            <a:r>
-              <a:rPr/>
-              <a:t>template</a:t>
+              <a:t>Building</a:t>
+            </a:r>
+            <a:r>
+              <a:rPr/>
+              <a:t> </a:t>
+            </a:r>
+            <a:r>
+              <a:rPr/>
+              <a:t>Pet</a:t>
+            </a:r>
+            <a:r>
+              <a:rPr/>
+              <a:t> </a:t>
+            </a:r>
+            <a:r>
+              <a:rPr/>
+              <a:t>Pages</a:t>
             </a:r>
           </a:p>
         </p:txBody>
@@ -12751,14 +13813,21 @@
             <a:pPr lvl="1"/>
             <a:r>
               <a:rPr/>
-              <a:t>Create an HTML template for the pet page. We’ll leave some blanks where the content will go.</a:t>
+              <a:t>Let’s see how this is done, for our pet site, on paper. First we need our 4 ingredients!</a:t>
+            </a:r>
+          </a:p>
+          <a:p>
+            <a:pPr lvl="2"/>
+            <a:r>
+              <a:rPr/>
+              <a:t>Content in the database</a:t>
             </a:r>
           </a:p>
           <a:p>
             <a:pPr lvl="1"/>
             <a:r>
               <a:rPr/>
-              <a:t>See example: html page</a:t>
+              <a:t>We’ll cut our sheets up, because we’re going to want to access pieces of data separately.</a:t>
             </a:r>
           </a:p>
         </p:txBody>
@@ -12785,64 +13854,70 @@
           <a:chExt cx="0" cy="0"/>
         </a:xfrm>
       </p:grpSpPr>
+      <p:pic>
+        <p:nvPicPr>
+          <p:cNvPr descr="../images/petprofiles.JPG" id="0" name="Picture 1"/>
+          <p:cNvPicPr>
+            <a:picLocks noGrp="1" noChangeAspect="1"/>
+          </p:cNvPicPr>
+          <p:nvPr/>
+        </p:nvPicPr>
+        <p:blipFill>
+          <a:blip r:embed="rId2"/>
+          <a:stretch>
+            <a:fillRect/>
+          </a:stretch>
+        </p:blipFill>
+        <p:spPr bwMode="auto">
+          <a:xfrm>
+            <a:off x="1892300" y="1600200"/>
+            <a:ext cx="5346700" cy="4013200"/>
+          </a:xfrm>
+          <a:prstGeom prst="rect">
+            <a:avLst/>
+          </a:prstGeom>
+          <a:noFill/>
+          <a:ln w="9525">
+            <a:noFill/>
+            <a:headEnd/>
+            <a:tailEnd/>
+          </a:ln>
+        </p:spPr>
+      </p:pic>
       <p:sp>
         <p:nvSpPr>
-          <p:cNvPr id="2" name="Title 1"/>
-          <p:cNvSpPr>
-            <a:spLocks noGrp="1"/>
-          </p:cNvSpPr>
-          <p:nvPr>
-            <p:ph type="title"/>
-          </p:nvPr>
+          <p:cNvPr id="1" name="TextBox 3"/>
+          <p:cNvSpPr txBox="1"/>
+          <p:nvPr/>
         </p:nvSpPr>
-        <p:spPr/>
+        <p:spPr>
+          <a:xfrm>
+            <a:off x="457200" y="5613400"/>
+            <a:ext cx="8229600" cy="508000"/>
+          </a:xfrm>
+          <a:prstGeom prst="rect">
+            <a:avLst/>
+          </a:prstGeom>
+          <a:noFill/>
+        </p:spPr>
         <p:txBody>
           <a:bodyPr/>
           <a:lstStyle/>
           <a:p>
-            <a:pPr lvl="0" marL="0" indent="0">
+            <a:pPr lvl="0" marL="0" indent="0" algn="ctr">
               <a:buNone/>
             </a:pPr>
             <a:r>
               <a:rPr/>
-              <a:t>CSS</a:t>
-            </a:r>
-          </a:p>
-        </p:txBody>
-      </p:sp>
-      <p:sp>
-        <p:nvSpPr>
-          <p:cNvPr id="3" name="Content Placeholder 2"/>
-          <p:cNvSpPr>
-            <a:spLocks noGrp="1"/>
-          </p:cNvSpPr>
-          <p:nvPr>
-            <p:ph idx="1"/>
-          </p:nvPr>
-        </p:nvSpPr>
-        <p:spPr/>
-        <p:txBody>
-          <a:bodyPr/>
-          <a:lstStyle/>
-          <a:p>
-            <a:pPr lvl="1"/>
-            <a:r>
-              <a:rPr/>
-              <a:t>Create some very simple style rules (different for cats, dogs, lizards).</a:t>
-            </a:r>
-          </a:p>
-          <a:p>
-            <a:pPr lvl="1"/>
-            <a:r>
-              <a:rPr/>
-              <a:t>Background color of the page</a:t>
-            </a:r>
-          </a:p>
-          <a:p>
-            <a:pPr lvl="1"/>
-            <a:r>
-              <a:rPr/>
-              <a:t>Font size and color stylesheet</a:t>
+              <a:t>pet</a:t>
+            </a:r>
+            <a:r>
+              <a:rPr/>
+              <a:t> </a:t>
+            </a:r>
+            <a:r>
+              <a:rPr/>
+              <a:t>profiles</a:t>
             </a:r>
           </a:p>
         </p:txBody>
@@ -12871,39 +13946,6 @@
       </p:grpSpPr>
       <p:sp>
         <p:nvSpPr>
-          <p:cNvPr id="2" name="Title 1"/>
-          <p:cNvSpPr>
-            <a:spLocks noGrp="1"/>
-          </p:cNvSpPr>
-          <p:nvPr>
-            <p:ph type="title"/>
-          </p:nvPr>
-        </p:nvSpPr>
-        <p:spPr/>
-        <p:txBody>
-          <a:bodyPr/>
-          <a:lstStyle/>
-          <a:p>
-            <a:pPr lvl="0" marL="0" indent="0">
-              <a:buNone/>
-            </a:pPr>
-            <a:r>
-              <a:rPr/>
-              <a:t>Processing</a:t>
-            </a:r>
-            <a:r>
-              <a:rPr/>
-              <a:t> </a:t>
-            </a:r>
-            <a:r>
-              <a:rPr/>
-              <a:t>Instructions</a:t>
-            </a:r>
-          </a:p>
-        </p:txBody>
-      </p:sp>
-      <p:sp>
-        <p:nvSpPr>
           <p:cNvPr id="3" name="Content Placeholder 2"/>
           <p:cNvSpPr>
             <a:spLocks noGrp="1"/>
@@ -12917,10 +13959,12 @@
           <a:bodyPr/>
           <a:lstStyle/>
           <a:p>
-            <a:pPr lvl="1"/>
-            <a:r>
-              <a:rPr/>
-              <a:t>Drop some code instructions into the HTML template to tell the computer how to put it all together. We’ll write these where the blue sticky notes are, where we want our data to go. It’s a bit like fill-in-the blank, or mad libs! html with codeboxes</a:t>
+            <a:pPr lvl="0" marL="0" indent="0">
+              <a:buNone/>
+            </a:pPr>
+            <a:r>
+              <a:rPr/>
+              <a:t> pet data cut up</a:t>
             </a:r>
           </a:p>
         </p:txBody>
@@ -12967,7 +14011,15 @@
             </a:pPr>
             <a:r>
               <a:rPr/>
-              <a:t>pseudo-code</a:t>
+              <a:t>HTML</a:t>
+            </a:r>
+            <a:r>
+              <a:rPr/>
+              <a:t> </a:t>
+            </a:r>
+            <a:r>
+              <a:rPr/>
+              <a:t>template</a:t>
             </a:r>
           </a:p>
         </p:txBody>
@@ -12990,14 +14042,14 @@
             <a:pPr lvl="1"/>
             <a:r>
               <a:rPr/>
-              <a:t>Write the instructions you came up with on the sticky notes add instructions</a:t>
+              <a:t>Create an HTML template for the pet page. We’ll leave some blanks where the content will go.</a:t>
             </a:r>
           </a:p>
           <a:p>
             <a:pPr lvl="1"/>
             <a:r>
               <a:rPr/>
-              <a:t>Now, be the code!</a:t>
+              <a:t>See example: html page</a:t>
             </a:r>
           </a:p>
         </p:txBody>
@@ -13008,6 +14060,245 @@
 </file>
 
 <file path=ppt/slides/slide15.xml><?xml version="1.0" encoding="utf-8"?>
+<p:sld xmlns:a="http://schemas.openxmlformats.org/drawingml/2006/main" xmlns:r="http://schemas.openxmlformats.org/officeDocument/2006/relationships" xmlns:p="http://schemas.openxmlformats.org/presentationml/2006/main">
+  <p:cSld>
+    <p:spTree>
+      <p:nvGrpSpPr>
+        <p:cNvPr id="1" name=""/>
+        <p:cNvGrpSpPr/>
+        <p:nvPr/>
+      </p:nvGrpSpPr>
+      <p:grpSpPr>
+        <a:xfrm>
+          <a:off x="0" y="0"/>
+          <a:ext cx="0" cy="0"/>
+          <a:chOff x="0" y="0"/>
+          <a:chExt cx="0" cy="0"/>
+        </a:xfrm>
+      </p:grpSpPr>
+      <p:sp>
+        <p:nvSpPr>
+          <p:cNvPr id="2" name="Title 1"/>
+          <p:cNvSpPr>
+            <a:spLocks noGrp="1"/>
+          </p:cNvSpPr>
+          <p:nvPr>
+            <p:ph type="title"/>
+          </p:nvPr>
+        </p:nvSpPr>
+        <p:spPr/>
+        <p:txBody>
+          <a:bodyPr/>
+          <a:lstStyle/>
+          <a:p>
+            <a:pPr lvl="0" marL="0" indent="0">
+              <a:buNone/>
+            </a:pPr>
+            <a:r>
+              <a:rPr/>
+              <a:t>CSS</a:t>
+            </a:r>
+          </a:p>
+        </p:txBody>
+      </p:sp>
+      <p:sp>
+        <p:nvSpPr>
+          <p:cNvPr id="3" name="Content Placeholder 2"/>
+          <p:cNvSpPr>
+            <a:spLocks noGrp="1"/>
+          </p:cNvSpPr>
+          <p:nvPr>
+            <p:ph idx="1"/>
+          </p:nvPr>
+        </p:nvSpPr>
+        <p:spPr/>
+        <p:txBody>
+          <a:bodyPr/>
+          <a:lstStyle/>
+          <a:p>
+            <a:pPr lvl="1"/>
+            <a:r>
+              <a:rPr/>
+              <a:t>Create some very simple style rules (different for cats, dogs, lizards).</a:t>
+            </a:r>
+          </a:p>
+          <a:p>
+            <a:pPr lvl="1"/>
+            <a:r>
+              <a:rPr/>
+              <a:t>Background color of the page</a:t>
+            </a:r>
+          </a:p>
+          <a:p>
+            <a:pPr lvl="1"/>
+            <a:r>
+              <a:rPr/>
+              <a:t>Font size and color stylesheet</a:t>
+            </a:r>
+          </a:p>
+        </p:txBody>
+      </p:sp>
+    </p:spTree>
+  </p:cSld>
+</p:sld>
+</file>
+
+<file path=ppt/slides/slide16.xml><?xml version="1.0" encoding="utf-8"?>
+<p:sld xmlns:a="http://schemas.openxmlformats.org/drawingml/2006/main" xmlns:r="http://schemas.openxmlformats.org/officeDocument/2006/relationships" xmlns:p="http://schemas.openxmlformats.org/presentationml/2006/main">
+  <p:cSld>
+    <p:spTree>
+      <p:nvGrpSpPr>
+        <p:cNvPr id="1" name=""/>
+        <p:cNvGrpSpPr/>
+        <p:nvPr/>
+      </p:nvGrpSpPr>
+      <p:grpSpPr>
+        <a:xfrm>
+          <a:off x="0" y="0"/>
+          <a:ext cx="0" cy="0"/>
+          <a:chOff x="0" y="0"/>
+          <a:chExt cx="0" cy="0"/>
+        </a:xfrm>
+      </p:grpSpPr>
+      <p:sp>
+        <p:nvSpPr>
+          <p:cNvPr id="2" name="Title 1"/>
+          <p:cNvSpPr>
+            <a:spLocks noGrp="1"/>
+          </p:cNvSpPr>
+          <p:nvPr>
+            <p:ph type="title"/>
+          </p:nvPr>
+        </p:nvSpPr>
+        <p:spPr/>
+        <p:txBody>
+          <a:bodyPr/>
+          <a:lstStyle/>
+          <a:p>
+            <a:pPr lvl="0" marL="0" indent="0">
+              <a:buNone/>
+            </a:pPr>
+            <a:r>
+              <a:rPr/>
+              <a:t>Processing</a:t>
+            </a:r>
+            <a:r>
+              <a:rPr/>
+              <a:t> </a:t>
+            </a:r>
+            <a:r>
+              <a:rPr/>
+              <a:t>Instructions</a:t>
+            </a:r>
+          </a:p>
+        </p:txBody>
+      </p:sp>
+      <p:sp>
+        <p:nvSpPr>
+          <p:cNvPr id="3" name="Content Placeholder 2"/>
+          <p:cNvSpPr>
+            <a:spLocks noGrp="1"/>
+          </p:cNvSpPr>
+          <p:nvPr>
+            <p:ph idx="1"/>
+          </p:nvPr>
+        </p:nvSpPr>
+        <p:spPr/>
+        <p:txBody>
+          <a:bodyPr/>
+          <a:lstStyle/>
+          <a:p>
+            <a:pPr lvl="1"/>
+            <a:r>
+              <a:rPr/>
+              <a:t>Drop some code instructions into the HTML template to tell the computer how to put it all together. We’ll write these where the blue sticky notes are, where we want our data to go. It’s a bit like fill-in-the blank, or mad libs! html with codeboxes</a:t>
+            </a:r>
+          </a:p>
+        </p:txBody>
+      </p:sp>
+    </p:spTree>
+  </p:cSld>
+</p:sld>
+</file>
+
+<file path=ppt/slides/slide17.xml><?xml version="1.0" encoding="utf-8"?>
+<p:sld xmlns:a="http://schemas.openxmlformats.org/drawingml/2006/main" xmlns:r="http://schemas.openxmlformats.org/officeDocument/2006/relationships" xmlns:p="http://schemas.openxmlformats.org/presentationml/2006/main">
+  <p:cSld>
+    <p:spTree>
+      <p:nvGrpSpPr>
+        <p:cNvPr id="1" name=""/>
+        <p:cNvGrpSpPr/>
+        <p:nvPr/>
+      </p:nvGrpSpPr>
+      <p:grpSpPr>
+        <a:xfrm>
+          <a:off x="0" y="0"/>
+          <a:ext cx="0" cy="0"/>
+          <a:chOff x="0" y="0"/>
+          <a:chExt cx="0" cy="0"/>
+        </a:xfrm>
+      </p:grpSpPr>
+      <p:sp>
+        <p:nvSpPr>
+          <p:cNvPr id="2" name="Title 1"/>
+          <p:cNvSpPr>
+            <a:spLocks noGrp="1"/>
+          </p:cNvSpPr>
+          <p:nvPr>
+            <p:ph type="title"/>
+          </p:nvPr>
+        </p:nvSpPr>
+        <p:spPr/>
+        <p:txBody>
+          <a:bodyPr/>
+          <a:lstStyle/>
+          <a:p>
+            <a:pPr lvl="0" marL="0" indent="0">
+              <a:buNone/>
+            </a:pPr>
+            <a:r>
+              <a:rPr/>
+              <a:t>pseudo-code</a:t>
+            </a:r>
+          </a:p>
+        </p:txBody>
+      </p:sp>
+      <p:sp>
+        <p:nvSpPr>
+          <p:cNvPr id="3" name="Content Placeholder 2"/>
+          <p:cNvSpPr>
+            <a:spLocks noGrp="1"/>
+          </p:cNvSpPr>
+          <p:nvPr>
+            <p:ph idx="1"/>
+          </p:nvPr>
+        </p:nvSpPr>
+        <p:spPr/>
+        <p:txBody>
+          <a:bodyPr/>
+          <a:lstStyle/>
+          <a:p>
+            <a:pPr lvl="1"/>
+            <a:r>
+              <a:rPr/>
+              <a:t>Write the instructions you came up with on the sticky notes add instructions</a:t>
+            </a:r>
+          </a:p>
+          <a:p>
+            <a:pPr lvl="1"/>
+            <a:r>
+              <a:rPr/>
+              <a:t>Now, be the code!</a:t>
+            </a:r>
+          </a:p>
+        </p:txBody>
+      </p:sp>
+    </p:spTree>
+  </p:cSld>
+</p:sld>
+</file>
+
+<file path=ppt/slides/slide18.xml><?xml version="1.0" encoding="utf-8"?>
 <p:sld xmlns:a="http://schemas.openxmlformats.org/drawingml/2006/main" xmlns:r="http://schemas.openxmlformats.org/officeDocument/2006/relationships" xmlns:p="http://schemas.openxmlformats.org/presentationml/2006/main">
   <p:cSld>
     <p:spTree>
@@ -13406,6 +14697,41 @@
           </a:p>
         </p:txBody>
       </p:sp>
+      <p:sp>
+        <p:nvSpPr>
+          <p:cNvPr id="3" name="Content Placeholder 2"/>
+          <p:cNvSpPr>
+            <a:spLocks noGrp="1"/>
+          </p:cNvSpPr>
+          <p:nvPr>
+            <p:ph idx="1"/>
+          </p:nvPr>
+        </p:nvSpPr>
+        <p:spPr/>
+        <p:txBody>
+          <a:bodyPr/>
+          <a:lstStyle/>
+          <a:p>
+            <a:pPr lvl="1"/>
+            <a:r>
+              <a:rPr/>
+              <a:t>On the pet worksheet, you can draw a super simple picture– stick figures are totally fine!</a:t>
+            </a:r>
+          </a:p>
+          <a:p>
+            <a:pPr lvl="0" marL="0" indent="0">
+              <a:spcBef>
+                <a:spcPts val="3000"/>
+              </a:spcBef>
+              <a:buNone/>
+            </a:pPr>
+            <a:r>
+              <a:rPr b="1"/>
+              <a:t>Worksheet 1: Pet Listing</a:t>
+            </a:r>
+          </a:p>
+        </p:txBody>
+      </p:sp>
     </p:spTree>
   </p:cSld>
 </p:sld>
@@ -13428,91 +14754,298 @@
           <a:chExt cx="0" cy="0"/>
         </a:xfrm>
       </p:grpSpPr>
-      <p:sp>
-        <p:nvSpPr>
-          <p:cNvPr id="2" name="Title 1"/>
-          <p:cNvSpPr>
-            <a:spLocks noGrp="1"/>
-          </p:cNvSpPr>
-          <p:nvPr>
-            <p:ph type="title"/>
-          </p:nvPr>
-        </p:nvSpPr>
-        <p:spPr/>
-        <p:txBody>
-          <a:bodyPr/>
-          <a:lstStyle/>
-          <a:p>
-            <a:pPr lvl="0" marL="0" indent="0">
-              <a:buNone/>
-            </a:pPr>
-            <a:r>
-              <a:rPr/>
-              <a:t>Discussion:</a:t>
-            </a:r>
-            <a:r>
-              <a:rPr/>
-              <a:t> </a:t>
-            </a:r>
-            <a:r>
-              <a:rPr/>
-              <a:t>Website</a:t>
-            </a:r>
-            <a:r>
-              <a:rPr/>
-              <a:t> </a:t>
-            </a:r>
-            <a:r>
-              <a:rPr/>
-              <a:t>Creation</a:t>
-            </a:r>
-          </a:p>
-        </p:txBody>
-      </p:sp>
-      <p:sp>
-        <p:nvSpPr>
-          <p:cNvPr id="3" name="Content Placeholder 2"/>
-          <p:cNvSpPr>
-            <a:spLocks noGrp="1"/>
-          </p:cNvSpPr>
+      <p:graphicFrame>
+        <p:nvGraphicFramePr>
+          <p:cNvPr id="6" name="Content Placeholder 5"/>
+          <p:cNvGraphicFramePr>
+            <a:graphicFrameLocks noGrp="1"/>
+          </p:cNvGraphicFramePr>
           <p:nvPr>
             <p:ph idx="1"/>
           </p:nvPr>
-        </p:nvSpPr>
-        <p:spPr/>
-        <p:txBody>
-          <a:bodyPr/>
-          <a:lstStyle/>
-          <a:p>
-            <a:pPr lvl="1"/>
-            <a:r>
-              <a:rPr/>
-              <a:t>Can you think of some static sites— sites that don’t have new content often, or ever?</a:t>
-            </a:r>
-          </a:p>
-          <a:p>
-            <a:pPr lvl="1"/>
-            <a:r>
-              <a:rPr/>
-              <a:t>What are sites that change a lot?</a:t>
-            </a:r>
-          </a:p>
-          <a:p>
-            <a:pPr lvl="1"/>
-            <a:r>
-              <a:rPr/>
-              <a:t>What kinds of sites or pages do we visit most often?</a:t>
-            </a:r>
-          </a:p>
-          <a:p>
-            <a:pPr lvl="1"/>
-            <a:r>
-              <a:rPr/>
-              <a:t>What does this say about the internet?</a:t>
-            </a:r>
-          </a:p>
-        </p:txBody>
-      </p:sp>
+        </p:nvGraphicFramePr>
+        <p:xfrm>
+          <a:off x="457200" y="1600200"/>
+          <a:ext cx="8229600" cy="4521200"/>
+        </p:xfrm>
+        <a:graphic>
+          <a:graphicData uri="http://schemas.openxmlformats.org/drawingml/2006/table">
+            <a:tbl>
+              <a:tblPr firstRow="0" bandRow="1">
+                <a:tableStyleId>{5C22544A-7EE6-4342-B048-85BDC9FD1C3A}</a:tableStyleId>
+              </a:tblPr>
+              <a:tblGrid>
+                <a:gridCol w="4114800"/>
+                <a:gridCol w="4114800"/>
+              </a:tblGrid>
+              <a:tr h="0">
+                <a:tc>
+                  <a:txBody>
+                    <a:bodyPr/>
+                    <a:lstStyle/>
+                    <a:p>
+                      <a:pPr lvl="0" marL="0" indent="0">
+                        <a:buNone/>
+                      </a:pPr>
+                      <a:r>
+                        <a:rPr/>
+                        <a:t>Pet</a:t>
+                      </a:r>
+                      <a:r>
+                        <a:rPr/>
+                        <a:t> </a:t>
+                      </a:r>
+                      <a:r>
+                        <a:rPr/>
+                        <a:t>Name</a:t>
+                      </a:r>
+                    </a:p>
+                  </a:txBody>
+                </a:tc>
+                <a:tc>
+                  <a:txBody>
+                    <a:bodyPr/>
+                    <a:lstStyle/>
+                    <a:p>
+                      <a:endParaRPr/>
+                    </a:p>
+                  </a:txBody>
+                </a:tc>
+              </a:tr>
+              <a:tr h="0">
+                <a:tc>
+                  <a:txBody>
+                    <a:bodyPr/>
+                    <a:lstStyle/>
+                    <a:p>
+                      <a:pPr lvl="0" marL="0" indent="0">
+                        <a:buNone/>
+                      </a:pPr>
+                      <a:r>
+                        <a:rPr/>
+                        <a:t>Picture</a:t>
+                      </a:r>
+                    </a:p>
+                  </a:txBody>
+                </a:tc>
+                <a:tc>
+                  <a:txBody>
+                    <a:bodyPr/>
+                    <a:lstStyle/>
+                    <a:p>
+                      <a:endParaRPr/>
+                    </a:p>
+                  </a:txBody>
+                </a:tc>
+              </a:tr>
+              <a:tr h="0">
+                <a:tc>
+                  <a:txBody>
+                    <a:bodyPr/>
+                    <a:lstStyle/>
+                    <a:p>
+                      <a:pPr lvl="0" marL="0" indent="0">
+                        <a:buNone/>
+                      </a:pPr>
+                      <a:r>
+                        <a:rPr/>
+                        <a:t>Location</a:t>
+                      </a:r>
+                    </a:p>
+                  </a:txBody>
+                </a:tc>
+                <a:tc>
+                  <a:txBody>
+                    <a:bodyPr/>
+                    <a:lstStyle/>
+                    <a:p>
+                      <a:endParaRPr/>
+                    </a:p>
+                  </a:txBody>
+                </a:tc>
+              </a:tr>
+              <a:tr h="0">
+                <a:tc>
+                  <a:txBody>
+                    <a:bodyPr/>
+                    <a:lstStyle/>
+                    <a:p>
+                      <a:pPr lvl="0" marL="0" indent="0">
+                        <a:buNone/>
+                      </a:pPr>
+                      <a:r>
+                        <a:rPr/>
+                        <a:t>Type</a:t>
+                      </a:r>
+                      <a:r>
+                        <a:rPr/>
+                        <a:t> </a:t>
+                      </a:r>
+                      <a:r>
+                        <a:rPr/>
+                        <a:t>(cat,</a:t>
+                      </a:r>
+                      <a:r>
+                        <a:rPr/>
+                        <a:t> </a:t>
+                      </a:r>
+                      <a:r>
+                        <a:rPr/>
+                        <a:t>dog,</a:t>
+                      </a:r>
+                      <a:r>
+                        <a:rPr/>
+                        <a:t> </a:t>
+                      </a:r>
+                      <a:r>
+                        <a:rPr/>
+                        <a:t>etc)</a:t>
+                      </a:r>
+                    </a:p>
+                  </a:txBody>
+                </a:tc>
+                <a:tc>
+                  <a:txBody>
+                    <a:bodyPr/>
+                    <a:lstStyle/>
+                    <a:p>
+                      <a:endParaRPr/>
+                    </a:p>
+                  </a:txBody>
+                </a:tc>
+              </a:tr>
+              <a:tr h="0">
+                <a:tc>
+                  <a:txBody>
+                    <a:bodyPr/>
+                    <a:lstStyle/>
+                    <a:p>
+                      <a:pPr lvl="0" marL="0" indent="0">
+                        <a:buNone/>
+                      </a:pPr>
+                      <a:r>
+                        <a:rPr/>
+                        <a:t>Age</a:t>
+                      </a:r>
+                    </a:p>
+                  </a:txBody>
+                </a:tc>
+                <a:tc>
+                  <a:txBody>
+                    <a:bodyPr/>
+                    <a:lstStyle/>
+                    <a:p>
+                      <a:endParaRPr/>
+                    </a:p>
+                  </a:txBody>
+                </a:tc>
+              </a:tr>
+              <a:tr h="0">
+                <a:tc>
+                  <a:txBody>
+                    <a:bodyPr/>
+                    <a:lstStyle/>
+                    <a:p>
+                      <a:pPr lvl="0" marL="0" indent="0">
+                        <a:buNone/>
+                      </a:pPr>
+                      <a:r>
+                        <a:rPr/>
+                        <a:t>Image</a:t>
+                      </a:r>
+                    </a:p>
+                  </a:txBody>
+                </a:tc>
+                <a:tc>
+                  <a:txBody>
+                    <a:bodyPr/>
+                    <a:lstStyle/>
+                    <a:p>
+                      <a:endParaRPr/>
+                    </a:p>
+                  </a:txBody>
+                </a:tc>
+              </a:tr>
+              <a:tr h="0">
+                <a:tc>
+                  <a:txBody>
+                    <a:bodyPr/>
+                    <a:lstStyle/>
+                    <a:p>
+                      <a:pPr lvl="0" marL="0" indent="0">
+                        <a:buNone/>
+                      </a:pPr>
+                      <a:r>
+                        <a:rPr/>
+                        <a:t>Traits</a:t>
+                      </a:r>
+                    </a:p>
+                  </a:txBody>
+                </a:tc>
+                <a:tc>
+                  <a:txBody>
+                    <a:bodyPr/>
+                    <a:lstStyle/>
+                    <a:p>
+                      <a:endParaRPr/>
+                    </a:p>
+                  </a:txBody>
+                </a:tc>
+              </a:tr>
+              <a:tr h="0">
+                <a:tc>
+                  <a:txBody>
+                    <a:bodyPr/>
+                    <a:lstStyle/>
+                    <a:p>
+                      <a:pPr lvl="0" marL="0" indent="0">
+                        <a:buNone/>
+                      </a:pPr>
+                      <a:r>
+                        <a:rPr/>
+                        <a:t>Available</a:t>
+                      </a:r>
+                      <a:r>
+                        <a:rPr/>
+                        <a:t> </a:t>
+                      </a:r>
+                      <a:r>
+                        <a:rPr/>
+                        <a:t>to</a:t>
+                      </a:r>
+                      <a:r>
+                        <a:rPr/>
+                        <a:t> </a:t>
+                      </a:r>
+                      <a:r>
+                        <a:rPr/>
+                        <a:t>Adopt</a:t>
+                      </a:r>
+                      <a:r>
+                        <a:rPr/>
+                        <a:t> </a:t>
+                      </a:r>
+                      <a:r>
+                        <a:rPr/>
+                        <a:t>(yes/no)</a:t>
+                      </a:r>
+                    </a:p>
+                  </a:txBody>
+                </a:tc>
+                <a:tc>
+                  <a:txBody>
+                    <a:bodyPr/>
+                    <a:lstStyle/>
+                    <a:p>
+                      <a:endParaRPr/>
+                    </a:p>
+                  </a:txBody>
+                </a:tc>
+              </a:tr>
+            </a:tbl>
+          </a:graphicData>
+        </a:graphic>
+      </p:graphicFrame>
     </p:spTree>
   </p:cSld>
 </p:sld>
@@ -13555,15 +15088,23 @@
             </a:pPr>
             <a:r>
               <a:rPr/>
-              <a:t>Pet</a:t>
-            </a:r>
-            <a:r>
-              <a:rPr/>
-              <a:t> </a:t>
-            </a:r>
-            <a:r>
-              <a:rPr/>
-              <a:t>Page</a:t>
+              <a:t>Discussion:</a:t>
+            </a:r>
+            <a:r>
+              <a:rPr/>
+              <a:t> </a:t>
+            </a:r>
+            <a:r>
+              <a:rPr/>
+              <a:t>Website</a:t>
+            </a:r>
+            <a:r>
+              <a:rPr/>
+              <a:t> </a:t>
+            </a:r>
+            <a:r>
+              <a:rPr/>
+              <a:t>Creation</a:t>
             </a:r>
           </a:p>
         </p:txBody>
@@ -13583,259 +15124,31 @@
           <a:bodyPr/>
           <a:lstStyle/>
           <a:p>
-            <a:pPr lvl="0" marL="1270000" indent="0">
-              <a:buNone/>
-            </a:pPr>
-            <a:r>
-              <a:rPr sz="2000"/>
-              <a:t>Tip! Sample algorithm for creating pet pages is here:</a:t>
-            </a:r>
-          </a:p>
-          <a:p>
             <a:pPr lvl="1"/>
             <a:r>
-              <a:rPr sz="2000"/>
-              <a:t>Open text editor, save new document as .HTML</a:t>
+              <a:rPr/>
+              <a:t>Can you think of some static sites— sites that don’t have new content often, or ever?</a:t>
             </a:r>
           </a:p>
           <a:p>
             <a:pPr lvl="1"/>
             <a:r>
-              <a:rPr sz="2000"/>
-              <a:t>Type or paste in content for first pet page</a:t>
-            </a:r>
-          </a:p>
-          <a:p>
-            <a:pPr lvl="2"/>
-            <a:r>
-              <a:rPr sz="2000"/>
-              <a:t>Pet Name:</a:t>
-            </a:r>
-          </a:p>
-          <a:p>
-            <a:pPr lvl="2"/>
-            <a:r>
-              <a:rPr sz="2000"/>
-              <a:t>Location:</a:t>
-            </a:r>
-          </a:p>
-          <a:p>
-            <a:pPr lvl="2"/>
-            <a:r>
-              <a:rPr sz="2000"/>
-              <a:t>Image:</a:t>
-            </a:r>
-          </a:p>
-          <a:p>
-            <a:pPr lvl="2"/>
-            <a:r>
-              <a:rPr sz="2000"/>
-              <a:t>Age:</a:t>
-            </a:r>
-          </a:p>
-          <a:p>
-            <a:pPr lvl="2"/>
-            <a:r>
-              <a:rPr sz="2000"/>
-              <a:t>Traits:</a:t>
-            </a:r>
-          </a:p>
-          <a:p>
-            <a:pPr lvl="2"/>
-            <a:r>
-              <a:rPr sz="2000"/>
-              <a:t>Available to Adopt (yes/no):</a:t>
-            </a:r>
-          </a:p>
-          <a:p>
-            <a:pPr lvl="2"/>
-            <a:r>
-              <a:rPr sz="2000"/>
-              <a:t>Comment:</a:t>
+              <a:rPr/>
+              <a:t>What are sites that change a lot?</a:t>
             </a:r>
           </a:p>
           <a:p>
             <a:pPr lvl="1"/>
             <a:r>
-              <a:rPr sz="2000"/>
-              <a:t>Mark it up with HTML</a:t>
-            </a:r>
-          </a:p>
-          <a:p>
-            <a:pPr lvl="2"/>
-            <a:r>
-              <a:rPr sz="2000"/>
-              <a:t>Add styles for each type of data using CSS</a:t>
-            </a:r>
-          </a:p>
-          <a:p>
-            <a:pPr lvl="2"/>
-            <a:r>
-              <a:rPr sz="2000"/>
-              <a:t>Save, and check to see that it works in browser</a:t>
-            </a:r>
-          </a:p>
-          <a:p>
-            <a:pPr lvl="2"/>
-            <a:r>
-              <a:rPr sz="2000"/>
-              <a:t>Open text editor, save new document as .HTML</a:t>
+              <a:rPr/>
+              <a:t>What kinds of sites or pages do we visit most often?</a:t>
             </a:r>
           </a:p>
           <a:p>
             <a:pPr lvl="1"/>
             <a:r>
-              <a:rPr sz="2000"/>
-              <a:t>Paste in content for next pet page</a:t>
-            </a:r>
-          </a:p>
-          <a:p>
-            <a:pPr lvl="2"/>
-            <a:r>
-              <a:rPr sz="2000"/>
-              <a:t>Pet Name:</a:t>
-            </a:r>
-          </a:p>
-          <a:p>
-            <a:pPr lvl="2"/>
-            <a:r>
-              <a:rPr sz="2000"/>
-              <a:t>Location:</a:t>
-            </a:r>
-          </a:p>
-          <a:p>
-            <a:pPr lvl="2"/>
-            <a:r>
-              <a:rPr sz="2000"/>
-              <a:t>Image:</a:t>
-            </a:r>
-          </a:p>
-          <a:p>
-            <a:pPr lvl="2"/>
-            <a:r>
-              <a:rPr sz="2000"/>
-              <a:t>Age:</a:t>
-            </a:r>
-          </a:p>
-          <a:p>
-            <a:pPr lvl="2"/>
-            <a:r>
-              <a:rPr sz="2000"/>
-              <a:t>Traits:</a:t>
-            </a:r>
-          </a:p>
-          <a:p>
-            <a:pPr lvl="2"/>
-            <a:r>
-              <a:rPr sz="2000"/>
-              <a:t>Available to Adopt (yes/no):</a:t>
-            </a:r>
-          </a:p>
-          <a:p>
-            <a:pPr lvl="2"/>
-            <a:r>
-              <a:rPr sz="2000"/>
-              <a:t>Comment:</a:t>
-            </a:r>
-          </a:p>
-          <a:p>
-            <a:pPr lvl="1"/>
-            <a:r>
-              <a:rPr sz="2000"/>
-              <a:t>Mark it up with HTML</a:t>
-            </a:r>
-          </a:p>
-          <a:p>
-            <a:pPr lvl="1"/>
-            <a:r>
-              <a:rPr sz="2000"/>
-              <a:t>Add styles using CSS</a:t>
-            </a:r>
-          </a:p>
-          <a:p>
-            <a:pPr lvl="1"/>
-            <a:r>
-              <a:rPr sz="2000"/>
-              <a:t>Save, and check to see that it works in browser</a:t>
-            </a:r>
-          </a:p>
-          <a:p>
-            <a:pPr lvl="1"/>
-            <a:r>
-              <a:rPr sz="2000"/>
-              <a:t>(Repeat x times)</a:t>
-            </a:r>
-          </a:p>
-          <a:p>
-            <a:pPr lvl="1"/>
-            <a:r>
-              <a:rPr/>
-              <a:t>Explain that developers and designers have created tools– some of which are free and focused on first-time users, like you– that help streamline these processes, so no one has to mark up tens or hundreds or even thousands of similar pages.</a:t>
-            </a:r>
-          </a:p>
-          <a:p>
-            <a:pPr lvl="1"/>
-            <a:r>
-              <a:rPr/>
-              <a:t>In a web builder, the computer does the hard part! Anytime we have a repetitive process, it’s GREAT work for a software program– computers do tasks like this much better than humans, with no complaining.</a:t>
-            </a:r>
-          </a:p>
-          <a:p>
-            <a:pPr lvl="0" marL="0" indent="0">
-              <a:buNone/>
-            </a:pPr>
-            <a:r>
-              <a:rPr/>
-              <a:t>::: Web Builders</a:t>
-            </a:r>
-          </a:p>
-          <a:p>
-            <a:pPr lvl="1"/>
-            <a:r>
-              <a:rPr/>
-              <a:t>These web builder tools, in their most basic form, combine four elements. We’ll talk about how they work together.</a:t>
-            </a:r>
-          </a:p>
-          <a:p>
-            <a:pPr lvl="2"/>
-            <a:r>
-              <a:rPr/>
-              <a:t>Content stored in a database</a:t>
-            </a:r>
-          </a:p>
-          <a:p>
-            <a:pPr lvl="2"/>
-            <a:r>
-              <a:rPr/>
-              <a:t>HTML templates</a:t>
-            </a:r>
-          </a:p>
-          <a:p>
-            <a:pPr lvl="2"/>
-            <a:r>
-              <a:rPr/>
-              <a:t>CSS design rules</a:t>
-            </a:r>
-          </a:p>
-          <a:p>
-            <a:pPr lvl="1"/>
-            <a:r>
-              <a:rPr/>
-              <a:t>Some code that runs on the to bring all these together, on the fly (PHP, Python, Ruby, Javascript)</a:t>
-            </a:r>
-          </a:p>
-          <a:p>
-            <a:pPr lvl="1"/>
-            <a:r>
-              <a:rPr/>
-              <a:t>A user simple interface for entering content.</a:t>
-            </a:r>
-          </a:p>
-          <a:p>
-            <a:pPr lvl="2"/>
-            <a:r>
-              <a:rPr/>
-              <a:t>This interface hides the html, css, and any code from the user. They are sometimes drag-and-drop, or you type in your content and make some simple selections. But we’re going to explore how the web builders work behind the scenes, once all your stuff is entered in the database.</a:t>
+              <a:rPr/>
+              <a:t>What does this say about the internet?</a:t>
             </a:r>
           </a:p>
         </p:txBody>
@@ -13882,14 +15195,6 @@
             </a:pPr>
             <a:r>
               <a:rPr/>
-              <a:t>Building</a:t>
-            </a:r>
-            <a:r>
-              <a:rPr/>
-              <a:t> </a:t>
-            </a:r>
-            <a:r>
-              <a:rPr/>
               <a:t>Pet</a:t>
             </a:r>
             <a:r>
@@ -13898,7 +15203,7 @@
             </a:r>
             <a:r>
               <a:rPr/>
-              <a:t>Pages</a:t>
+              <a:t>Page</a:t>
             </a:r>
           </a:p>
         </p:txBody>
@@ -13921,21 +15226,28 @@
             <a:pPr lvl="1"/>
             <a:r>
               <a:rPr/>
-              <a:t>Let’s see how this is done, for our pet site, on paper. First we need our 4 ingredients!</a:t>
-            </a:r>
-          </a:p>
-          <a:p>
-            <a:pPr lvl="2"/>
-            <a:r>
-              <a:rPr/>
-              <a:t>Content in the database</a:t>
+              <a:t>Let’s imagine we’re making a site that lists different pets, where people can browse the listings see if they want to adopt a pet.</a:t>
             </a:r>
           </a:p>
           <a:p>
             <a:pPr lvl="1"/>
             <a:r>
               <a:rPr/>
-              <a:t>We’ll cut our sheets up, because we’re going to want to access pieces of data separately.</a:t>
+              <a:t>What pages do we need on our site?</a:t>
+            </a:r>
+          </a:p>
+          <a:p>
+            <a:pPr lvl="1"/>
+            <a:r>
+              <a:rPr/>
+              <a:t>Let’s say we have our “home” and “about” pages already.</a:t>
+            </a:r>
+          </a:p>
+          <a:p>
+            <a:pPr lvl="1"/>
+            <a:r>
+              <a:rPr/>
+              <a:t>What steps do we do with the pet data we have to make a page for each pet?</a:t>
             </a:r>
           </a:p>
         </p:txBody>
@@ -13962,70 +15274,81 @@
           <a:chExt cx="0" cy="0"/>
         </a:xfrm>
       </p:grpSpPr>
-      <p:pic>
-        <p:nvPicPr>
-          <p:cNvPr descr="../images/petprofiles.JPG" id="0" name="Picture 1"/>
-          <p:cNvPicPr>
-            <a:picLocks noGrp="1" noChangeAspect="1"/>
-          </p:cNvPicPr>
-          <p:nvPr/>
-        </p:nvPicPr>
-        <p:blipFill>
-          <a:blip r:embed="rId2"/>
-          <a:stretch>
-            <a:fillRect/>
-          </a:stretch>
-        </p:blipFill>
-        <p:spPr bwMode="auto">
-          <a:xfrm>
-            <a:off x="1892300" y="1600200"/>
-            <a:ext cx="5346700" cy="4013200"/>
-          </a:xfrm>
-          <a:prstGeom prst="rect">
-            <a:avLst/>
-          </a:prstGeom>
-          <a:noFill/>
-          <a:ln w="9525">
-            <a:noFill/>
-            <a:headEnd/>
-            <a:tailEnd/>
-          </a:ln>
-        </p:spPr>
-      </p:pic>
       <p:sp>
         <p:nvSpPr>
-          <p:cNvPr id="1" name="TextBox 3"/>
-          <p:cNvSpPr txBox="1"/>
-          <p:nvPr/>
+          <p:cNvPr id="2" name="Title 1"/>
+          <p:cNvSpPr>
+            <a:spLocks noGrp="1"/>
+          </p:cNvSpPr>
+          <p:nvPr>
+            <p:ph type="title"/>
+          </p:nvPr>
         </p:nvSpPr>
-        <p:spPr>
-          <a:xfrm>
-            <a:off x="457200" y="5613400"/>
-            <a:ext cx="8229600" cy="508000"/>
-          </a:xfrm>
-          <a:prstGeom prst="rect">
-            <a:avLst/>
-          </a:prstGeom>
-          <a:noFill/>
-        </p:spPr>
+        <p:spPr/>
         <p:txBody>
           <a:bodyPr/>
           <a:lstStyle/>
           <a:p>
-            <a:pPr lvl="0" marL="0" indent="0" algn="ctr">
+            <a:pPr lvl="0" marL="0" indent="0">
               <a:buNone/>
             </a:pPr>
             <a:r>
               <a:rPr/>
-              <a:t>pet</a:t>
-            </a:r>
-            <a:r>
-              <a:rPr/>
-              <a:t> </a:t>
-            </a:r>
-            <a:r>
-              <a:rPr/>
-              <a:t>profiles</a:t>
+              <a:t>Marking</a:t>
+            </a:r>
+            <a:r>
+              <a:rPr/>
+              <a:t> </a:t>
+            </a:r>
+            <a:r>
+              <a:rPr/>
+              <a:t>up</a:t>
+            </a:r>
+            <a:r>
+              <a:rPr/>
+              <a:t> </a:t>
+            </a:r>
+            <a:r>
+              <a:rPr/>
+              <a:t>with</a:t>
+            </a:r>
+            <a:r>
+              <a:rPr/>
+              <a:t> </a:t>
+            </a:r>
+            <a:r>
+              <a:rPr/>
+              <a:t>code</a:t>
+            </a:r>
+          </a:p>
+        </p:txBody>
+      </p:sp>
+      <p:sp>
+        <p:nvSpPr>
+          <p:cNvPr id="3" name="Content Placeholder 2"/>
+          <p:cNvSpPr>
+            <a:spLocks noGrp="1"/>
+          </p:cNvSpPr>
+          <p:nvPr>
+            <p:ph idx="1"/>
+          </p:nvPr>
+        </p:nvSpPr>
+        <p:spPr/>
+        <p:txBody>
+          <a:bodyPr/>
+          <a:lstStyle/>
+          <a:p>
+            <a:pPr lvl="1"/>
+            <a:r>
+              <a:rPr/>
+              <a:t>Developers and designers have created tools that help streamline these processes, so no one has to mark up tens or hundreds or even thousands of similar pages.</a:t>
+            </a:r>
+          </a:p>
+          <a:p>
+            <a:pPr lvl="1"/>
+            <a:r>
+              <a:rPr/>
+              <a:t>In a web builder, the computer does the hard part! Anytime we have a repetitive process, it’s GREAT work for a software program – computers do tasks like this much better than humans, with no complaining.</a:t>
             </a:r>
           </a:p>
         </p:txBody>
